--- a/Task 3/Fine-tuning model.pptx
+++ b/Task 3/Fine-tuning model.pptx
@@ -2,19 +2,22 @@
 <file path=ppt/presentation.xml><?xml version="1.0" encoding="utf-8"?>
 <p:presentation xmlns:a="http://schemas.openxmlformats.org/drawingml/2006/main" xmlns:r="http://schemas.openxmlformats.org/officeDocument/2006/relationships" xmlns:p="http://schemas.openxmlformats.org/presentationml/2006/main" saveSubsetFonts="1">
   <p:sldMasterIdLst>
-    <p:sldMasterId id="2147483648" r:id="rId1"/>
+    <p:sldMasterId id="2147483660" r:id="rId1"/>
   </p:sldMasterIdLst>
   <p:sldIdLst>
     <p:sldId id="256" r:id="rId2"/>
     <p:sldId id="257" r:id="rId3"/>
     <p:sldId id="258" r:id="rId4"/>
-    <p:sldId id="259" r:id="rId5"/>
-    <p:sldId id="260" r:id="rId6"/>
-    <p:sldId id="261" r:id="rId7"/>
-    <p:sldId id="262" r:id="rId8"/>
-    <p:sldId id="263" r:id="rId9"/>
-    <p:sldId id="264" r:id="rId10"/>
-    <p:sldId id="265" r:id="rId11"/>
+    <p:sldId id="266" r:id="rId5"/>
+    <p:sldId id="259" r:id="rId6"/>
+    <p:sldId id="260" r:id="rId7"/>
+    <p:sldId id="261" r:id="rId8"/>
+    <p:sldId id="262" r:id="rId9"/>
+    <p:sldId id="263" r:id="rId10"/>
+    <p:sldId id="267" r:id="rId11"/>
+    <p:sldId id="268" r:id="rId12"/>
+    <p:sldId id="269" r:id="rId13"/>
+    <p:sldId id="270" r:id="rId14"/>
   </p:sldIdLst>
   <p:sldSz cx="12192000" cy="6858000"/>
   <p:notesSz cx="6858000" cy="9144000"/>
@@ -22,7 +25,7 @@
     <a:defPPr>
       <a:defRPr lang="en-US"/>
     </a:defPPr>
-    <a:lvl1pPr marL="0" algn="l" defTabSz="914400" rtl="0" eaLnBrk="1" latinLnBrk="0" hangingPunct="1">
+    <a:lvl1pPr marL="0" algn="l" defTabSz="457200" rtl="0" eaLnBrk="1" latinLnBrk="0" hangingPunct="1">
       <a:defRPr sz="1800" kern="1200">
         <a:solidFill>
           <a:schemeClr val="tx1"/>
@@ -32,7 +35,7 @@
         <a:cs typeface="+mn-cs"/>
       </a:defRPr>
     </a:lvl1pPr>
-    <a:lvl2pPr marL="457200" algn="l" defTabSz="914400" rtl="0" eaLnBrk="1" latinLnBrk="0" hangingPunct="1">
+    <a:lvl2pPr marL="457200" algn="l" defTabSz="457200" rtl="0" eaLnBrk="1" latinLnBrk="0" hangingPunct="1">
       <a:defRPr sz="1800" kern="1200">
         <a:solidFill>
           <a:schemeClr val="tx1"/>
@@ -42,7 +45,7 @@
         <a:cs typeface="+mn-cs"/>
       </a:defRPr>
     </a:lvl2pPr>
-    <a:lvl3pPr marL="914400" algn="l" defTabSz="914400" rtl="0" eaLnBrk="1" latinLnBrk="0" hangingPunct="1">
+    <a:lvl3pPr marL="914400" algn="l" defTabSz="457200" rtl="0" eaLnBrk="1" latinLnBrk="0" hangingPunct="1">
       <a:defRPr sz="1800" kern="1200">
         <a:solidFill>
           <a:schemeClr val="tx1"/>
@@ -52,7 +55,7 @@
         <a:cs typeface="+mn-cs"/>
       </a:defRPr>
     </a:lvl3pPr>
-    <a:lvl4pPr marL="1371600" algn="l" defTabSz="914400" rtl="0" eaLnBrk="1" latinLnBrk="0" hangingPunct="1">
+    <a:lvl4pPr marL="1371600" algn="l" defTabSz="457200" rtl="0" eaLnBrk="1" latinLnBrk="0" hangingPunct="1">
       <a:defRPr sz="1800" kern="1200">
         <a:solidFill>
           <a:schemeClr val="tx1"/>
@@ -62,7 +65,7 @@
         <a:cs typeface="+mn-cs"/>
       </a:defRPr>
     </a:lvl4pPr>
-    <a:lvl5pPr marL="1828800" algn="l" defTabSz="914400" rtl="0" eaLnBrk="1" latinLnBrk="0" hangingPunct="1">
+    <a:lvl5pPr marL="1828800" algn="l" defTabSz="457200" rtl="0" eaLnBrk="1" latinLnBrk="0" hangingPunct="1">
       <a:defRPr sz="1800" kern="1200">
         <a:solidFill>
           <a:schemeClr val="tx1"/>
@@ -72,7 +75,7 @@
         <a:cs typeface="+mn-cs"/>
       </a:defRPr>
     </a:lvl5pPr>
-    <a:lvl6pPr marL="2286000" algn="l" defTabSz="914400" rtl="0" eaLnBrk="1" latinLnBrk="0" hangingPunct="1">
+    <a:lvl6pPr marL="2286000" algn="l" defTabSz="457200" rtl="0" eaLnBrk="1" latinLnBrk="0" hangingPunct="1">
       <a:defRPr sz="1800" kern="1200">
         <a:solidFill>
           <a:schemeClr val="tx1"/>
@@ -82,7 +85,7 @@
         <a:cs typeface="+mn-cs"/>
       </a:defRPr>
     </a:lvl6pPr>
-    <a:lvl7pPr marL="2743200" algn="l" defTabSz="914400" rtl="0" eaLnBrk="1" latinLnBrk="0" hangingPunct="1">
+    <a:lvl7pPr marL="2743200" algn="l" defTabSz="457200" rtl="0" eaLnBrk="1" latinLnBrk="0" hangingPunct="1">
       <a:defRPr sz="1800" kern="1200">
         <a:solidFill>
           <a:schemeClr val="tx1"/>
@@ -92,7 +95,7 @@
         <a:cs typeface="+mn-cs"/>
       </a:defRPr>
     </a:lvl7pPr>
-    <a:lvl8pPr marL="3200400" algn="l" defTabSz="914400" rtl="0" eaLnBrk="1" latinLnBrk="0" hangingPunct="1">
+    <a:lvl8pPr marL="3200400" algn="l" defTabSz="457200" rtl="0" eaLnBrk="1" latinLnBrk="0" hangingPunct="1">
       <a:defRPr sz="1800" kern="1200">
         <a:solidFill>
           <a:schemeClr val="tx1"/>
@@ -102,7 +105,7 @@
         <a:cs typeface="+mn-cs"/>
       </a:defRPr>
     </a:lvl8pPr>
-    <a:lvl9pPr marL="3657600" algn="l" defTabSz="914400" rtl="0" eaLnBrk="1" latinLnBrk="0" hangingPunct="1">
+    <a:lvl9pPr marL="3657600" algn="l" defTabSz="457200" rtl="0" eaLnBrk="1" latinLnBrk="0" hangingPunct="1">
       <a:defRPr sz="1800" kern="1200">
         <a:solidFill>
           <a:schemeClr val="tx1"/>
@@ -122,7 +125,7 @@
 </file>
 
 <file path=ppt/slideLayouts/slideLayout1.xml><?xml version="1.0" encoding="utf-8"?>
-<p:sldLayout xmlns:a="http://schemas.openxmlformats.org/drawingml/2006/main" xmlns:r="http://schemas.openxmlformats.org/officeDocument/2006/relationships" xmlns:p="http://schemas.openxmlformats.org/presentationml/2006/main" type="title" preserve="1">
+<p:sldLayout xmlns:a="http://schemas.openxmlformats.org/drawingml/2006/main" xmlns:r="http://schemas.openxmlformats.org/officeDocument/2006/relationships" xmlns:p="http://schemas.openxmlformats.org/presentationml/2006/main" showMasterSp="0" type="title" preserve="1">
   <p:cSld name="Title Slide">
     <p:spTree>
       <p:nvGrpSpPr>
@@ -140,31 +143,113 @@
       </p:grpSpPr>
       <p:sp>
         <p:nvSpPr>
-          <p:cNvPr id="2" name="Title 1">
-            <a:extLst>
-              <a:ext uri="{FF2B5EF4-FFF2-40B4-BE49-F238E27FC236}">
-                <a16:creationId xmlns:a16="http://schemas.microsoft.com/office/drawing/2014/main" id="{96592192-0715-429E-85B9-9137369105F1}"/>
-              </a:ext>
-            </a:extLst>
-          </p:cNvPr>
-          <p:cNvSpPr>
-            <a:spLocks noGrp="1"/>
-          </p:cNvSpPr>
-          <p:nvPr>
-            <p:ph type="ctrTitle"/>
-          </p:nvPr>
+          <p:cNvPr id="7" name="Rectangle 6"/>
+          <p:cNvSpPr/>
+          <p:nvPr/>
         </p:nvSpPr>
         <p:spPr>
           <a:xfrm>
-            <a:off x="1524000" y="1122363"/>
-            <a:ext cx="9144000" cy="2387600"/>
+            <a:off x="3175" y="6400800"/>
+            <a:ext cx="12188825" cy="457200"/>
+          </a:xfrm>
+          <a:prstGeom prst="rect">
+            <a:avLst/>
+          </a:prstGeom>
+          <a:solidFill>
+            <a:schemeClr val="accent2"/>
+          </a:solidFill>
+          <a:ln>
+            <a:noFill/>
+          </a:ln>
+        </p:spPr>
+        <p:style>
+          <a:lnRef idx="2">
+            <a:schemeClr val="accent1">
+              <a:shade val="50000"/>
+            </a:schemeClr>
+          </a:lnRef>
+          <a:fillRef idx="1">
+            <a:schemeClr val="accent1"/>
+          </a:fillRef>
+          <a:effectRef idx="0">
+            <a:schemeClr val="accent1"/>
+          </a:effectRef>
+          <a:fontRef idx="minor">
+            <a:schemeClr val="lt1"/>
+          </a:fontRef>
+        </p:style>
+      </p:sp>
+      <p:sp>
+        <p:nvSpPr>
+          <p:cNvPr id="8" name="Rectangle 7"/>
+          <p:cNvSpPr/>
+          <p:nvPr/>
+        </p:nvSpPr>
+        <p:spPr>
+          <a:xfrm>
+            <a:off x="15" y="6334316"/>
+            <a:ext cx="12188825" cy="64008"/>
+          </a:xfrm>
+          <a:prstGeom prst="rect">
+            <a:avLst/>
+          </a:prstGeom>
+          <a:solidFill>
+            <a:schemeClr val="accent1"/>
+          </a:solidFill>
+          <a:ln>
+            <a:noFill/>
+          </a:ln>
+        </p:spPr>
+        <p:style>
+          <a:lnRef idx="2">
+            <a:schemeClr val="accent1">
+              <a:shade val="50000"/>
+            </a:schemeClr>
+          </a:lnRef>
+          <a:fillRef idx="1">
+            <a:schemeClr val="accent1"/>
+          </a:fillRef>
+          <a:effectRef idx="0">
+            <a:schemeClr val="accent1"/>
+          </a:effectRef>
+          <a:fontRef idx="minor">
+            <a:schemeClr val="lt1"/>
+          </a:fontRef>
+        </p:style>
+      </p:sp>
+      <p:sp>
+        <p:nvSpPr>
+          <p:cNvPr id="2" name="Title 1"/>
+          <p:cNvSpPr>
+            <a:spLocks noGrp="1"/>
+          </p:cNvSpPr>
+          <p:nvPr>
+            <p:ph type="ctrTitle"/>
+          </p:nvPr>
+        </p:nvSpPr>
+        <p:spPr>
+          <a:xfrm>
+            <a:off x="1097280" y="758952"/>
+            <a:ext cx="10058400" cy="3566160"/>
           </a:xfrm>
         </p:spPr>
         <p:txBody>
-          <a:bodyPr anchor="b"/>
+          <a:bodyPr anchor="b">
+            <a:normAutofit/>
+          </a:bodyPr>
           <a:lstStyle>
-            <a:lvl1pPr algn="ctr">
-              <a:defRPr sz="6000"/>
+            <a:lvl1pPr algn="l">
+              <a:lnSpc>
+                <a:spcPct val="85000"/>
+              </a:lnSpc>
+              <a:defRPr sz="8000" spc="-50" baseline="0">
+                <a:solidFill>
+                  <a:schemeClr val="tx1">
+                    <a:lumMod val="85000"/>
+                    <a:lumOff val="15000"/>
+                  </a:schemeClr>
+                </a:solidFill>
+              </a:defRPr>
             </a:lvl1pPr>
           </a:lstStyle>
           <a:p>
@@ -172,18 +257,13 @@
               <a:rPr lang="en-US"/>
               <a:t>Click to edit Master title style</a:t>
             </a:r>
-          </a:p>
-        </p:txBody>
-      </p:sp>
-      <p:sp>
-        <p:nvSpPr>
-          <p:cNvPr id="3" name="Subtitle 2">
-            <a:extLst>
-              <a:ext uri="{FF2B5EF4-FFF2-40B4-BE49-F238E27FC236}">
-                <a16:creationId xmlns:a16="http://schemas.microsoft.com/office/drawing/2014/main" id="{A9B13518-5286-4578-96EB-D5ECCA4A6B07}"/>
-              </a:ext>
-            </a:extLst>
-          </p:cNvPr>
+            <a:endParaRPr lang="en-US" dirty="0"/>
+          </a:p>
+        </p:txBody>
+      </p:sp>
+      <p:sp>
+        <p:nvSpPr>
+          <p:cNvPr id="3" name="Subtitle 2"/>
           <p:cNvSpPr>
             <a:spLocks noGrp="1"/>
           </p:cNvSpPr>
@@ -193,48 +273,55 @@
         </p:nvSpPr>
         <p:spPr>
           <a:xfrm>
-            <a:off x="1524000" y="3602038"/>
-            <a:ext cx="9144000" cy="1655762"/>
+            <a:off x="1100051" y="4455620"/>
+            <a:ext cx="10058400" cy="1143000"/>
           </a:xfrm>
         </p:spPr>
         <p:txBody>
-          <a:bodyPr/>
+          <a:bodyPr lIns="91440" rIns="91440">
+            <a:normAutofit/>
+          </a:bodyPr>
           <a:lstStyle>
-            <a:lvl1pPr marL="0" indent="0" algn="ctr">
-              <a:buNone/>
-              <a:defRPr sz="2400"/>
+            <a:lvl1pPr marL="0" indent="0" algn="l">
+              <a:buNone/>
+              <a:defRPr sz="2400" cap="all" spc="200" baseline="0">
+                <a:solidFill>
+                  <a:schemeClr val="tx2"/>
+                </a:solidFill>
+                <a:latin typeface="+mj-lt"/>
+              </a:defRPr>
             </a:lvl1pPr>
             <a:lvl2pPr marL="457200" indent="0" algn="ctr">
               <a:buNone/>
-              <a:defRPr sz="2000"/>
+              <a:defRPr sz="2400"/>
             </a:lvl2pPr>
             <a:lvl3pPr marL="914400" indent="0" algn="ctr">
               <a:buNone/>
-              <a:defRPr sz="1800"/>
+              <a:defRPr sz="2400"/>
             </a:lvl3pPr>
             <a:lvl4pPr marL="1371600" indent="0" algn="ctr">
               <a:buNone/>
-              <a:defRPr sz="1600"/>
+              <a:defRPr sz="2000"/>
             </a:lvl4pPr>
             <a:lvl5pPr marL="1828800" indent="0" algn="ctr">
               <a:buNone/>
-              <a:defRPr sz="1600"/>
+              <a:defRPr sz="2000"/>
             </a:lvl5pPr>
             <a:lvl6pPr marL="2286000" indent="0" algn="ctr">
               <a:buNone/>
-              <a:defRPr sz="1600"/>
+              <a:defRPr sz="2000"/>
             </a:lvl6pPr>
             <a:lvl7pPr marL="2743200" indent="0" algn="ctr">
               <a:buNone/>
-              <a:defRPr sz="1600"/>
+              <a:defRPr sz="2000"/>
             </a:lvl7pPr>
             <a:lvl8pPr marL="3200400" indent="0" algn="ctr">
               <a:buNone/>
-              <a:defRPr sz="1600"/>
+              <a:defRPr sz="2000"/>
             </a:lvl8pPr>
             <a:lvl9pPr marL="3657600" indent="0" algn="ctr">
               <a:buNone/>
-              <a:defRPr sz="1600"/>
+              <a:defRPr sz="2000"/>
             </a:lvl9pPr>
           </a:lstStyle>
           <a:p>
@@ -242,18 +329,13 @@
               <a:rPr lang="en-US"/>
               <a:t>Click to edit Master subtitle style</a:t>
             </a:r>
-          </a:p>
-        </p:txBody>
-      </p:sp>
-      <p:sp>
-        <p:nvSpPr>
-          <p:cNvPr id="4" name="Date Placeholder 3">
-            <a:extLst>
-              <a:ext uri="{FF2B5EF4-FFF2-40B4-BE49-F238E27FC236}">
-                <a16:creationId xmlns:a16="http://schemas.microsoft.com/office/drawing/2014/main" id="{703055DA-A99F-4DC4-9816-0538641484C2}"/>
-              </a:ext>
-            </a:extLst>
-          </p:cNvPr>
+            <a:endParaRPr lang="en-US" dirty="0"/>
+          </a:p>
+        </p:txBody>
+      </p:sp>
+      <p:sp>
+        <p:nvSpPr>
+          <p:cNvPr id="4" name="Date Placeholder 3"/>
           <p:cNvSpPr>
             <a:spLocks noGrp="1"/>
           </p:cNvSpPr>
@@ -268,7 +350,7 @@
           <a:p>
             <a:fld id="{1C3CDFC3-04F2-4476-8235-34C856F3323E}" type="datetimeFigureOut">
               <a:rPr lang="en-US" smtClean="0"/>
-              <a:t>9/17/2025</a:t>
+              <a:t>9/23/2025</a:t>
             </a:fld>
             <a:endParaRPr lang="en-US"/>
           </a:p>
@@ -276,13 +358,7 @@
       </p:sp>
       <p:sp>
         <p:nvSpPr>
-          <p:cNvPr id="5" name="Footer Placeholder 4">
-            <a:extLst>
-              <a:ext uri="{FF2B5EF4-FFF2-40B4-BE49-F238E27FC236}">
-                <a16:creationId xmlns:a16="http://schemas.microsoft.com/office/drawing/2014/main" id="{E6D56F6A-A236-4200-8E83-CDBDE2A0A85A}"/>
-              </a:ext>
-            </a:extLst>
-          </p:cNvPr>
+          <p:cNvPr id="5" name="Footer Placeholder 4"/>
           <p:cNvSpPr>
             <a:spLocks noGrp="1"/>
           </p:cNvSpPr>
@@ -301,13 +377,7 @@
       </p:sp>
       <p:sp>
         <p:nvSpPr>
-          <p:cNvPr id="6" name="Slide Number Placeholder 5">
-            <a:extLst>
-              <a:ext uri="{FF2B5EF4-FFF2-40B4-BE49-F238E27FC236}">
-                <a16:creationId xmlns:a16="http://schemas.microsoft.com/office/drawing/2014/main" id="{74DD2751-F190-4BB3-B939-F7BCAE24E67A}"/>
-              </a:ext>
-            </a:extLst>
-          </p:cNvPr>
+          <p:cNvPr id="6" name="Slide Number Placeholder 5"/>
           <p:cNvSpPr>
             <a:spLocks noGrp="1"/>
           </p:cNvSpPr>
@@ -328,10 +398,48 @@
           </a:p>
         </p:txBody>
       </p:sp>
+      <p:cxnSp>
+        <p:nvCxnSpPr>
+          <p:cNvPr id="9" name="Straight Connector 8"/>
+          <p:cNvCxnSpPr/>
+          <p:nvPr/>
+        </p:nvCxnSpPr>
+        <p:spPr>
+          <a:xfrm>
+            <a:off x="1207658" y="4343400"/>
+            <a:ext cx="9875520" cy="0"/>
+          </a:xfrm>
+          <a:prstGeom prst="line">
+            <a:avLst/>
+          </a:prstGeom>
+          <a:ln w="6350">
+            <a:solidFill>
+              <a:schemeClr val="tx1">
+                <a:lumMod val="50000"/>
+                <a:lumOff val="50000"/>
+              </a:schemeClr>
+            </a:solidFill>
+          </a:ln>
+        </p:spPr>
+        <p:style>
+          <a:lnRef idx="1">
+            <a:schemeClr val="accent1"/>
+          </a:lnRef>
+          <a:fillRef idx="0">
+            <a:schemeClr val="accent1"/>
+          </a:fillRef>
+          <a:effectRef idx="0">
+            <a:schemeClr val="accent1"/>
+          </a:effectRef>
+          <a:fontRef idx="minor">
+            <a:schemeClr val="tx1"/>
+          </a:fontRef>
+        </p:style>
+      </p:cxnSp>
     </p:spTree>
     <p:extLst>
       <p:ext uri="{BB962C8B-B14F-4D97-AF65-F5344CB8AC3E}">
-        <p14:creationId xmlns:p14="http://schemas.microsoft.com/office/powerpoint/2010/main" val="2775419667"/>
+        <p14:creationId xmlns:p14="http://schemas.microsoft.com/office/powerpoint/2010/main" val="2783935670"/>
       </p:ext>
     </p:extLst>
   </p:cSld>
@@ -360,13 +468,7 @@
       </p:grpSpPr>
       <p:sp>
         <p:nvSpPr>
-          <p:cNvPr id="2" name="Title 1">
-            <a:extLst>
-              <a:ext uri="{FF2B5EF4-FFF2-40B4-BE49-F238E27FC236}">
-                <a16:creationId xmlns:a16="http://schemas.microsoft.com/office/drawing/2014/main" id="{6CF855B4-E8F9-43AE-807D-97B80CF0F845}"/>
-              </a:ext>
-            </a:extLst>
-          </p:cNvPr>
+          <p:cNvPr id="2" name="Title 1"/>
           <p:cNvSpPr>
             <a:spLocks noGrp="1"/>
           </p:cNvSpPr>
@@ -383,18 +485,13 @@
               <a:rPr lang="en-US"/>
               <a:t>Click to edit Master title style</a:t>
             </a:r>
-          </a:p>
-        </p:txBody>
-      </p:sp>
-      <p:sp>
-        <p:nvSpPr>
-          <p:cNvPr id="3" name="Vertical Text Placeholder 2">
-            <a:extLst>
-              <a:ext uri="{FF2B5EF4-FFF2-40B4-BE49-F238E27FC236}">
-                <a16:creationId xmlns:a16="http://schemas.microsoft.com/office/drawing/2014/main" id="{2EFCDE86-907E-40B6-B0D3-FBC151BE2445}"/>
-              </a:ext>
-            </a:extLst>
-          </p:cNvPr>
+            <a:endParaRPr lang="en-US" dirty="0"/>
+          </a:p>
+        </p:txBody>
+      </p:sp>
+      <p:sp>
+        <p:nvSpPr>
+          <p:cNvPr id="3" name="Vertical Text Placeholder 2"/>
           <p:cNvSpPr>
             <a:spLocks noGrp="1"/>
           </p:cNvSpPr>
@@ -404,7 +501,7 @@
         </p:nvSpPr>
         <p:spPr/>
         <p:txBody>
-          <a:bodyPr vert="eaVert"/>
+          <a:bodyPr vert="eaVert" lIns="45720" tIns="0" rIns="45720" bIns="0"/>
           <a:lstStyle/>
           <a:p>
             <a:pPr lvl="0"/>
@@ -440,18 +537,13 @@
               <a:rPr lang="en-US"/>
               <a:t>Fifth level</a:t>
             </a:r>
-          </a:p>
-        </p:txBody>
-      </p:sp>
-      <p:sp>
-        <p:nvSpPr>
-          <p:cNvPr id="4" name="Date Placeholder 3">
-            <a:extLst>
-              <a:ext uri="{FF2B5EF4-FFF2-40B4-BE49-F238E27FC236}">
-                <a16:creationId xmlns:a16="http://schemas.microsoft.com/office/drawing/2014/main" id="{53D9685A-D8EC-4511-BF2E-B0F00D5D06EF}"/>
-              </a:ext>
-            </a:extLst>
-          </p:cNvPr>
+            <a:endParaRPr lang="en-US" dirty="0"/>
+          </a:p>
+        </p:txBody>
+      </p:sp>
+      <p:sp>
+        <p:nvSpPr>
+          <p:cNvPr id="4" name="Date Placeholder 3"/>
           <p:cNvSpPr>
             <a:spLocks noGrp="1"/>
           </p:cNvSpPr>
@@ -466,7 +558,7 @@
           <a:p>
             <a:fld id="{1C3CDFC3-04F2-4476-8235-34C856F3323E}" type="datetimeFigureOut">
               <a:rPr lang="en-US" smtClean="0"/>
-              <a:t>9/17/2025</a:t>
+              <a:t>9/23/2025</a:t>
             </a:fld>
             <a:endParaRPr lang="en-US"/>
           </a:p>
@@ -474,13 +566,7 @@
       </p:sp>
       <p:sp>
         <p:nvSpPr>
-          <p:cNvPr id="5" name="Footer Placeholder 4">
-            <a:extLst>
-              <a:ext uri="{FF2B5EF4-FFF2-40B4-BE49-F238E27FC236}">
-                <a16:creationId xmlns:a16="http://schemas.microsoft.com/office/drawing/2014/main" id="{E7F31614-BBDA-41C5-82BD-EB579E175324}"/>
-              </a:ext>
-            </a:extLst>
-          </p:cNvPr>
+          <p:cNvPr id="5" name="Footer Placeholder 4"/>
           <p:cNvSpPr>
             <a:spLocks noGrp="1"/>
           </p:cNvSpPr>
@@ -499,13 +585,7 @@
       </p:sp>
       <p:sp>
         <p:nvSpPr>
-          <p:cNvPr id="6" name="Slide Number Placeholder 5">
-            <a:extLst>
-              <a:ext uri="{FF2B5EF4-FFF2-40B4-BE49-F238E27FC236}">
-                <a16:creationId xmlns:a16="http://schemas.microsoft.com/office/drawing/2014/main" id="{DB849824-4298-4144-8228-C81EAE111655}"/>
-              </a:ext>
-            </a:extLst>
-          </p:cNvPr>
+          <p:cNvPr id="6" name="Slide Number Placeholder 5"/>
           <p:cNvSpPr>
             <a:spLocks noGrp="1"/>
           </p:cNvSpPr>
@@ -529,7 +609,7 @@
     </p:spTree>
     <p:extLst>
       <p:ext uri="{BB962C8B-B14F-4D97-AF65-F5344CB8AC3E}">
-        <p14:creationId xmlns:p14="http://schemas.microsoft.com/office/powerpoint/2010/main" val="3381867357"/>
+        <p14:creationId xmlns:p14="http://schemas.microsoft.com/office/powerpoint/2010/main" val="3479454743"/>
       </p:ext>
     </p:extLst>
   </p:cSld>
@@ -540,7 +620,7 @@
 </file>
 
 <file path=ppt/slideLayouts/slideLayout11.xml><?xml version="1.0" encoding="utf-8"?>
-<p:sldLayout xmlns:a="http://schemas.openxmlformats.org/drawingml/2006/main" xmlns:r="http://schemas.openxmlformats.org/officeDocument/2006/relationships" xmlns:p="http://schemas.openxmlformats.org/presentationml/2006/main" type="vertTitleAndTx" preserve="1">
+<p:sldLayout xmlns:a="http://schemas.openxmlformats.org/drawingml/2006/main" xmlns:r="http://schemas.openxmlformats.org/officeDocument/2006/relationships" xmlns:p="http://schemas.openxmlformats.org/presentationml/2006/main" showMasterSp="0" type="vertTitleAndTx" preserve="1">
   <p:cSld name="Vertical Title and Text">
     <p:spTree>
       <p:nvGrpSpPr>
@@ -558,24 +638,94 @@
       </p:grpSpPr>
       <p:sp>
         <p:nvSpPr>
-          <p:cNvPr id="2" name="Vertical Title 1">
-            <a:extLst>
-              <a:ext uri="{FF2B5EF4-FFF2-40B4-BE49-F238E27FC236}">
-                <a16:creationId xmlns:a16="http://schemas.microsoft.com/office/drawing/2014/main" id="{4592C28F-B151-4D92-A481-0DC47D8C1BBB}"/>
-              </a:ext>
-            </a:extLst>
-          </p:cNvPr>
-          <p:cNvSpPr>
-            <a:spLocks noGrp="1"/>
-          </p:cNvSpPr>
-          <p:nvPr>
-            <p:ph type="title" orient="vert"/>
-          </p:nvPr>
+          <p:cNvPr id="7" name="Rectangle 6"/>
+          <p:cNvSpPr/>
+          <p:nvPr/>
         </p:nvSpPr>
         <p:spPr>
           <a:xfrm>
-            <a:off x="8724900" y="365125"/>
-            <a:ext cx="2628900" cy="5811838"/>
+            <a:off x="3175" y="6400800"/>
+            <a:ext cx="12188825" cy="457200"/>
+          </a:xfrm>
+          <a:prstGeom prst="rect">
+            <a:avLst/>
+          </a:prstGeom>
+          <a:solidFill>
+            <a:schemeClr val="accent2"/>
+          </a:solidFill>
+          <a:ln>
+            <a:noFill/>
+          </a:ln>
+        </p:spPr>
+        <p:style>
+          <a:lnRef idx="2">
+            <a:schemeClr val="accent1">
+              <a:shade val="50000"/>
+            </a:schemeClr>
+          </a:lnRef>
+          <a:fillRef idx="1">
+            <a:schemeClr val="accent1"/>
+          </a:fillRef>
+          <a:effectRef idx="0">
+            <a:schemeClr val="accent1"/>
+          </a:effectRef>
+          <a:fontRef idx="minor">
+            <a:schemeClr val="lt1"/>
+          </a:fontRef>
+        </p:style>
+      </p:sp>
+      <p:sp>
+        <p:nvSpPr>
+          <p:cNvPr id="8" name="Rectangle 7"/>
+          <p:cNvSpPr/>
+          <p:nvPr/>
+        </p:nvSpPr>
+        <p:spPr>
+          <a:xfrm>
+            <a:off x="15" y="6334316"/>
+            <a:ext cx="12188825" cy="64008"/>
+          </a:xfrm>
+          <a:prstGeom prst="rect">
+            <a:avLst/>
+          </a:prstGeom>
+          <a:solidFill>
+            <a:schemeClr val="accent1"/>
+          </a:solidFill>
+          <a:ln>
+            <a:noFill/>
+          </a:ln>
+        </p:spPr>
+        <p:style>
+          <a:lnRef idx="2">
+            <a:schemeClr val="accent1">
+              <a:shade val="50000"/>
+            </a:schemeClr>
+          </a:lnRef>
+          <a:fillRef idx="1">
+            <a:schemeClr val="accent1"/>
+          </a:fillRef>
+          <a:effectRef idx="0">
+            <a:schemeClr val="accent1"/>
+          </a:effectRef>
+          <a:fontRef idx="minor">
+            <a:schemeClr val="lt1"/>
+          </a:fontRef>
+        </p:style>
+      </p:sp>
+      <p:sp>
+        <p:nvSpPr>
+          <p:cNvPr id="2" name="Vertical Title 1"/>
+          <p:cNvSpPr>
+            <a:spLocks noGrp="1"/>
+          </p:cNvSpPr>
+          <p:nvPr>
+            <p:ph type="title" orient="vert"/>
+          </p:nvPr>
+        </p:nvSpPr>
+        <p:spPr>
+          <a:xfrm>
+            <a:off x="8724900" y="414778"/>
+            <a:ext cx="2628900" cy="5757421"/>
           </a:xfrm>
         </p:spPr>
         <p:txBody>
@@ -586,18 +736,13 @@
               <a:rPr lang="en-US"/>
               <a:t>Click to edit Master title style</a:t>
             </a:r>
-          </a:p>
-        </p:txBody>
-      </p:sp>
-      <p:sp>
-        <p:nvSpPr>
-          <p:cNvPr id="3" name="Vertical Text Placeholder 2">
-            <a:extLst>
-              <a:ext uri="{FF2B5EF4-FFF2-40B4-BE49-F238E27FC236}">
-                <a16:creationId xmlns:a16="http://schemas.microsoft.com/office/drawing/2014/main" id="{56EB573C-A01E-4C42-AE69-B61A46472C27}"/>
-              </a:ext>
-            </a:extLst>
-          </p:cNvPr>
+            <a:endParaRPr lang="en-US" dirty="0"/>
+          </a:p>
+        </p:txBody>
+      </p:sp>
+      <p:sp>
+        <p:nvSpPr>
+          <p:cNvPr id="3" name="Vertical Text Placeholder 2"/>
           <p:cNvSpPr>
             <a:spLocks noGrp="1"/>
           </p:cNvSpPr>
@@ -607,12 +752,12 @@
         </p:nvSpPr>
         <p:spPr>
           <a:xfrm>
-            <a:off x="838200" y="365125"/>
-            <a:ext cx="7734300" cy="5811838"/>
+            <a:off x="838200" y="414778"/>
+            <a:ext cx="7734300" cy="5757422"/>
           </a:xfrm>
         </p:spPr>
         <p:txBody>
-          <a:bodyPr vert="eaVert"/>
+          <a:bodyPr vert="eaVert" lIns="45720" tIns="0" rIns="45720" bIns="0"/>
           <a:lstStyle/>
           <a:p>
             <a:pPr lvl="0"/>
@@ -648,18 +793,13 @@
               <a:rPr lang="en-US"/>
               <a:t>Fifth level</a:t>
             </a:r>
-          </a:p>
-        </p:txBody>
-      </p:sp>
-      <p:sp>
-        <p:nvSpPr>
-          <p:cNvPr id="4" name="Date Placeholder 3">
-            <a:extLst>
-              <a:ext uri="{FF2B5EF4-FFF2-40B4-BE49-F238E27FC236}">
-                <a16:creationId xmlns:a16="http://schemas.microsoft.com/office/drawing/2014/main" id="{3387F9D1-954D-42A1-9202-4FDE00722F76}"/>
-              </a:ext>
-            </a:extLst>
-          </p:cNvPr>
+            <a:endParaRPr lang="en-US" dirty="0"/>
+          </a:p>
+        </p:txBody>
+      </p:sp>
+      <p:sp>
+        <p:nvSpPr>
+          <p:cNvPr id="4" name="Date Placeholder 3"/>
           <p:cNvSpPr>
             <a:spLocks noGrp="1"/>
           </p:cNvSpPr>
@@ -674,7 +814,7 @@
           <a:p>
             <a:fld id="{1C3CDFC3-04F2-4476-8235-34C856F3323E}" type="datetimeFigureOut">
               <a:rPr lang="en-US" smtClean="0"/>
-              <a:t>9/17/2025</a:t>
+              <a:t>9/23/2025</a:t>
             </a:fld>
             <a:endParaRPr lang="en-US"/>
           </a:p>
@@ -682,13 +822,7 @@
       </p:sp>
       <p:sp>
         <p:nvSpPr>
-          <p:cNvPr id="5" name="Footer Placeholder 4">
-            <a:extLst>
-              <a:ext uri="{FF2B5EF4-FFF2-40B4-BE49-F238E27FC236}">
-                <a16:creationId xmlns:a16="http://schemas.microsoft.com/office/drawing/2014/main" id="{AB49E629-7479-48EA-93AB-9D4EED53785E}"/>
-              </a:ext>
-            </a:extLst>
-          </p:cNvPr>
+          <p:cNvPr id="5" name="Footer Placeholder 4"/>
           <p:cNvSpPr>
             <a:spLocks noGrp="1"/>
           </p:cNvSpPr>
@@ -707,13 +841,7 @@
       </p:sp>
       <p:sp>
         <p:nvSpPr>
-          <p:cNvPr id="6" name="Slide Number Placeholder 5">
-            <a:extLst>
-              <a:ext uri="{FF2B5EF4-FFF2-40B4-BE49-F238E27FC236}">
-                <a16:creationId xmlns:a16="http://schemas.microsoft.com/office/drawing/2014/main" id="{ECA41AC8-1CEF-4070-A21F-A4635C4E4F2F}"/>
-              </a:ext>
-            </a:extLst>
-          </p:cNvPr>
+          <p:cNvPr id="6" name="Slide Number Placeholder 5"/>
           <p:cNvSpPr>
             <a:spLocks noGrp="1"/>
           </p:cNvSpPr>
@@ -737,7 +865,7 @@
     </p:spTree>
     <p:extLst>
       <p:ext uri="{BB962C8B-B14F-4D97-AF65-F5344CB8AC3E}">
-        <p14:creationId xmlns:p14="http://schemas.microsoft.com/office/powerpoint/2010/main" val="1856289147"/>
+        <p14:creationId xmlns:p14="http://schemas.microsoft.com/office/powerpoint/2010/main" val="894553287"/>
       </p:ext>
     </p:extLst>
   </p:cSld>
@@ -766,13 +894,7 @@
       </p:grpSpPr>
       <p:sp>
         <p:nvSpPr>
-          <p:cNvPr id="2" name="Title 1">
-            <a:extLst>
-              <a:ext uri="{FF2B5EF4-FFF2-40B4-BE49-F238E27FC236}">
-                <a16:creationId xmlns:a16="http://schemas.microsoft.com/office/drawing/2014/main" id="{5E3C1814-A4E4-4302-A312-81ABF11802EA}"/>
-              </a:ext>
-            </a:extLst>
-          </p:cNvPr>
+          <p:cNvPr id="2" name="Title 1"/>
           <p:cNvSpPr>
             <a:spLocks noGrp="1"/>
           </p:cNvSpPr>
@@ -783,24 +905,23 @@
         <p:spPr/>
         <p:txBody>
           <a:bodyPr/>
-          <a:lstStyle/>
+          <a:lstStyle>
+            <a:lvl1pPr marL="0">
+              <a:defRPr/>
+            </a:lvl1pPr>
+          </a:lstStyle>
           <a:p>
             <a:r>
               <a:rPr lang="en-US"/>
               <a:t>Click to edit Master title style</a:t>
             </a:r>
-          </a:p>
-        </p:txBody>
-      </p:sp>
-      <p:sp>
-        <p:nvSpPr>
-          <p:cNvPr id="3" name="Content Placeholder 2">
-            <a:extLst>
-              <a:ext uri="{FF2B5EF4-FFF2-40B4-BE49-F238E27FC236}">
-                <a16:creationId xmlns:a16="http://schemas.microsoft.com/office/drawing/2014/main" id="{AB8ADE7B-320C-4EA6-B6C7-6B0F84198671}"/>
-              </a:ext>
-            </a:extLst>
-          </p:cNvPr>
+            <a:endParaRPr lang="en-US" dirty="0"/>
+          </a:p>
+        </p:txBody>
+      </p:sp>
+      <p:sp>
+        <p:nvSpPr>
+          <p:cNvPr id="3" name="Content Placeholder 2"/>
           <p:cNvSpPr>
             <a:spLocks noGrp="1"/>
           </p:cNvSpPr>
@@ -846,18 +967,13 @@
               <a:rPr lang="en-US"/>
               <a:t>Fifth level</a:t>
             </a:r>
-          </a:p>
-        </p:txBody>
-      </p:sp>
-      <p:sp>
-        <p:nvSpPr>
-          <p:cNvPr id="4" name="Date Placeholder 3">
-            <a:extLst>
-              <a:ext uri="{FF2B5EF4-FFF2-40B4-BE49-F238E27FC236}">
-                <a16:creationId xmlns:a16="http://schemas.microsoft.com/office/drawing/2014/main" id="{E354F4B0-879F-458A-82D6-01202B3E45A5}"/>
-              </a:ext>
-            </a:extLst>
-          </p:cNvPr>
+            <a:endParaRPr lang="en-US" dirty="0"/>
+          </a:p>
+        </p:txBody>
+      </p:sp>
+      <p:sp>
+        <p:nvSpPr>
+          <p:cNvPr id="4" name="Date Placeholder 3"/>
           <p:cNvSpPr>
             <a:spLocks noGrp="1"/>
           </p:cNvSpPr>
@@ -872,7 +988,7 @@
           <a:p>
             <a:fld id="{1C3CDFC3-04F2-4476-8235-34C856F3323E}" type="datetimeFigureOut">
               <a:rPr lang="en-US" smtClean="0"/>
-              <a:t>9/17/2025</a:t>
+              <a:t>9/23/2025</a:t>
             </a:fld>
             <a:endParaRPr lang="en-US"/>
           </a:p>
@@ -880,13 +996,7 @@
       </p:sp>
       <p:sp>
         <p:nvSpPr>
-          <p:cNvPr id="5" name="Footer Placeholder 4">
-            <a:extLst>
-              <a:ext uri="{FF2B5EF4-FFF2-40B4-BE49-F238E27FC236}">
-                <a16:creationId xmlns:a16="http://schemas.microsoft.com/office/drawing/2014/main" id="{D140031D-CC30-48EF-B1D6-4578FF0FE9C4}"/>
-              </a:ext>
-            </a:extLst>
-          </p:cNvPr>
+          <p:cNvPr id="5" name="Footer Placeholder 4"/>
           <p:cNvSpPr>
             <a:spLocks noGrp="1"/>
           </p:cNvSpPr>
@@ -905,13 +1015,7 @@
       </p:sp>
       <p:sp>
         <p:nvSpPr>
-          <p:cNvPr id="6" name="Slide Number Placeholder 5">
-            <a:extLst>
-              <a:ext uri="{FF2B5EF4-FFF2-40B4-BE49-F238E27FC236}">
-                <a16:creationId xmlns:a16="http://schemas.microsoft.com/office/drawing/2014/main" id="{1FED6F07-22A9-480B-A97C-2EDC1E3735DE}"/>
-              </a:ext>
-            </a:extLst>
-          </p:cNvPr>
+          <p:cNvPr id="6" name="Slide Number Placeholder 5"/>
           <p:cNvSpPr>
             <a:spLocks noGrp="1"/>
           </p:cNvSpPr>
@@ -935,7 +1039,7 @@
     </p:spTree>
     <p:extLst>
       <p:ext uri="{BB962C8B-B14F-4D97-AF65-F5344CB8AC3E}">
-        <p14:creationId xmlns:p14="http://schemas.microsoft.com/office/powerpoint/2010/main" val="2487453771"/>
+        <p14:creationId xmlns:p14="http://schemas.microsoft.com/office/powerpoint/2010/main" val="2973543017"/>
       </p:ext>
     </p:extLst>
   </p:cSld>
@@ -946,8 +1050,16 @@
 </file>
 
 <file path=ppt/slideLayouts/slideLayout3.xml><?xml version="1.0" encoding="utf-8"?>
-<p:sldLayout xmlns:a="http://schemas.openxmlformats.org/drawingml/2006/main" xmlns:r="http://schemas.openxmlformats.org/officeDocument/2006/relationships" xmlns:p="http://schemas.openxmlformats.org/presentationml/2006/main" type="secHead" preserve="1">
+<p:sldLayout xmlns:a="http://schemas.openxmlformats.org/drawingml/2006/main" xmlns:r="http://schemas.openxmlformats.org/officeDocument/2006/relationships" xmlns:p="http://schemas.openxmlformats.org/presentationml/2006/main" showMasterSp="0" type="secHead" preserve="1">
   <p:cSld name="Section Header">
+    <p:bg>
+      <p:bgPr>
+        <a:solidFill>
+          <a:schemeClr val="bg1"/>
+        </a:solidFill>
+        <a:effectLst/>
+      </p:bgPr>
+    </p:bg>
     <p:spTree>
       <p:nvGrpSpPr>
         <p:cNvPr id="1" name=""/>
@@ -964,79 +1076,157 @@
       </p:grpSpPr>
       <p:sp>
         <p:nvSpPr>
-          <p:cNvPr id="2" name="Title 1">
-            <a:extLst>
-              <a:ext uri="{FF2B5EF4-FFF2-40B4-BE49-F238E27FC236}">
-                <a16:creationId xmlns:a16="http://schemas.microsoft.com/office/drawing/2014/main" id="{222AC684-B139-4C65-B265-5C37EE3DC3EC}"/>
-              </a:ext>
-            </a:extLst>
-          </p:cNvPr>
-          <p:cNvSpPr>
-            <a:spLocks noGrp="1"/>
-          </p:cNvSpPr>
-          <p:nvPr>
-            <p:ph type="title"/>
-          </p:nvPr>
+          <p:cNvPr id="7" name="Rectangle 6"/>
+          <p:cNvSpPr/>
+          <p:nvPr/>
         </p:nvSpPr>
         <p:spPr>
           <a:xfrm>
-            <a:off x="831850" y="1709738"/>
-            <a:ext cx="10515600" cy="2852737"/>
+            <a:off x="3175" y="6400800"/>
+            <a:ext cx="12188825" cy="457200"/>
+          </a:xfrm>
+          <a:prstGeom prst="rect">
+            <a:avLst/>
+          </a:prstGeom>
+          <a:solidFill>
+            <a:schemeClr val="accent2"/>
+          </a:solidFill>
+          <a:ln>
+            <a:noFill/>
+          </a:ln>
+        </p:spPr>
+        <p:style>
+          <a:lnRef idx="2">
+            <a:schemeClr val="accent1">
+              <a:shade val="50000"/>
+            </a:schemeClr>
+          </a:lnRef>
+          <a:fillRef idx="1">
+            <a:schemeClr val="accent1"/>
+          </a:fillRef>
+          <a:effectRef idx="0">
+            <a:schemeClr val="accent1"/>
+          </a:effectRef>
+          <a:fontRef idx="minor">
+            <a:schemeClr val="lt1"/>
+          </a:fontRef>
+        </p:style>
+      </p:sp>
+      <p:sp>
+        <p:nvSpPr>
+          <p:cNvPr id="8" name="Rectangle 7"/>
+          <p:cNvSpPr/>
+          <p:nvPr/>
+        </p:nvSpPr>
+        <p:spPr>
+          <a:xfrm>
+            <a:off x="15" y="6334316"/>
+            <a:ext cx="12188825" cy="64008"/>
+          </a:xfrm>
+          <a:prstGeom prst="rect">
+            <a:avLst/>
+          </a:prstGeom>
+          <a:solidFill>
+            <a:schemeClr val="accent1"/>
+          </a:solidFill>
+          <a:ln>
+            <a:noFill/>
+          </a:ln>
+        </p:spPr>
+        <p:style>
+          <a:lnRef idx="2">
+            <a:schemeClr val="accent1">
+              <a:shade val="50000"/>
+            </a:schemeClr>
+          </a:lnRef>
+          <a:fillRef idx="1">
+            <a:schemeClr val="accent1"/>
+          </a:fillRef>
+          <a:effectRef idx="0">
+            <a:schemeClr val="accent1"/>
+          </a:effectRef>
+          <a:fontRef idx="minor">
+            <a:schemeClr val="lt1"/>
+          </a:fontRef>
+        </p:style>
+      </p:sp>
+      <p:sp>
+        <p:nvSpPr>
+          <p:cNvPr id="2" name="Title 1"/>
+          <p:cNvSpPr>
+            <a:spLocks noGrp="1"/>
+          </p:cNvSpPr>
+          <p:nvPr>
+            <p:ph type="title"/>
+          </p:nvPr>
+        </p:nvSpPr>
+        <p:spPr>
+          <a:xfrm>
+            <a:off x="1097280" y="758952"/>
+            <a:ext cx="10058400" cy="3566160"/>
           </a:xfrm>
         </p:spPr>
         <p:txBody>
-          <a:bodyPr anchor="b"/>
+          <a:bodyPr anchor="b" anchorCtr="0">
+            <a:normAutofit/>
+          </a:bodyPr>
           <a:lstStyle>
             <a:lvl1pPr>
-              <a:defRPr sz="6000"/>
-            </a:lvl1pPr>
-          </a:lstStyle>
-          <a:p>
-            <a:r>
-              <a:rPr lang="en-US"/>
-              <a:t>Click to edit Master title style</a:t>
-            </a:r>
-          </a:p>
-        </p:txBody>
-      </p:sp>
-      <p:sp>
-        <p:nvSpPr>
-          <p:cNvPr id="3" name="Text Placeholder 2">
-            <a:extLst>
-              <a:ext uri="{FF2B5EF4-FFF2-40B4-BE49-F238E27FC236}">
-                <a16:creationId xmlns:a16="http://schemas.microsoft.com/office/drawing/2014/main" id="{C0B37BD7-550E-49C3-8DC4-2141A02BA7A9}"/>
-              </a:ext>
-            </a:extLst>
-          </p:cNvPr>
-          <p:cNvSpPr>
-            <a:spLocks noGrp="1"/>
-          </p:cNvSpPr>
-          <p:nvPr>
-            <p:ph type="body" idx="1"/>
-          </p:nvPr>
-        </p:nvSpPr>
-        <p:spPr>
-          <a:xfrm>
-            <a:off x="831850" y="4589463"/>
-            <a:ext cx="10515600" cy="1500187"/>
-          </a:xfrm>
-        </p:spPr>
-        <p:txBody>
-          <a:bodyPr/>
-          <a:lstStyle>
-            <a:lvl1pPr marL="0" indent="0">
-              <a:buNone/>
-              <a:defRPr sz="2400">
+              <a:lnSpc>
+                <a:spcPct val="85000"/>
+              </a:lnSpc>
+              <a:defRPr sz="8000" b="0">
                 <a:solidFill>
                   <a:schemeClr val="tx1">
-                    <a:tint val="75000"/>
+                    <a:lumMod val="85000"/>
+                    <a:lumOff val="15000"/>
                   </a:schemeClr>
                 </a:solidFill>
               </a:defRPr>
             </a:lvl1pPr>
+          </a:lstStyle>
+          <a:p>
+            <a:r>
+              <a:rPr lang="en-US"/>
+              <a:t>Click to edit Master title style</a:t>
+            </a:r>
+            <a:endParaRPr lang="en-US" dirty="0"/>
+          </a:p>
+        </p:txBody>
+      </p:sp>
+      <p:sp>
+        <p:nvSpPr>
+          <p:cNvPr id="3" name="Text Placeholder 2"/>
+          <p:cNvSpPr>
+            <a:spLocks noGrp="1"/>
+          </p:cNvSpPr>
+          <p:nvPr>
+            <p:ph type="body" idx="1"/>
+          </p:nvPr>
+        </p:nvSpPr>
+        <p:spPr>
+          <a:xfrm>
+            <a:off x="1097280" y="4453128"/>
+            <a:ext cx="10058400" cy="1143000"/>
+          </a:xfrm>
+        </p:spPr>
+        <p:txBody>
+          <a:bodyPr lIns="91440" rIns="91440" anchor="t" anchorCtr="0">
+            <a:normAutofit/>
+          </a:bodyPr>
+          <a:lstStyle>
+            <a:lvl1pPr marL="0" indent="0">
+              <a:buNone/>
+              <a:defRPr sz="2400" cap="all" spc="200" baseline="0">
+                <a:solidFill>
+                  <a:schemeClr val="tx2"/>
+                </a:solidFill>
+                <a:latin typeface="+mj-lt"/>
+              </a:defRPr>
+            </a:lvl1pPr>
             <a:lvl2pPr marL="457200" indent="0">
               <a:buNone/>
-              <a:defRPr sz="2000">
+              <a:defRPr sz="1800">
                 <a:solidFill>
                   <a:schemeClr val="tx1">
                     <a:tint val="75000"/>
@@ -1046,7 +1236,7 @@
             </a:lvl2pPr>
             <a:lvl3pPr marL="914400" indent="0">
               <a:buNone/>
-              <a:defRPr sz="1800">
+              <a:defRPr sz="1600">
                 <a:solidFill>
                   <a:schemeClr val="tx1">
                     <a:tint val="75000"/>
@@ -1056,7 +1246,7 @@
             </a:lvl3pPr>
             <a:lvl4pPr marL="1371600" indent="0">
               <a:buNone/>
-              <a:defRPr sz="1600">
+              <a:defRPr sz="1400">
                 <a:solidFill>
                   <a:schemeClr val="tx1">
                     <a:tint val="75000"/>
@@ -1066,7 +1256,7 @@
             </a:lvl4pPr>
             <a:lvl5pPr marL="1828800" indent="0">
               <a:buNone/>
-              <a:defRPr sz="1600">
+              <a:defRPr sz="1400">
                 <a:solidFill>
                   <a:schemeClr val="tx1">
                     <a:tint val="75000"/>
@@ -1076,7 +1266,7 @@
             </a:lvl5pPr>
             <a:lvl6pPr marL="2286000" indent="0">
               <a:buNone/>
-              <a:defRPr sz="1600">
+              <a:defRPr sz="1400">
                 <a:solidFill>
                   <a:schemeClr val="tx1">
                     <a:tint val="75000"/>
@@ -1086,7 +1276,7 @@
             </a:lvl6pPr>
             <a:lvl7pPr marL="2743200" indent="0">
               <a:buNone/>
-              <a:defRPr sz="1600">
+              <a:defRPr sz="1400">
                 <a:solidFill>
                   <a:schemeClr val="tx1">
                     <a:tint val="75000"/>
@@ -1096,7 +1286,7 @@
             </a:lvl7pPr>
             <a:lvl8pPr marL="3200400" indent="0">
               <a:buNone/>
-              <a:defRPr sz="1600">
+              <a:defRPr sz="1400">
                 <a:solidFill>
                   <a:schemeClr val="tx1">
                     <a:tint val="75000"/>
@@ -1106,7 +1296,7 @@
             </a:lvl8pPr>
             <a:lvl9pPr marL="3657600" indent="0">
               <a:buNone/>
-              <a:defRPr sz="1600">
+              <a:defRPr sz="1400">
                 <a:solidFill>
                   <a:schemeClr val="tx1">
                     <a:tint val="75000"/>
@@ -1126,13 +1316,7 @@
       </p:sp>
       <p:sp>
         <p:nvSpPr>
-          <p:cNvPr id="4" name="Date Placeholder 3">
-            <a:extLst>
-              <a:ext uri="{FF2B5EF4-FFF2-40B4-BE49-F238E27FC236}">
-                <a16:creationId xmlns:a16="http://schemas.microsoft.com/office/drawing/2014/main" id="{B3014867-0DF9-431F-8204-582B9E00D0A8}"/>
-              </a:ext>
-            </a:extLst>
-          </p:cNvPr>
+          <p:cNvPr id="4" name="Date Placeholder 3"/>
           <p:cNvSpPr>
             <a:spLocks noGrp="1"/>
           </p:cNvSpPr>
@@ -1147,7 +1331,7 @@
           <a:p>
             <a:fld id="{1C3CDFC3-04F2-4476-8235-34C856F3323E}" type="datetimeFigureOut">
               <a:rPr lang="en-US" smtClean="0"/>
-              <a:t>9/17/2025</a:t>
+              <a:t>9/23/2025</a:t>
             </a:fld>
             <a:endParaRPr lang="en-US"/>
           </a:p>
@@ -1155,13 +1339,7 @@
       </p:sp>
       <p:sp>
         <p:nvSpPr>
-          <p:cNvPr id="5" name="Footer Placeholder 4">
-            <a:extLst>
-              <a:ext uri="{FF2B5EF4-FFF2-40B4-BE49-F238E27FC236}">
-                <a16:creationId xmlns:a16="http://schemas.microsoft.com/office/drawing/2014/main" id="{86A4E2EA-E8DD-4E52-AB08-0508B8BD3055}"/>
-              </a:ext>
-            </a:extLst>
-          </p:cNvPr>
+          <p:cNvPr id="5" name="Footer Placeholder 4"/>
           <p:cNvSpPr>
             <a:spLocks noGrp="1"/>
           </p:cNvSpPr>
@@ -1180,13 +1358,7 @@
       </p:sp>
       <p:sp>
         <p:nvSpPr>
-          <p:cNvPr id="6" name="Slide Number Placeholder 5">
-            <a:extLst>
-              <a:ext uri="{FF2B5EF4-FFF2-40B4-BE49-F238E27FC236}">
-                <a16:creationId xmlns:a16="http://schemas.microsoft.com/office/drawing/2014/main" id="{C9E59315-DD09-4A2F-BF8F-4AC774705342}"/>
-              </a:ext>
-            </a:extLst>
-          </p:cNvPr>
+          <p:cNvPr id="6" name="Slide Number Placeholder 5"/>
           <p:cNvSpPr>
             <a:spLocks noGrp="1"/>
           </p:cNvSpPr>
@@ -1207,10 +1379,48 @@
           </a:p>
         </p:txBody>
       </p:sp>
+      <p:cxnSp>
+        <p:nvCxnSpPr>
+          <p:cNvPr id="9" name="Straight Connector 8"/>
+          <p:cNvCxnSpPr/>
+          <p:nvPr/>
+        </p:nvCxnSpPr>
+        <p:spPr>
+          <a:xfrm>
+            <a:off x="1207658" y="4343400"/>
+            <a:ext cx="9875520" cy="0"/>
+          </a:xfrm>
+          <a:prstGeom prst="line">
+            <a:avLst/>
+          </a:prstGeom>
+          <a:ln w="6350">
+            <a:solidFill>
+              <a:schemeClr val="tx1">
+                <a:lumMod val="50000"/>
+                <a:lumOff val="50000"/>
+              </a:schemeClr>
+            </a:solidFill>
+          </a:ln>
+        </p:spPr>
+        <p:style>
+          <a:lnRef idx="1">
+            <a:schemeClr val="accent1"/>
+          </a:lnRef>
+          <a:fillRef idx="0">
+            <a:schemeClr val="accent1"/>
+          </a:fillRef>
+          <a:effectRef idx="0">
+            <a:schemeClr val="accent1"/>
+          </a:effectRef>
+          <a:fontRef idx="minor">
+            <a:schemeClr val="tx1"/>
+          </a:fontRef>
+        </p:style>
+      </p:cxnSp>
     </p:spTree>
     <p:extLst>
       <p:ext uri="{BB962C8B-B14F-4D97-AF65-F5344CB8AC3E}">
-        <p14:creationId xmlns:p14="http://schemas.microsoft.com/office/powerpoint/2010/main" val="1595507289"/>
+        <p14:creationId xmlns:p14="http://schemas.microsoft.com/office/powerpoint/2010/main" val="2694277432"/>
       </p:ext>
     </p:extLst>
   </p:cSld>
@@ -1239,114 +1449,46 @@
       </p:grpSpPr>
       <p:sp>
         <p:nvSpPr>
-          <p:cNvPr id="2" name="Title 1">
-            <a:extLst>
-              <a:ext uri="{FF2B5EF4-FFF2-40B4-BE49-F238E27FC236}">
-                <a16:creationId xmlns:a16="http://schemas.microsoft.com/office/drawing/2014/main" id="{FFB33BC8-80FE-4258-8037-E894FA38DFAD}"/>
-              </a:ext>
-            </a:extLst>
-          </p:cNvPr>
+          <p:cNvPr id="8" name="Title 7"/>
           <p:cNvSpPr>
             <a:spLocks noGrp="1"/>
           </p:cNvSpPr>
           <p:nvPr>
             <p:ph type="title"/>
-          </p:nvPr>
-        </p:nvSpPr>
-        <p:spPr/>
-        <p:txBody>
-          <a:bodyPr/>
-          <a:lstStyle/>
-          <a:p>
-            <a:r>
-              <a:rPr lang="en-US"/>
-              <a:t>Click to edit Master title style</a:t>
-            </a:r>
-          </a:p>
-        </p:txBody>
-      </p:sp>
-      <p:sp>
-        <p:nvSpPr>
-          <p:cNvPr id="3" name="Content Placeholder 2">
-            <a:extLst>
-              <a:ext uri="{FF2B5EF4-FFF2-40B4-BE49-F238E27FC236}">
-                <a16:creationId xmlns:a16="http://schemas.microsoft.com/office/drawing/2014/main" id="{322D239B-5B8A-4190-831B-9F47875F4E1F}"/>
-              </a:ext>
-            </a:extLst>
-          </p:cNvPr>
-          <p:cNvSpPr>
-            <a:spLocks noGrp="1"/>
-          </p:cNvSpPr>
-          <p:nvPr>
-            <p:ph sz="half" idx="1"/>
           </p:nvPr>
         </p:nvSpPr>
         <p:spPr>
           <a:xfrm>
-            <a:off x="838200" y="1825625"/>
-            <a:ext cx="5181600" cy="4351338"/>
+            <a:off x="1097280" y="286603"/>
+            <a:ext cx="10058400" cy="1450757"/>
           </a:xfrm>
         </p:spPr>
         <p:txBody>
           <a:bodyPr/>
           <a:lstStyle/>
           <a:p>
-            <a:pPr lvl="0"/>
-            <a:r>
-              <a:rPr lang="en-US"/>
-              <a:t>Edit Master text styles</a:t>
-            </a:r>
-          </a:p>
-          <a:p>
-            <a:pPr lvl="1"/>
-            <a:r>
-              <a:rPr lang="en-US"/>
-              <a:t>Second level</a:t>
-            </a:r>
-          </a:p>
-          <a:p>
-            <a:pPr lvl="2"/>
-            <a:r>
-              <a:rPr lang="en-US"/>
-              <a:t>Third level</a:t>
-            </a:r>
-          </a:p>
-          <a:p>
-            <a:pPr lvl="3"/>
-            <a:r>
-              <a:rPr lang="en-US"/>
-              <a:t>Fourth level</a:t>
-            </a:r>
-          </a:p>
-          <a:p>
-            <a:pPr lvl="4"/>
-            <a:r>
-              <a:rPr lang="en-US"/>
-              <a:t>Fifth level</a:t>
-            </a:r>
-          </a:p>
-        </p:txBody>
-      </p:sp>
-      <p:sp>
-        <p:nvSpPr>
-          <p:cNvPr id="4" name="Content Placeholder 3">
-            <a:extLst>
-              <a:ext uri="{FF2B5EF4-FFF2-40B4-BE49-F238E27FC236}">
-                <a16:creationId xmlns:a16="http://schemas.microsoft.com/office/drawing/2014/main" id="{5B7DC993-9E2F-4D4A-8C76-7AE67B96B3AF}"/>
-              </a:ext>
-            </a:extLst>
-          </p:cNvPr>
-          <p:cNvSpPr>
-            <a:spLocks noGrp="1"/>
-          </p:cNvSpPr>
-          <p:nvPr>
-            <p:ph sz="half" idx="2"/>
+            <a:r>
+              <a:rPr lang="en-US"/>
+              <a:t>Click to edit Master title style</a:t>
+            </a:r>
+            <a:endParaRPr lang="en-US" dirty="0"/>
+          </a:p>
+        </p:txBody>
+      </p:sp>
+      <p:sp>
+        <p:nvSpPr>
+          <p:cNvPr id="3" name="Content Placeholder 2"/>
+          <p:cNvSpPr>
+            <a:spLocks noGrp="1"/>
+          </p:cNvSpPr>
+          <p:nvPr>
+            <p:ph sz="half" idx="1"/>
           </p:nvPr>
         </p:nvSpPr>
         <p:spPr>
           <a:xfrm>
-            <a:off x="6172200" y="1825625"/>
-            <a:ext cx="5181600" cy="4351338"/>
+            <a:off x="1097279" y="1845734"/>
+            <a:ext cx="4937760" cy="4023360"/>
           </a:xfrm>
         </p:spPr>
         <p:txBody>
@@ -1386,18 +1528,70 @@
               <a:rPr lang="en-US"/>
               <a:t>Fifth level</a:t>
             </a:r>
-          </a:p>
-        </p:txBody>
-      </p:sp>
-      <p:sp>
-        <p:nvSpPr>
-          <p:cNvPr id="5" name="Date Placeholder 4">
-            <a:extLst>
-              <a:ext uri="{FF2B5EF4-FFF2-40B4-BE49-F238E27FC236}">
-                <a16:creationId xmlns:a16="http://schemas.microsoft.com/office/drawing/2014/main" id="{D377EB52-2FD2-4828-BB9F-77ED2FAF294A}"/>
-              </a:ext>
-            </a:extLst>
-          </p:cNvPr>
+            <a:endParaRPr lang="en-US" dirty="0"/>
+          </a:p>
+        </p:txBody>
+      </p:sp>
+      <p:sp>
+        <p:nvSpPr>
+          <p:cNvPr id="4" name="Content Placeholder 3"/>
+          <p:cNvSpPr>
+            <a:spLocks noGrp="1"/>
+          </p:cNvSpPr>
+          <p:nvPr>
+            <p:ph sz="half" idx="2"/>
+          </p:nvPr>
+        </p:nvSpPr>
+        <p:spPr>
+          <a:xfrm>
+            <a:off x="6217920" y="1845735"/>
+            <a:ext cx="4937760" cy="4023360"/>
+          </a:xfrm>
+        </p:spPr>
+        <p:txBody>
+          <a:bodyPr/>
+          <a:lstStyle/>
+          <a:p>
+            <a:pPr lvl="0"/>
+            <a:r>
+              <a:rPr lang="en-US"/>
+              <a:t>Edit Master text styles</a:t>
+            </a:r>
+          </a:p>
+          <a:p>
+            <a:pPr lvl="1"/>
+            <a:r>
+              <a:rPr lang="en-US"/>
+              <a:t>Second level</a:t>
+            </a:r>
+          </a:p>
+          <a:p>
+            <a:pPr lvl="2"/>
+            <a:r>
+              <a:rPr lang="en-US"/>
+              <a:t>Third level</a:t>
+            </a:r>
+          </a:p>
+          <a:p>
+            <a:pPr lvl="3"/>
+            <a:r>
+              <a:rPr lang="en-US"/>
+              <a:t>Fourth level</a:t>
+            </a:r>
+          </a:p>
+          <a:p>
+            <a:pPr lvl="4"/>
+            <a:r>
+              <a:rPr lang="en-US"/>
+              <a:t>Fifth level</a:t>
+            </a:r>
+            <a:endParaRPr lang="en-US" dirty="0"/>
+          </a:p>
+        </p:txBody>
+      </p:sp>
+      <p:sp>
+        <p:nvSpPr>
+          <p:cNvPr id="5" name="Date Placeholder 4"/>
           <p:cNvSpPr>
             <a:spLocks noGrp="1"/>
           </p:cNvSpPr>
@@ -1412,7 +1606,7 @@
           <a:p>
             <a:fld id="{1C3CDFC3-04F2-4476-8235-34C856F3323E}" type="datetimeFigureOut">
               <a:rPr lang="en-US" smtClean="0"/>
-              <a:t>9/17/2025</a:t>
+              <a:t>9/23/2025</a:t>
             </a:fld>
             <a:endParaRPr lang="en-US"/>
           </a:p>
@@ -1420,13 +1614,7 @@
       </p:sp>
       <p:sp>
         <p:nvSpPr>
-          <p:cNvPr id="6" name="Footer Placeholder 5">
-            <a:extLst>
-              <a:ext uri="{FF2B5EF4-FFF2-40B4-BE49-F238E27FC236}">
-                <a16:creationId xmlns:a16="http://schemas.microsoft.com/office/drawing/2014/main" id="{AF008194-AB82-48BF-BB16-4F90F16A57C0}"/>
-              </a:ext>
-            </a:extLst>
-          </p:cNvPr>
+          <p:cNvPr id="6" name="Footer Placeholder 5"/>
           <p:cNvSpPr>
             <a:spLocks noGrp="1"/>
           </p:cNvSpPr>
@@ -1445,13 +1633,7 @@
       </p:sp>
       <p:sp>
         <p:nvSpPr>
-          <p:cNvPr id="7" name="Slide Number Placeholder 6">
-            <a:extLst>
-              <a:ext uri="{FF2B5EF4-FFF2-40B4-BE49-F238E27FC236}">
-                <a16:creationId xmlns:a16="http://schemas.microsoft.com/office/drawing/2014/main" id="{16574A6E-1B12-4B41-B017-255AA7DA4E9D}"/>
-              </a:ext>
-            </a:extLst>
-          </p:cNvPr>
+          <p:cNvPr id="7" name="Slide Number Placeholder 6"/>
           <p:cNvSpPr>
             <a:spLocks noGrp="1"/>
           </p:cNvSpPr>
@@ -1475,7 +1657,7 @@
     </p:spTree>
     <p:extLst>
       <p:ext uri="{BB962C8B-B14F-4D97-AF65-F5344CB8AC3E}">
-        <p14:creationId xmlns:p14="http://schemas.microsoft.com/office/powerpoint/2010/main" val="1999534579"/>
+        <p14:creationId xmlns:p14="http://schemas.microsoft.com/office/powerpoint/2010/main" val="2047900221"/>
       </p:ext>
     </p:extLst>
   </p:cSld>
@@ -1504,13 +1686,7 @@
       </p:grpSpPr>
       <p:sp>
         <p:nvSpPr>
-          <p:cNvPr id="2" name="Title 1">
-            <a:extLst>
-              <a:ext uri="{FF2B5EF4-FFF2-40B4-BE49-F238E27FC236}">
-                <a16:creationId xmlns:a16="http://schemas.microsoft.com/office/drawing/2014/main" id="{393B3366-7B43-4EC3-92D1-0F650D85E749}"/>
-              </a:ext>
-            </a:extLst>
-          </p:cNvPr>
+          <p:cNvPr id="10" name="Title 9"/>
           <p:cNvSpPr>
             <a:spLocks noGrp="1"/>
           </p:cNvSpPr>
@@ -1520,8 +1696,8 @@
         </p:nvSpPr>
         <p:spPr>
           <a:xfrm>
-            <a:off x="839788" y="365125"/>
-            <a:ext cx="10515600" cy="1325563"/>
+            <a:off x="1097280" y="286603"/>
+            <a:ext cx="10058400" cy="1450757"/>
           </a:xfrm>
         </p:spPr>
         <p:txBody>
@@ -1532,18 +1708,13 @@
               <a:rPr lang="en-US"/>
               <a:t>Click to edit Master title style</a:t>
             </a:r>
-          </a:p>
-        </p:txBody>
-      </p:sp>
-      <p:sp>
-        <p:nvSpPr>
-          <p:cNvPr id="3" name="Text Placeholder 2">
-            <a:extLst>
-              <a:ext uri="{FF2B5EF4-FFF2-40B4-BE49-F238E27FC236}">
-                <a16:creationId xmlns:a16="http://schemas.microsoft.com/office/drawing/2014/main" id="{FF5EA7DA-AF90-4B58-80B7-FFD3BE09C5AD}"/>
-              </a:ext>
-            </a:extLst>
-          </p:cNvPr>
+            <a:endParaRPr lang="en-US" dirty="0"/>
+          </a:p>
+        </p:txBody>
+      </p:sp>
+      <p:sp>
+        <p:nvSpPr>
+          <p:cNvPr id="3" name="Text Placeholder 2"/>
           <p:cNvSpPr>
             <a:spLocks noGrp="1"/>
           </p:cNvSpPr>
@@ -1553,16 +1724,22 @@
         </p:nvSpPr>
         <p:spPr>
           <a:xfrm>
-            <a:off x="839788" y="1681163"/>
-            <a:ext cx="5157787" cy="823912"/>
+            <a:off x="1097280" y="1846052"/>
+            <a:ext cx="4937760" cy="736282"/>
           </a:xfrm>
         </p:spPr>
         <p:txBody>
-          <a:bodyPr anchor="b"/>
+          <a:bodyPr lIns="91440" rIns="91440" anchor="ctr">
+            <a:normAutofit/>
+          </a:bodyPr>
           <a:lstStyle>
             <a:lvl1pPr marL="0" indent="0">
               <a:buNone/>
-              <a:defRPr sz="2400" b="1"/>
+              <a:defRPr sz="2000" b="0" cap="all" baseline="0">
+                <a:solidFill>
+                  <a:schemeClr val="tx2"/>
+                </a:solidFill>
+              </a:defRPr>
             </a:lvl1pPr>
             <a:lvl2pPr marL="457200" indent="0">
               <a:buNone/>
@@ -1608,13 +1785,7 @@
       </p:sp>
       <p:sp>
         <p:nvSpPr>
-          <p:cNvPr id="4" name="Content Placeholder 3">
-            <a:extLst>
-              <a:ext uri="{FF2B5EF4-FFF2-40B4-BE49-F238E27FC236}">
-                <a16:creationId xmlns:a16="http://schemas.microsoft.com/office/drawing/2014/main" id="{4B73DBEA-AE84-4F5B-BE86-79EE96286F7A}"/>
-              </a:ext>
-            </a:extLst>
-          </p:cNvPr>
+          <p:cNvPr id="4" name="Content Placeholder 3"/>
           <p:cNvSpPr>
             <a:spLocks noGrp="1"/>
           </p:cNvSpPr>
@@ -1624,8 +1795,8 @@
         </p:nvSpPr>
         <p:spPr>
           <a:xfrm>
-            <a:off x="839788" y="2505075"/>
-            <a:ext cx="5157787" cy="3684588"/>
+            <a:off x="1097280" y="2582334"/>
+            <a:ext cx="4937760" cy="3378200"/>
           </a:xfrm>
         </p:spPr>
         <p:txBody>
@@ -1665,18 +1836,13 @@
               <a:rPr lang="en-US"/>
               <a:t>Fifth level</a:t>
             </a:r>
-          </a:p>
-        </p:txBody>
-      </p:sp>
-      <p:sp>
-        <p:nvSpPr>
-          <p:cNvPr id="5" name="Text Placeholder 4">
-            <a:extLst>
-              <a:ext uri="{FF2B5EF4-FFF2-40B4-BE49-F238E27FC236}">
-                <a16:creationId xmlns:a16="http://schemas.microsoft.com/office/drawing/2014/main" id="{47CC1351-106D-4715-9650-B6817A3CEA3D}"/>
-              </a:ext>
-            </a:extLst>
-          </p:cNvPr>
+            <a:endParaRPr lang="en-US" dirty="0"/>
+          </a:p>
+        </p:txBody>
+      </p:sp>
+      <p:sp>
+        <p:nvSpPr>
+          <p:cNvPr id="5" name="Text Placeholder 4"/>
           <p:cNvSpPr>
             <a:spLocks noGrp="1"/>
           </p:cNvSpPr>
@@ -1686,16 +1852,22 @@
         </p:nvSpPr>
         <p:spPr>
           <a:xfrm>
-            <a:off x="6172200" y="1681163"/>
-            <a:ext cx="5183188" cy="823912"/>
+            <a:off x="6217920" y="1846052"/>
+            <a:ext cx="4937760" cy="736282"/>
           </a:xfrm>
         </p:spPr>
         <p:txBody>
-          <a:bodyPr anchor="b"/>
+          <a:bodyPr lIns="91440" rIns="91440" anchor="ctr">
+            <a:normAutofit/>
+          </a:bodyPr>
           <a:lstStyle>
             <a:lvl1pPr marL="0" indent="0">
               <a:buNone/>
-              <a:defRPr sz="2400" b="1"/>
+              <a:defRPr sz="2000" b="0" cap="all" baseline="0">
+                <a:solidFill>
+                  <a:schemeClr val="tx2"/>
+                </a:solidFill>
+              </a:defRPr>
             </a:lvl1pPr>
             <a:lvl2pPr marL="457200" indent="0">
               <a:buNone/>
@@ -1741,13 +1913,7 @@
       </p:sp>
       <p:sp>
         <p:nvSpPr>
-          <p:cNvPr id="6" name="Content Placeholder 5">
-            <a:extLst>
-              <a:ext uri="{FF2B5EF4-FFF2-40B4-BE49-F238E27FC236}">
-                <a16:creationId xmlns:a16="http://schemas.microsoft.com/office/drawing/2014/main" id="{48BBE41B-CCFD-4E26-ADCF-873F22FE630C}"/>
-              </a:ext>
-            </a:extLst>
-          </p:cNvPr>
+          <p:cNvPr id="6" name="Content Placeholder 5"/>
           <p:cNvSpPr>
             <a:spLocks noGrp="1"/>
           </p:cNvSpPr>
@@ -1757,8 +1923,8 @@
         </p:nvSpPr>
         <p:spPr>
           <a:xfrm>
-            <a:off x="6172200" y="2505075"/>
-            <a:ext cx="5183188" cy="3684588"/>
+            <a:off x="6217920" y="2582334"/>
+            <a:ext cx="4937760" cy="3378200"/>
           </a:xfrm>
         </p:spPr>
         <p:txBody>
@@ -1798,18 +1964,13 @@
               <a:rPr lang="en-US"/>
               <a:t>Fifth level</a:t>
             </a:r>
-          </a:p>
-        </p:txBody>
-      </p:sp>
-      <p:sp>
-        <p:nvSpPr>
-          <p:cNvPr id="7" name="Date Placeholder 6">
-            <a:extLst>
-              <a:ext uri="{FF2B5EF4-FFF2-40B4-BE49-F238E27FC236}">
-                <a16:creationId xmlns:a16="http://schemas.microsoft.com/office/drawing/2014/main" id="{20B08C83-EBF2-4DB1-BF23-CB804395AF2E}"/>
-              </a:ext>
-            </a:extLst>
-          </p:cNvPr>
+            <a:endParaRPr lang="en-US" dirty="0"/>
+          </a:p>
+        </p:txBody>
+      </p:sp>
+      <p:sp>
+        <p:nvSpPr>
+          <p:cNvPr id="7" name="Date Placeholder 6"/>
           <p:cNvSpPr>
             <a:spLocks noGrp="1"/>
           </p:cNvSpPr>
@@ -1824,7 +1985,7 @@
           <a:p>
             <a:fld id="{1C3CDFC3-04F2-4476-8235-34C856F3323E}" type="datetimeFigureOut">
               <a:rPr lang="en-US" smtClean="0"/>
-              <a:t>9/17/2025</a:t>
+              <a:t>9/23/2025</a:t>
             </a:fld>
             <a:endParaRPr lang="en-US"/>
           </a:p>
@@ -1832,13 +1993,7 @@
       </p:sp>
       <p:sp>
         <p:nvSpPr>
-          <p:cNvPr id="8" name="Footer Placeholder 7">
-            <a:extLst>
-              <a:ext uri="{FF2B5EF4-FFF2-40B4-BE49-F238E27FC236}">
-                <a16:creationId xmlns:a16="http://schemas.microsoft.com/office/drawing/2014/main" id="{92026D92-F3A3-4F88-8C38-2ED7A0530B24}"/>
-              </a:ext>
-            </a:extLst>
-          </p:cNvPr>
+          <p:cNvPr id="8" name="Footer Placeholder 7"/>
           <p:cNvSpPr>
             <a:spLocks noGrp="1"/>
           </p:cNvSpPr>
@@ -1857,13 +2012,7 @@
       </p:sp>
       <p:sp>
         <p:nvSpPr>
-          <p:cNvPr id="9" name="Slide Number Placeholder 8">
-            <a:extLst>
-              <a:ext uri="{FF2B5EF4-FFF2-40B4-BE49-F238E27FC236}">
-                <a16:creationId xmlns:a16="http://schemas.microsoft.com/office/drawing/2014/main" id="{3C33E77E-EB76-4AE4-9DCC-0C62DB70F05F}"/>
-              </a:ext>
-            </a:extLst>
-          </p:cNvPr>
+          <p:cNvPr id="9" name="Slide Number Placeholder 8"/>
           <p:cNvSpPr>
             <a:spLocks noGrp="1"/>
           </p:cNvSpPr>
@@ -1887,7 +2036,7 @@
     </p:spTree>
     <p:extLst>
       <p:ext uri="{BB962C8B-B14F-4D97-AF65-F5344CB8AC3E}">
-        <p14:creationId xmlns:p14="http://schemas.microsoft.com/office/powerpoint/2010/main" val="872843449"/>
+        <p14:creationId xmlns:p14="http://schemas.microsoft.com/office/powerpoint/2010/main" val="656649731"/>
       </p:ext>
     </p:extLst>
   </p:cSld>
@@ -1916,13 +2065,7 @@
       </p:grpSpPr>
       <p:sp>
         <p:nvSpPr>
-          <p:cNvPr id="2" name="Title 1">
-            <a:extLst>
-              <a:ext uri="{FF2B5EF4-FFF2-40B4-BE49-F238E27FC236}">
-                <a16:creationId xmlns:a16="http://schemas.microsoft.com/office/drawing/2014/main" id="{144E17EC-409B-414B-A3BC-62A64A81C7E8}"/>
-              </a:ext>
-            </a:extLst>
-          </p:cNvPr>
+          <p:cNvPr id="2" name="Title 1"/>
           <p:cNvSpPr>
             <a:spLocks noGrp="1"/>
           </p:cNvSpPr>
@@ -1939,18 +2082,13 @@
               <a:rPr lang="en-US"/>
               <a:t>Click to edit Master title style</a:t>
             </a:r>
-          </a:p>
-        </p:txBody>
-      </p:sp>
-      <p:sp>
-        <p:nvSpPr>
-          <p:cNvPr id="3" name="Date Placeholder 2">
-            <a:extLst>
-              <a:ext uri="{FF2B5EF4-FFF2-40B4-BE49-F238E27FC236}">
-                <a16:creationId xmlns:a16="http://schemas.microsoft.com/office/drawing/2014/main" id="{9279D2E2-1CE0-4F25-B791-A1F88AA79EA2}"/>
-              </a:ext>
-            </a:extLst>
-          </p:cNvPr>
+            <a:endParaRPr lang="en-US" dirty="0"/>
+          </a:p>
+        </p:txBody>
+      </p:sp>
+      <p:sp>
+        <p:nvSpPr>
+          <p:cNvPr id="3" name="Date Placeholder 2"/>
           <p:cNvSpPr>
             <a:spLocks noGrp="1"/>
           </p:cNvSpPr>
@@ -1965,7 +2103,7 @@
           <a:p>
             <a:fld id="{1C3CDFC3-04F2-4476-8235-34C856F3323E}" type="datetimeFigureOut">
               <a:rPr lang="en-US" smtClean="0"/>
-              <a:t>9/17/2025</a:t>
+              <a:t>9/23/2025</a:t>
             </a:fld>
             <a:endParaRPr lang="en-US"/>
           </a:p>
@@ -1973,13 +2111,7 @@
       </p:sp>
       <p:sp>
         <p:nvSpPr>
-          <p:cNvPr id="4" name="Footer Placeholder 3">
-            <a:extLst>
-              <a:ext uri="{FF2B5EF4-FFF2-40B4-BE49-F238E27FC236}">
-                <a16:creationId xmlns:a16="http://schemas.microsoft.com/office/drawing/2014/main" id="{25142953-AC7F-4C83-9F0B-37A693EABAF9}"/>
-              </a:ext>
-            </a:extLst>
-          </p:cNvPr>
+          <p:cNvPr id="4" name="Footer Placeholder 3"/>
           <p:cNvSpPr>
             <a:spLocks noGrp="1"/>
           </p:cNvSpPr>
@@ -1998,13 +2130,7 @@
       </p:sp>
       <p:sp>
         <p:nvSpPr>
-          <p:cNvPr id="5" name="Slide Number Placeholder 4">
-            <a:extLst>
-              <a:ext uri="{FF2B5EF4-FFF2-40B4-BE49-F238E27FC236}">
-                <a16:creationId xmlns:a16="http://schemas.microsoft.com/office/drawing/2014/main" id="{A6A42BDF-BAD8-43EF-89F8-0F5F9D81D79E}"/>
-              </a:ext>
-            </a:extLst>
-          </p:cNvPr>
+          <p:cNvPr id="5" name="Slide Number Placeholder 4"/>
           <p:cNvSpPr>
             <a:spLocks noGrp="1"/>
           </p:cNvSpPr>
@@ -2028,7 +2154,7 @@
     </p:spTree>
     <p:extLst>
       <p:ext uri="{BB962C8B-B14F-4D97-AF65-F5344CB8AC3E}">
-        <p14:creationId xmlns:p14="http://schemas.microsoft.com/office/powerpoint/2010/main" val="940428416"/>
+        <p14:creationId xmlns:p14="http://schemas.microsoft.com/office/powerpoint/2010/main" val="129763311"/>
       </p:ext>
     </p:extLst>
   </p:cSld>
@@ -2039,7 +2165,7 @@
 </file>
 
 <file path=ppt/slideLayouts/slideLayout7.xml><?xml version="1.0" encoding="utf-8"?>
-<p:sldLayout xmlns:a="http://schemas.openxmlformats.org/drawingml/2006/main" xmlns:r="http://schemas.openxmlformats.org/officeDocument/2006/relationships" xmlns:p="http://schemas.openxmlformats.org/presentationml/2006/main" type="blank" preserve="1">
+<p:sldLayout xmlns:a="http://schemas.openxmlformats.org/drawingml/2006/main" xmlns:r="http://schemas.openxmlformats.org/officeDocument/2006/relationships" xmlns:p="http://schemas.openxmlformats.org/presentationml/2006/main" showMasterSp="0" type="blank" preserve="1">
   <p:cSld name="Blank">
     <p:spTree>
       <p:nvGrpSpPr>
@@ -2057,13 +2183,83 @@
       </p:grpSpPr>
       <p:sp>
         <p:nvSpPr>
-          <p:cNvPr id="2" name="Date Placeholder 1">
-            <a:extLst>
-              <a:ext uri="{FF2B5EF4-FFF2-40B4-BE49-F238E27FC236}">
-                <a16:creationId xmlns:a16="http://schemas.microsoft.com/office/drawing/2014/main" id="{473D843A-0FFD-4A4E-B203-391CEC881842}"/>
-              </a:ext>
-            </a:extLst>
-          </p:cNvPr>
+          <p:cNvPr id="5" name="Rectangle 4"/>
+          <p:cNvSpPr/>
+          <p:nvPr/>
+        </p:nvSpPr>
+        <p:spPr>
+          <a:xfrm>
+            <a:off x="3175" y="6400800"/>
+            <a:ext cx="12188825" cy="457200"/>
+          </a:xfrm>
+          <a:prstGeom prst="rect">
+            <a:avLst/>
+          </a:prstGeom>
+          <a:solidFill>
+            <a:schemeClr val="accent2"/>
+          </a:solidFill>
+          <a:ln>
+            <a:noFill/>
+          </a:ln>
+        </p:spPr>
+        <p:style>
+          <a:lnRef idx="2">
+            <a:schemeClr val="accent1">
+              <a:shade val="50000"/>
+            </a:schemeClr>
+          </a:lnRef>
+          <a:fillRef idx="1">
+            <a:schemeClr val="accent1"/>
+          </a:fillRef>
+          <a:effectRef idx="0">
+            <a:schemeClr val="accent1"/>
+          </a:effectRef>
+          <a:fontRef idx="minor">
+            <a:schemeClr val="lt1"/>
+          </a:fontRef>
+        </p:style>
+      </p:sp>
+      <p:sp>
+        <p:nvSpPr>
+          <p:cNvPr id="6" name="Rectangle 5"/>
+          <p:cNvSpPr/>
+          <p:nvPr/>
+        </p:nvSpPr>
+        <p:spPr>
+          <a:xfrm>
+            <a:off x="15" y="6334316"/>
+            <a:ext cx="12188825" cy="64008"/>
+          </a:xfrm>
+          <a:prstGeom prst="rect">
+            <a:avLst/>
+          </a:prstGeom>
+          <a:solidFill>
+            <a:schemeClr val="accent1"/>
+          </a:solidFill>
+          <a:ln>
+            <a:noFill/>
+          </a:ln>
+        </p:spPr>
+        <p:style>
+          <a:lnRef idx="2">
+            <a:schemeClr val="accent1">
+              <a:shade val="50000"/>
+            </a:schemeClr>
+          </a:lnRef>
+          <a:fillRef idx="1">
+            <a:schemeClr val="accent1"/>
+          </a:fillRef>
+          <a:effectRef idx="0">
+            <a:schemeClr val="accent1"/>
+          </a:effectRef>
+          <a:fontRef idx="minor">
+            <a:schemeClr val="lt1"/>
+          </a:fontRef>
+        </p:style>
+      </p:sp>
+      <p:sp>
+        <p:nvSpPr>
+          <p:cNvPr id="7" name="Date Placeholder 6"/>
           <p:cNvSpPr>
             <a:spLocks noGrp="1"/>
           </p:cNvSpPr>
@@ -2078,7 +2274,7 @@
           <a:p>
             <a:fld id="{1C3CDFC3-04F2-4476-8235-34C856F3323E}" type="datetimeFigureOut">
               <a:rPr lang="en-US" smtClean="0"/>
-              <a:t>9/17/2025</a:t>
+              <a:t>9/23/2025</a:t>
             </a:fld>
             <a:endParaRPr lang="en-US"/>
           </a:p>
@@ -2086,13 +2282,7 @@
       </p:sp>
       <p:sp>
         <p:nvSpPr>
-          <p:cNvPr id="3" name="Footer Placeholder 2">
-            <a:extLst>
-              <a:ext uri="{FF2B5EF4-FFF2-40B4-BE49-F238E27FC236}">
-                <a16:creationId xmlns:a16="http://schemas.microsoft.com/office/drawing/2014/main" id="{6FB8D7E5-F734-4A8A-84B9-AE9A44D3EA5E}"/>
-              </a:ext>
-            </a:extLst>
-          </p:cNvPr>
+          <p:cNvPr id="8" name="Footer Placeholder 7"/>
           <p:cNvSpPr>
             <a:spLocks noGrp="1"/>
           </p:cNvSpPr>
@@ -2103,7 +2293,15 @@
         <p:spPr/>
         <p:txBody>
           <a:bodyPr/>
-          <a:lstStyle/>
+          <a:lstStyle>
+            <a:lvl1pPr>
+              <a:defRPr>
+                <a:solidFill>
+                  <a:srgbClr val="FFFFFF"/>
+                </a:solidFill>
+              </a:defRPr>
+            </a:lvl1pPr>
+          </a:lstStyle>
           <a:p>
             <a:endParaRPr lang="en-US"/>
           </a:p>
@@ -2111,13 +2309,7 @@
       </p:sp>
       <p:sp>
         <p:nvSpPr>
-          <p:cNvPr id="4" name="Slide Number Placeholder 3">
-            <a:extLst>
-              <a:ext uri="{FF2B5EF4-FFF2-40B4-BE49-F238E27FC236}">
-                <a16:creationId xmlns:a16="http://schemas.microsoft.com/office/drawing/2014/main" id="{2CDE39B5-318D-46EE-92FF-FC7F44C7EB90}"/>
-              </a:ext>
-            </a:extLst>
-          </p:cNvPr>
+          <p:cNvPr id="9" name="Slide Number Placeholder 8"/>
           <p:cNvSpPr>
             <a:spLocks noGrp="1"/>
           </p:cNvSpPr>
@@ -2141,7 +2333,7 @@
     </p:spTree>
     <p:extLst>
       <p:ext uri="{BB962C8B-B14F-4D97-AF65-F5344CB8AC3E}">
-        <p14:creationId xmlns:p14="http://schemas.microsoft.com/office/powerpoint/2010/main" val="762551043"/>
+        <p14:creationId xmlns:p14="http://schemas.microsoft.com/office/powerpoint/2010/main" val="3526901869"/>
       </p:ext>
     </p:extLst>
   </p:cSld>
@@ -2152,7 +2344,7 @@
 </file>
 
 <file path=ppt/slideLayouts/slideLayout8.xml><?xml version="1.0" encoding="utf-8"?>
-<p:sldLayout xmlns:a="http://schemas.openxmlformats.org/drawingml/2006/main" xmlns:r="http://schemas.openxmlformats.org/officeDocument/2006/relationships" xmlns:p="http://schemas.openxmlformats.org/presentationml/2006/main" type="objTx" preserve="1">
+<p:sldLayout xmlns:a="http://schemas.openxmlformats.org/drawingml/2006/main" xmlns:r="http://schemas.openxmlformats.org/officeDocument/2006/relationships" xmlns:p="http://schemas.openxmlformats.org/presentationml/2006/main" showMasterSp="0" type="objTx" preserve="1">
   <p:cSld name="Content with Caption">
     <p:spTree>
       <p:nvGrpSpPr>
@@ -2170,31 +2362,107 @@
       </p:grpSpPr>
       <p:sp>
         <p:nvSpPr>
-          <p:cNvPr id="2" name="Title 1">
-            <a:extLst>
-              <a:ext uri="{FF2B5EF4-FFF2-40B4-BE49-F238E27FC236}">
-                <a16:creationId xmlns:a16="http://schemas.microsoft.com/office/drawing/2014/main" id="{F12A7357-2EBD-4E16-AEBF-EB8C573C00C2}"/>
-              </a:ext>
-            </a:extLst>
-          </p:cNvPr>
-          <p:cNvSpPr>
-            <a:spLocks noGrp="1"/>
-          </p:cNvSpPr>
-          <p:nvPr>
-            <p:ph type="title"/>
-          </p:nvPr>
+          <p:cNvPr id="8" name="Rectangle 7"/>
+          <p:cNvSpPr/>
+          <p:nvPr/>
         </p:nvSpPr>
         <p:spPr>
           <a:xfrm>
-            <a:off x="839788" y="457200"/>
-            <a:ext cx="3932237" cy="1600200"/>
+            <a:off x="16" y="0"/>
+            <a:ext cx="4050791" cy="6858000"/>
+          </a:xfrm>
+          <a:prstGeom prst="rect">
+            <a:avLst/>
+          </a:prstGeom>
+          <a:solidFill>
+            <a:schemeClr val="accent2"/>
+          </a:solidFill>
+          <a:ln>
+            <a:noFill/>
+          </a:ln>
+        </p:spPr>
+        <p:style>
+          <a:lnRef idx="2">
+            <a:schemeClr val="accent1">
+              <a:shade val="50000"/>
+            </a:schemeClr>
+          </a:lnRef>
+          <a:fillRef idx="1">
+            <a:schemeClr val="accent1"/>
+          </a:fillRef>
+          <a:effectRef idx="0">
+            <a:schemeClr val="accent1"/>
+          </a:effectRef>
+          <a:fontRef idx="minor">
+            <a:schemeClr val="lt1"/>
+          </a:fontRef>
+        </p:style>
+      </p:sp>
+      <p:sp>
+        <p:nvSpPr>
+          <p:cNvPr id="9" name="Rectangle 8"/>
+          <p:cNvSpPr/>
+          <p:nvPr/>
+        </p:nvSpPr>
+        <p:spPr>
+          <a:xfrm>
+            <a:off x="4040071" y="0"/>
+            <a:ext cx="64008" cy="6858000"/>
+          </a:xfrm>
+          <a:prstGeom prst="rect">
+            <a:avLst/>
+          </a:prstGeom>
+          <a:solidFill>
+            <a:schemeClr val="accent1"/>
+          </a:solidFill>
+          <a:ln>
+            <a:noFill/>
+          </a:ln>
+        </p:spPr>
+        <p:style>
+          <a:lnRef idx="2">
+            <a:schemeClr val="accent1">
+              <a:shade val="50000"/>
+            </a:schemeClr>
+          </a:lnRef>
+          <a:fillRef idx="1">
+            <a:schemeClr val="accent1"/>
+          </a:fillRef>
+          <a:effectRef idx="0">
+            <a:schemeClr val="accent1"/>
+          </a:effectRef>
+          <a:fontRef idx="minor">
+            <a:schemeClr val="lt1"/>
+          </a:fontRef>
+        </p:style>
+      </p:sp>
+      <p:sp>
+        <p:nvSpPr>
+          <p:cNvPr id="2" name="Title 1"/>
+          <p:cNvSpPr>
+            <a:spLocks noGrp="1"/>
+          </p:cNvSpPr>
+          <p:nvPr>
+            <p:ph type="title"/>
+          </p:nvPr>
+        </p:nvSpPr>
+        <p:spPr>
+          <a:xfrm>
+            <a:off x="457200" y="594359"/>
+            <a:ext cx="3200400" cy="2286000"/>
           </a:xfrm>
         </p:spPr>
         <p:txBody>
-          <a:bodyPr anchor="b"/>
+          <a:bodyPr anchor="b">
+            <a:normAutofit/>
+          </a:bodyPr>
           <a:lstStyle>
             <a:lvl1pPr>
-              <a:defRPr sz="3200"/>
+              <a:defRPr sz="3600" b="0">
+                <a:solidFill>
+                  <a:srgbClr val="FFFFFF"/>
+                </a:solidFill>
+              </a:defRPr>
             </a:lvl1pPr>
           </a:lstStyle>
           <a:p>
@@ -2202,18 +2470,13 @@
               <a:rPr lang="en-US"/>
               <a:t>Click to edit Master title style</a:t>
             </a:r>
-          </a:p>
-        </p:txBody>
-      </p:sp>
-      <p:sp>
-        <p:nvSpPr>
-          <p:cNvPr id="3" name="Content Placeholder 2">
-            <a:extLst>
-              <a:ext uri="{FF2B5EF4-FFF2-40B4-BE49-F238E27FC236}">
-                <a16:creationId xmlns:a16="http://schemas.microsoft.com/office/drawing/2014/main" id="{81C80333-C9D0-400C-8A00-8940E98151F9}"/>
-              </a:ext>
-            </a:extLst>
-          </p:cNvPr>
+            <a:endParaRPr lang="en-US" dirty="0"/>
+          </a:p>
+        </p:txBody>
+      </p:sp>
+      <p:sp>
+        <p:nvSpPr>
+          <p:cNvPr id="3" name="Content Placeholder 2"/>
           <p:cNvSpPr>
             <a:spLocks noGrp="1"/>
           </p:cNvSpPr>
@@ -2223,223 +2486,208 @@
         </p:nvSpPr>
         <p:spPr>
           <a:xfrm>
-            <a:off x="5183188" y="987425"/>
-            <a:ext cx="6172200" cy="4873625"/>
+            <a:off x="4800600" y="731520"/>
+            <a:ext cx="6492240" cy="5257800"/>
           </a:xfrm>
         </p:spPr>
         <p:txBody>
           <a:bodyPr/>
+          <a:lstStyle/>
+          <a:p>
+            <a:pPr lvl="0"/>
+            <a:r>
+              <a:rPr lang="en-US"/>
+              <a:t>Edit Master text styles</a:t>
+            </a:r>
+          </a:p>
+          <a:p>
+            <a:pPr lvl="1"/>
+            <a:r>
+              <a:rPr lang="en-US"/>
+              <a:t>Second level</a:t>
+            </a:r>
+          </a:p>
+          <a:p>
+            <a:pPr lvl="2"/>
+            <a:r>
+              <a:rPr lang="en-US"/>
+              <a:t>Third level</a:t>
+            </a:r>
+          </a:p>
+          <a:p>
+            <a:pPr lvl="3"/>
+            <a:r>
+              <a:rPr lang="en-US"/>
+              <a:t>Fourth level</a:t>
+            </a:r>
+          </a:p>
+          <a:p>
+            <a:pPr lvl="4"/>
+            <a:r>
+              <a:rPr lang="en-US"/>
+              <a:t>Fifth level</a:t>
+            </a:r>
+            <a:endParaRPr lang="en-US" dirty="0"/>
+          </a:p>
+        </p:txBody>
+      </p:sp>
+      <p:sp>
+        <p:nvSpPr>
+          <p:cNvPr id="4" name="Text Placeholder 3"/>
+          <p:cNvSpPr>
+            <a:spLocks noGrp="1"/>
+          </p:cNvSpPr>
+          <p:nvPr>
+            <p:ph type="body" sz="half" idx="2"/>
+          </p:nvPr>
+        </p:nvSpPr>
+        <p:spPr>
+          <a:xfrm>
+            <a:off x="457200" y="2926080"/>
+            <a:ext cx="3200400" cy="3379124"/>
+          </a:xfrm>
+        </p:spPr>
+        <p:txBody>
+          <a:bodyPr lIns="91440" rIns="91440">
+            <a:normAutofit/>
+          </a:bodyPr>
+          <a:lstStyle>
+            <a:lvl1pPr marL="0" indent="0">
+              <a:buNone/>
+              <a:defRPr sz="1500">
+                <a:solidFill>
+                  <a:srgbClr val="FFFFFF"/>
+                </a:solidFill>
+              </a:defRPr>
+            </a:lvl1pPr>
+            <a:lvl2pPr marL="457200" indent="0">
+              <a:buNone/>
+              <a:defRPr sz="1200"/>
+            </a:lvl2pPr>
+            <a:lvl3pPr marL="914400" indent="0">
+              <a:buNone/>
+              <a:defRPr sz="1000"/>
+            </a:lvl3pPr>
+            <a:lvl4pPr marL="1371600" indent="0">
+              <a:buNone/>
+              <a:defRPr sz="900"/>
+            </a:lvl4pPr>
+            <a:lvl5pPr marL="1828800" indent="0">
+              <a:buNone/>
+              <a:defRPr sz="900"/>
+            </a:lvl5pPr>
+            <a:lvl6pPr marL="2286000" indent="0">
+              <a:buNone/>
+              <a:defRPr sz="900"/>
+            </a:lvl6pPr>
+            <a:lvl7pPr marL="2743200" indent="0">
+              <a:buNone/>
+              <a:defRPr sz="900"/>
+            </a:lvl7pPr>
+            <a:lvl8pPr marL="3200400" indent="0">
+              <a:buNone/>
+              <a:defRPr sz="900"/>
+            </a:lvl8pPr>
+            <a:lvl9pPr marL="3657600" indent="0">
+              <a:buNone/>
+              <a:defRPr sz="900"/>
+            </a:lvl9pPr>
+          </a:lstStyle>
+          <a:p>
+            <a:pPr lvl="0"/>
+            <a:r>
+              <a:rPr lang="en-US"/>
+              <a:t>Edit Master text styles</a:t>
+            </a:r>
+          </a:p>
+        </p:txBody>
+      </p:sp>
+      <p:sp>
+        <p:nvSpPr>
+          <p:cNvPr id="5" name="Date Placeholder 4"/>
+          <p:cNvSpPr>
+            <a:spLocks noGrp="1"/>
+          </p:cNvSpPr>
+          <p:nvPr>
+            <p:ph type="dt" sz="half" idx="10"/>
+          </p:nvPr>
+        </p:nvSpPr>
+        <p:spPr>
+          <a:xfrm>
+            <a:off x="465512" y="6459785"/>
+            <a:ext cx="2618510" cy="365125"/>
+          </a:xfrm>
+        </p:spPr>
+        <p:txBody>
+          <a:bodyPr/>
+          <a:lstStyle>
+            <a:lvl1pPr algn="l">
+              <a:defRPr/>
+            </a:lvl1pPr>
+          </a:lstStyle>
+          <a:p>
+            <a:fld id="{1C3CDFC3-04F2-4476-8235-34C856F3323E}" type="datetimeFigureOut">
+              <a:rPr lang="en-US" smtClean="0"/>
+              <a:t>9/23/2025</a:t>
+            </a:fld>
+            <a:endParaRPr lang="en-US"/>
+          </a:p>
+        </p:txBody>
+      </p:sp>
+      <p:sp>
+        <p:nvSpPr>
+          <p:cNvPr id="6" name="Footer Placeholder 5"/>
+          <p:cNvSpPr>
+            <a:spLocks noGrp="1"/>
+          </p:cNvSpPr>
+          <p:nvPr>
+            <p:ph type="ftr" sz="quarter" idx="11"/>
+          </p:nvPr>
+        </p:nvSpPr>
+        <p:spPr>
+          <a:xfrm>
+            <a:off x="4800600" y="6459785"/>
+            <a:ext cx="4648200" cy="365125"/>
+          </a:xfrm>
+        </p:spPr>
+        <p:txBody>
+          <a:bodyPr/>
+          <a:lstStyle>
+            <a:lvl1pPr algn="l">
+              <a:defRPr>
+                <a:solidFill>
+                  <a:schemeClr val="tx2"/>
+                </a:solidFill>
+              </a:defRPr>
+            </a:lvl1pPr>
+          </a:lstStyle>
+          <a:p>
+            <a:endParaRPr lang="en-US"/>
+          </a:p>
+        </p:txBody>
+      </p:sp>
+      <p:sp>
+        <p:nvSpPr>
+          <p:cNvPr id="7" name="Slide Number Placeholder 6"/>
+          <p:cNvSpPr>
+            <a:spLocks noGrp="1"/>
+          </p:cNvSpPr>
+          <p:nvPr>
+            <p:ph type="sldNum" sz="quarter" idx="12"/>
+          </p:nvPr>
+        </p:nvSpPr>
+        <p:spPr/>
+        <p:txBody>
+          <a:bodyPr/>
           <a:lstStyle>
             <a:lvl1pPr>
-              <a:defRPr sz="3200"/>
+              <a:defRPr>
+                <a:solidFill>
+                  <a:schemeClr val="tx2"/>
+                </a:solidFill>
+              </a:defRPr>
             </a:lvl1pPr>
-            <a:lvl2pPr>
-              <a:defRPr sz="2800"/>
-            </a:lvl2pPr>
-            <a:lvl3pPr>
-              <a:defRPr sz="2400"/>
-            </a:lvl3pPr>
-            <a:lvl4pPr>
-              <a:defRPr sz="2000"/>
-            </a:lvl4pPr>
-            <a:lvl5pPr>
-              <a:defRPr sz="2000"/>
-            </a:lvl5pPr>
-            <a:lvl6pPr>
-              <a:defRPr sz="2000"/>
-            </a:lvl6pPr>
-            <a:lvl7pPr>
-              <a:defRPr sz="2000"/>
-            </a:lvl7pPr>
-            <a:lvl8pPr>
-              <a:defRPr sz="2000"/>
-            </a:lvl8pPr>
-            <a:lvl9pPr>
-              <a:defRPr sz="2000"/>
-            </a:lvl9pPr>
           </a:lstStyle>
-          <a:p>
-            <a:pPr lvl="0"/>
-            <a:r>
-              <a:rPr lang="en-US"/>
-              <a:t>Edit Master text styles</a:t>
-            </a:r>
-          </a:p>
-          <a:p>
-            <a:pPr lvl="1"/>
-            <a:r>
-              <a:rPr lang="en-US"/>
-              <a:t>Second level</a:t>
-            </a:r>
-          </a:p>
-          <a:p>
-            <a:pPr lvl="2"/>
-            <a:r>
-              <a:rPr lang="en-US"/>
-              <a:t>Third level</a:t>
-            </a:r>
-          </a:p>
-          <a:p>
-            <a:pPr lvl="3"/>
-            <a:r>
-              <a:rPr lang="en-US"/>
-              <a:t>Fourth level</a:t>
-            </a:r>
-          </a:p>
-          <a:p>
-            <a:pPr lvl="4"/>
-            <a:r>
-              <a:rPr lang="en-US"/>
-              <a:t>Fifth level</a:t>
-            </a:r>
-          </a:p>
-        </p:txBody>
-      </p:sp>
-      <p:sp>
-        <p:nvSpPr>
-          <p:cNvPr id="4" name="Text Placeholder 3">
-            <a:extLst>
-              <a:ext uri="{FF2B5EF4-FFF2-40B4-BE49-F238E27FC236}">
-                <a16:creationId xmlns:a16="http://schemas.microsoft.com/office/drawing/2014/main" id="{35656992-584F-4E55-9A23-9669898FA1B4}"/>
-              </a:ext>
-            </a:extLst>
-          </p:cNvPr>
-          <p:cNvSpPr>
-            <a:spLocks noGrp="1"/>
-          </p:cNvSpPr>
-          <p:nvPr>
-            <p:ph type="body" sz="half" idx="2"/>
-          </p:nvPr>
-        </p:nvSpPr>
-        <p:spPr>
-          <a:xfrm>
-            <a:off x="839788" y="2057400"/>
-            <a:ext cx="3932237" cy="3811588"/>
-          </a:xfrm>
-        </p:spPr>
-        <p:txBody>
-          <a:bodyPr/>
-          <a:lstStyle>
-            <a:lvl1pPr marL="0" indent="0">
-              <a:buNone/>
-              <a:defRPr sz="1600"/>
-            </a:lvl1pPr>
-            <a:lvl2pPr marL="457200" indent="0">
-              <a:buNone/>
-              <a:defRPr sz="1400"/>
-            </a:lvl2pPr>
-            <a:lvl3pPr marL="914400" indent="0">
-              <a:buNone/>
-              <a:defRPr sz="1200"/>
-            </a:lvl3pPr>
-            <a:lvl4pPr marL="1371600" indent="0">
-              <a:buNone/>
-              <a:defRPr sz="1000"/>
-            </a:lvl4pPr>
-            <a:lvl5pPr marL="1828800" indent="0">
-              <a:buNone/>
-              <a:defRPr sz="1000"/>
-            </a:lvl5pPr>
-            <a:lvl6pPr marL="2286000" indent="0">
-              <a:buNone/>
-              <a:defRPr sz="1000"/>
-            </a:lvl6pPr>
-            <a:lvl7pPr marL="2743200" indent="0">
-              <a:buNone/>
-              <a:defRPr sz="1000"/>
-            </a:lvl7pPr>
-            <a:lvl8pPr marL="3200400" indent="0">
-              <a:buNone/>
-              <a:defRPr sz="1000"/>
-            </a:lvl8pPr>
-            <a:lvl9pPr marL="3657600" indent="0">
-              <a:buNone/>
-              <a:defRPr sz="1000"/>
-            </a:lvl9pPr>
-          </a:lstStyle>
-          <a:p>
-            <a:pPr lvl="0"/>
-            <a:r>
-              <a:rPr lang="en-US"/>
-              <a:t>Edit Master text styles</a:t>
-            </a:r>
-          </a:p>
-        </p:txBody>
-      </p:sp>
-      <p:sp>
-        <p:nvSpPr>
-          <p:cNvPr id="5" name="Date Placeholder 4">
-            <a:extLst>
-              <a:ext uri="{FF2B5EF4-FFF2-40B4-BE49-F238E27FC236}">
-                <a16:creationId xmlns:a16="http://schemas.microsoft.com/office/drawing/2014/main" id="{1A69203D-4DDE-4242-8FCB-BFB552F87980}"/>
-              </a:ext>
-            </a:extLst>
-          </p:cNvPr>
-          <p:cNvSpPr>
-            <a:spLocks noGrp="1"/>
-          </p:cNvSpPr>
-          <p:nvPr>
-            <p:ph type="dt" sz="half" idx="10"/>
-          </p:nvPr>
-        </p:nvSpPr>
-        <p:spPr/>
-        <p:txBody>
-          <a:bodyPr/>
-          <a:lstStyle/>
-          <a:p>
-            <a:fld id="{1C3CDFC3-04F2-4476-8235-34C856F3323E}" type="datetimeFigureOut">
-              <a:rPr lang="en-US" smtClean="0"/>
-              <a:t>9/17/2025</a:t>
-            </a:fld>
-            <a:endParaRPr lang="en-US"/>
-          </a:p>
-        </p:txBody>
-      </p:sp>
-      <p:sp>
-        <p:nvSpPr>
-          <p:cNvPr id="6" name="Footer Placeholder 5">
-            <a:extLst>
-              <a:ext uri="{FF2B5EF4-FFF2-40B4-BE49-F238E27FC236}">
-                <a16:creationId xmlns:a16="http://schemas.microsoft.com/office/drawing/2014/main" id="{393ED388-030C-4052-8222-15CCE9A0A6C9}"/>
-              </a:ext>
-            </a:extLst>
-          </p:cNvPr>
-          <p:cNvSpPr>
-            <a:spLocks noGrp="1"/>
-          </p:cNvSpPr>
-          <p:nvPr>
-            <p:ph type="ftr" sz="quarter" idx="11"/>
-          </p:nvPr>
-        </p:nvSpPr>
-        <p:spPr/>
-        <p:txBody>
-          <a:bodyPr/>
-          <a:lstStyle/>
-          <a:p>
-            <a:endParaRPr lang="en-US"/>
-          </a:p>
-        </p:txBody>
-      </p:sp>
-      <p:sp>
-        <p:nvSpPr>
-          <p:cNvPr id="7" name="Slide Number Placeholder 6">
-            <a:extLst>
-              <a:ext uri="{FF2B5EF4-FFF2-40B4-BE49-F238E27FC236}">
-                <a16:creationId xmlns:a16="http://schemas.microsoft.com/office/drawing/2014/main" id="{3A539218-A601-497D-A4CE-49747BE984E3}"/>
-              </a:ext>
-            </a:extLst>
-          </p:cNvPr>
-          <p:cNvSpPr>
-            <a:spLocks noGrp="1"/>
-          </p:cNvSpPr>
-          <p:nvPr>
-            <p:ph type="sldNum" sz="quarter" idx="12"/>
-          </p:nvPr>
-        </p:nvSpPr>
-        <p:spPr/>
-        <p:txBody>
-          <a:bodyPr/>
-          <a:lstStyle/>
           <a:p>
             <a:fld id="{DFFDE5D7-FF45-456C-8C84-8B4EDC0441FE}" type="slidenum">
               <a:rPr lang="en-US" smtClean="0"/>
@@ -2452,7 +2700,7 @@
     </p:spTree>
     <p:extLst>
       <p:ext uri="{BB962C8B-B14F-4D97-AF65-F5344CB8AC3E}">
-        <p14:creationId xmlns:p14="http://schemas.microsoft.com/office/powerpoint/2010/main" val="245126007"/>
+        <p14:creationId xmlns:p14="http://schemas.microsoft.com/office/powerpoint/2010/main" val="1890118917"/>
       </p:ext>
     </p:extLst>
   </p:cSld>
@@ -2463,7 +2711,7 @@
 </file>
 
 <file path=ppt/slideLayouts/slideLayout9.xml><?xml version="1.0" encoding="utf-8"?>
-<p:sldLayout xmlns:a="http://schemas.openxmlformats.org/drawingml/2006/main" xmlns:r="http://schemas.openxmlformats.org/officeDocument/2006/relationships" xmlns:p="http://schemas.openxmlformats.org/presentationml/2006/main" type="picTx" preserve="1">
+<p:sldLayout xmlns:a="http://schemas.openxmlformats.org/drawingml/2006/main" xmlns:r="http://schemas.openxmlformats.org/officeDocument/2006/relationships" xmlns:p="http://schemas.openxmlformats.org/presentationml/2006/main" showMasterSp="0" type="picTx" preserve="1">
   <p:cSld name="Picture with Caption">
     <p:spTree>
       <p:nvGrpSpPr>
@@ -2481,31 +2729,107 @@
       </p:grpSpPr>
       <p:sp>
         <p:nvSpPr>
-          <p:cNvPr id="2" name="Title 1">
-            <a:extLst>
-              <a:ext uri="{FF2B5EF4-FFF2-40B4-BE49-F238E27FC236}">
-                <a16:creationId xmlns:a16="http://schemas.microsoft.com/office/drawing/2014/main" id="{6CAB74D4-D8C6-4119-BAB1-628CD3236205}"/>
-              </a:ext>
-            </a:extLst>
-          </p:cNvPr>
-          <p:cNvSpPr>
-            <a:spLocks noGrp="1"/>
-          </p:cNvSpPr>
-          <p:nvPr>
-            <p:ph type="title"/>
-          </p:nvPr>
+          <p:cNvPr id="8" name="Rectangle 7"/>
+          <p:cNvSpPr/>
+          <p:nvPr/>
         </p:nvSpPr>
         <p:spPr>
           <a:xfrm>
-            <a:off x="839788" y="457200"/>
-            <a:ext cx="3932237" cy="1600200"/>
+            <a:off x="0" y="4953000"/>
+            <a:ext cx="12188825" cy="1905000"/>
+          </a:xfrm>
+          <a:prstGeom prst="rect">
+            <a:avLst/>
+          </a:prstGeom>
+          <a:solidFill>
+            <a:schemeClr val="accent2"/>
+          </a:solidFill>
+          <a:ln>
+            <a:noFill/>
+          </a:ln>
+        </p:spPr>
+        <p:style>
+          <a:lnRef idx="2">
+            <a:schemeClr val="accent1">
+              <a:shade val="50000"/>
+            </a:schemeClr>
+          </a:lnRef>
+          <a:fillRef idx="1">
+            <a:schemeClr val="accent1"/>
+          </a:fillRef>
+          <a:effectRef idx="0">
+            <a:schemeClr val="accent1"/>
+          </a:effectRef>
+          <a:fontRef idx="minor">
+            <a:schemeClr val="lt1"/>
+          </a:fontRef>
+        </p:style>
+      </p:sp>
+      <p:sp>
+        <p:nvSpPr>
+          <p:cNvPr id="9" name="Rectangle 8"/>
+          <p:cNvSpPr/>
+          <p:nvPr/>
+        </p:nvSpPr>
+        <p:spPr>
+          <a:xfrm>
+            <a:off x="15" y="4915076"/>
+            <a:ext cx="12188825" cy="64008"/>
+          </a:xfrm>
+          <a:prstGeom prst="rect">
+            <a:avLst/>
+          </a:prstGeom>
+          <a:solidFill>
+            <a:schemeClr val="accent1"/>
+          </a:solidFill>
+          <a:ln>
+            <a:noFill/>
+          </a:ln>
+        </p:spPr>
+        <p:style>
+          <a:lnRef idx="2">
+            <a:schemeClr val="accent1">
+              <a:shade val="50000"/>
+            </a:schemeClr>
+          </a:lnRef>
+          <a:fillRef idx="1">
+            <a:schemeClr val="accent1"/>
+          </a:fillRef>
+          <a:effectRef idx="0">
+            <a:schemeClr val="accent1"/>
+          </a:effectRef>
+          <a:fontRef idx="minor">
+            <a:schemeClr val="lt1"/>
+          </a:fontRef>
+        </p:style>
+      </p:sp>
+      <p:sp>
+        <p:nvSpPr>
+          <p:cNvPr id="2" name="Title 1"/>
+          <p:cNvSpPr>
+            <a:spLocks noGrp="1"/>
+          </p:cNvSpPr>
+          <p:nvPr>
+            <p:ph type="title"/>
+          </p:nvPr>
+        </p:nvSpPr>
+        <p:spPr>
+          <a:xfrm>
+            <a:off x="1097280" y="5074920"/>
+            <a:ext cx="10113264" cy="822960"/>
           </a:xfrm>
         </p:spPr>
         <p:txBody>
-          <a:bodyPr anchor="b"/>
+          <a:bodyPr lIns="91440" tIns="0" rIns="91440" bIns="0" anchor="b">
+            <a:noAutofit/>
+          </a:bodyPr>
           <a:lstStyle>
             <a:lvl1pPr>
-              <a:defRPr sz="3200"/>
+              <a:defRPr sz="3600" b="0">
+                <a:solidFill>
+                  <a:srgbClr val="FFFFFF"/>
+                </a:solidFill>
+              </a:defRPr>
             </a:lvl1pPr>
           </a:lstStyle>
           <a:p>
@@ -2513,20 +2837,15 @@
               <a:rPr lang="en-US"/>
               <a:t>Click to edit Master title style</a:t>
             </a:r>
-          </a:p>
-        </p:txBody>
-      </p:sp>
-      <p:sp>
-        <p:nvSpPr>
-          <p:cNvPr id="3" name="Picture Placeholder 2">
-            <a:extLst>
-              <a:ext uri="{FF2B5EF4-FFF2-40B4-BE49-F238E27FC236}">
-                <a16:creationId xmlns:a16="http://schemas.microsoft.com/office/drawing/2014/main" id="{7D7FC313-E34C-4484-8BDE-ED3EFF9EE300}"/>
-              </a:ext>
-            </a:extLst>
-          </p:cNvPr>
-          <p:cNvSpPr>
-            <a:spLocks noGrp="1"/>
+            <a:endParaRPr lang="en-US" dirty="0"/>
+          </a:p>
+        </p:txBody>
+      </p:sp>
+      <p:sp>
+        <p:nvSpPr>
+          <p:cNvPr id="3" name="Picture Placeholder 2"/>
+          <p:cNvSpPr>
+            <a:spLocks noGrp="1" noChangeAspect="1"/>
           </p:cNvSpPr>
           <p:nvPr>
             <p:ph type="pic" idx="1"/>
@@ -2534,16 +2853,26 @@
         </p:nvSpPr>
         <p:spPr>
           <a:xfrm>
-            <a:off x="5183188" y="987425"/>
-            <a:ext cx="6172200" cy="4873625"/>
+            <a:off x="15" y="0"/>
+            <a:ext cx="12191985" cy="4915076"/>
           </a:xfrm>
+          <a:blipFill>
+            <a:blip r:embed="rId2"/>
+            <a:stretch>
+              <a:fillRect/>
+            </a:stretch>
+          </a:blipFill>
         </p:spPr>
         <p:txBody>
-          <a:bodyPr/>
+          <a:bodyPr lIns="457200" tIns="457200" anchor="t"/>
           <a:lstStyle>
             <a:lvl1pPr marL="0" indent="0">
               <a:buNone/>
-              <a:defRPr sz="3200"/>
+              <a:defRPr sz="3200">
+                <a:solidFill>
+                  <a:schemeClr val="bg1"/>
+                </a:solidFill>
+              </a:defRPr>
             </a:lvl1pPr>
             <a:lvl2pPr marL="457200" indent="0">
               <a:buNone/>
@@ -2579,19 +2908,17 @@
             </a:lvl9pPr>
           </a:lstStyle>
           <a:p>
-            <a:endParaRPr lang="en-US"/>
-          </a:p>
-        </p:txBody>
-      </p:sp>
-      <p:sp>
-        <p:nvSpPr>
-          <p:cNvPr id="4" name="Text Placeholder 3">
-            <a:extLst>
-              <a:ext uri="{FF2B5EF4-FFF2-40B4-BE49-F238E27FC236}">
-                <a16:creationId xmlns:a16="http://schemas.microsoft.com/office/drawing/2014/main" id="{580802CA-8443-4C92-A2D9-FBDA70D6B62E}"/>
-              </a:ext>
-            </a:extLst>
-          </p:cNvPr>
+            <a:r>
+              <a:rPr lang="en-US"/>
+              <a:t>Click icon to add picture</a:t>
+            </a:r>
+            <a:endParaRPr lang="en-US" dirty="0"/>
+          </a:p>
+        </p:txBody>
+      </p:sp>
+      <p:sp>
+        <p:nvSpPr>
+          <p:cNvPr id="4" name="Text Placeholder 3"/>
           <p:cNvSpPr>
             <a:spLocks noGrp="1"/>
           </p:cNvSpPr>
@@ -2601,48 +2928,60 @@
         </p:nvSpPr>
         <p:spPr>
           <a:xfrm>
-            <a:off x="839788" y="2057400"/>
-            <a:ext cx="3932237" cy="3811588"/>
+            <a:off x="1097280" y="5907023"/>
+            <a:ext cx="10113264" cy="594360"/>
           </a:xfrm>
         </p:spPr>
         <p:txBody>
-          <a:bodyPr/>
+          <a:bodyPr lIns="91440" tIns="0" rIns="91440" bIns="0">
+            <a:normAutofit/>
+          </a:bodyPr>
           <a:lstStyle>
             <a:lvl1pPr marL="0" indent="0">
-              <a:buNone/>
-              <a:defRPr sz="1600"/>
+              <a:spcBef>
+                <a:spcPts val="0"/>
+              </a:spcBef>
+              <a:spcAft>
+                <a:spcPts val="600"/>
+              </a:spcAft>
+              <a:buNone/>
+              <a:defRPr sz="1500">
+                <a:solidFill>
+                  <a:srgbClr val="FFFFFF"/>
+                </a:solidFill>
+              </a:defRPr>
             </a:lvl1pPr>
             <a:lvl2pPr marL="457200" indent="0">
               <a:buNone/>
-              <a:defRPr sz="1400"/>
+              <a:defRPr sz="1200"/>
             </a:lvl2pPr>
             <a:lvl3pPr marL="914400" indent="0">
               <a:buNone/>
-              <a:defRPr sz="1200"/>
+              <a:defRPr sz="1000"/>
             </a:lvl3pPr>
             <a:lvl4pPr marL="1371600" indent="0">
               <a:buNone/>
-              <a:defRPr sz="1000"/>
+              <a:defRPr sz="900"/>
             </a:lvl4pPr>
             <a:lvl5pPr marL="1828800" indent="0">
               <a:buNone/>
-              <a:defRPr sz="1000"/>
+              <a:defRPr sz="900"/>
             </a:lvl5pPr>
             <a:lvl6pPr marL="2286000" indent="0">
               <a:buNone/>
-              <a:defRPr sz="1000"/>
+              <a:defRPr sz="900"/>
             </a:lvl6pPr>
             <a:lvl7pPr marL="2743200" indent="0">
               <a:buNone/>
-              <a:defRPr sz="1000"/>
+              <a:defRPr sz="900"/>
             </a:lvl7pPr>
             <a:lvl8pPr marL="3200400" indent="0">
               <a:buNone/>
-              <a:defRPr sz="1000"/>
+              <a:defRPr sz="900"/>
             </a:lvl8pPr>
             <a:lvl9pPr marL="3657600" indent="0">
               <a:buNone/>
-              <a:defRPr sz="1000"/>
+              <a:defRPr sz="900"/>
             </a:lvl9pPr>
           </a:lstStyle>
           <a:p>
@@ -2656,13 +2995,7 @@
       </p:sp>
       <p:sp>
         <p:nvSpPr>
-          <p:cNvPr id="5" name="Date Placeholder 4">
-            <a:extLst>
-              <a:ext uri="{FF2B5EF4-FFF2-40B4-BE49-F238E27FC236}">
-                <a16:creationId xmlns:a16="http://schemas.microsoft.com/office/drawing/2014/main" id="{AEDD4CAC-CA56-4C56-BE36-AA70B1C480A4}"/>
-              </a:ext>
-            </a:extLst>
-          </p:cNvPr>
+          <p:cNvPr id="5" name="Date Placeholder 4"/>
           <p:cNvSpPr>
             <a:spLocks noGrp="1"/>
           </p:cNvSpPr>
@@ -2677,7 +3010,7 @@
           <a:p>
             <a:fld id="{1C3CDFC3-04F2-4476-8235-34C856F3323E}" type="datetimeFigureOut">
               <a:rPr lang="en-US" smtClean="0"/>
-              <a:t>9/17/2025</a:t>
+              <a:t>9/23/2025</a:t>
             </a:fld>
             <a:endParaRPr lang="en-US"/>
           </a:p>
@@ -2685,13 +3018,7 @@
       </p:sp>
       <p:sp>
         <p:nvSpPr>
-          <p:cNvPr id="6" name="Footer Placeholder 5">
-            <a:extLst>
-              <a:ext uri="{FF2B5EF4-FFF2-40B4-BE49-F238E27FC236}">
-                <a16:creationId xmlns:a16="http://schemas.microsoft.com/office/drawing/2014/main" id="{CCB82EB1-ECE5-445D-A169-CABE3B9D434A}"/>
-              </a:ext>
-            </a:extLst>
-          </p:cNvPr>
+          <p:cNvPr id="6" name="Footer Placeholder 5"/>
           <p:cNvSpPr>
             <a:spLocks noGrp="1"/>
           </p:cNvSpPr>
@@ -2710,13 +3037,7 @@
       </p:sp>
       <p:sp>
         <p:nvSpPr>
-          <p:cNvPr id="7" name="Slide Number Placeholder 6">
-            <a:extLst>
-              <a:ext uri="{FF2B5EF4-FFF2-40B4-BE49-F238E27FC236}">
-                <a16:creationId xmlns:a16="http://schemas.microsoft.com/office/drawing/2014/main" id="{80DFCFFE-0B46-43C3-B34E-AA9F89B71F39}"/>
-              </a:ext>
-            </a:extLst>
-          </p:cNvPr>
+          <p:cNvPr id="7" name="Slide Number Placeholder 6"/>
           <p:cNvSpPr>
             <a:spLocks noGrp="1"/>
           </p:cNvSpPr>
@@ -2740,7 +3061,7 @@
     </p:spTree>
     <p:extLst>
       <p:ext uri="{BB962C8B-B14F-4D97-AF65-F5344CB8AC3E}">
-        <p14:creationId xmlns:p14="http://schemas.microsoft.com/office/powerpoint/2010/main" val="156344650"/>
+        <p14:creationId xmlns:p14="http://schemas.microsoft.com/office/powerpoint/2010/main" val="624676483"/>
       </p:ext>
     </p:extLst>
   </p:cSld>
@@ -2774,31 +3095,101 @@
       </p:grpSpPr>
       <p:sp>
         <p:nvSpPr>
-          <p:cNvPr id="2" name="Title Placeholder 1">
-            <a:extLst>
-              <a:ext uri="{FF2B5EF4-FFF2-40B4-BE49-F238E27FC236}">
-                <a16:creationId xmlns:a16="http://schemas.microsoft.com/office/drawing/2014/main" id="{586F5149-3085-4C4D-A3A8-183D712BC40B}"/>
-              </a:ext>
-            </a:extLst>
-          </p:cNvPr>
-          <p:cNvSpPr>
-            <a:spLocks noGrp="1"/>
-          </p:cNvSpPr>
-          <p:nvPr>
-            <p:ph type="title"/>
-          </p:nvPr>
+          <p:cNvPr id="7" name="Rectangle 6"/>
+          <p:cNvSpPr/>
+          <p:nvPr/>
         </p:nvSpPr>
         <p:spPr>
           <a:xfrm>
-            <a:off x="838200" y="365125"/>
-            <a:ext cx="10515600" cy="1325563"/>
+            <a:off x="1" y="6400800"/>
+            <a:ext cx="12192000" cy="457200"/>
+          </a:xfrm>
+          <a:prstGeom prst="rect">
+            <a:avLst/>
+          </a:prstGeom>
+          <a:solidFill>
+            <a:schemeClr val="accent2"/>
+          </a:solidFill>
+          <a:ln>
+            <a:noFill/>
+          </a:ln>
+        </p:spPr>
+        <p:style>
+          <a:lnRef idx="2">
+            <a:schemeClr val="accent1">
+              <a:shade val="50000"/>
+            </a:schemeClr>
+          </a:lnRef>
+          <a:fillRef idx="1">
+            <a:schemeClr val="accent1"/>
+          </a:fillRef>
+          <a:effectRef idx="0">
+            <a:schemeClr val="accent1"/>
+          </a:effectRef>
+          <a:fontRef idx="minor">
+            <a:schemeClr val="lt1"/>
+          </a:fontRef>
+        </p:style>
+      </p:sp>
+      <p:sp>
+        <p:nvSpPr>
+          <p:cNvPr id="9" name="Rectangle 8"/>
+          <p:cNvSpPr/>
+          <p:nvPr/>
+        </p:nvSpPr>
+        <p:spPr>
+          <a:xfrm>
+            <a:off x="0" y="6334316"/>
+            <a:ext cx="12192001" cy="65998"/>
+          </a:xfrm>
+          <a:prstGeom prst="rect">
+            <a:avLst/>
+          </a:prstGeom>
+          <a:solidFill>
+            <a:schemeClr val="accent1"/>
+          </a:solidFill>
+          <a:ln>
+            <a:noFill/>
+          </a:ln>
+        </p:spPr>
+        <p:style>
+          <a:lnRef idx="2">
+            <a:schemeClr val="accent1">
+              <a:shade val="50000"/>
+            </a:schemeClr>
+          </a:lnRef>
+          <a:fillRef idx="1">
+            <a:schemeClr val="accent1"/>
+          </a:fillRef>
+          <a:effectRef idx="0">
+            <a:schemeClr val="accent1"/>
+          </a:effectRef>
+          <a:fontRef idx="minor">
+            <a:schemeClr val="lt1"/>
+          </a:fontRef>
+        </p:style>
+      </p:sp>
+      <p:sp>
+        <p:nvSpPr>
+          <p:cNvPr id="2" name="Title Placeholder 1"/>
+          <p:cNvSpPr>
+            <a:spLocks noGrp="1"/>
+          </p:cNvSpPr>
+          <p:nvPr>
+            <p:ph type="title"/>
+          </p:nvPr>
+        </p:nvSpPr>
+        <p:spPr>
+          <a:xfrm>
+            <a:off x="1097280" y="286603"/>
+            <a:ext cx="10058400" cy="1450757"/>
           </a:xfrm>
           <a:prstGeom prst="rect">
             <a:avLst/>
           </a:prstGeom>
         </p:spPr>
         <p:txBody>
-          <a:bodyPr vert="horz" lIns="91440" tIns="45720" rIns="91440" bIns="45720" rtlCol="0" anchor="ctr">
+          <a:bodyPr vert="horz" lIns="91440" tIns="45720" rIns="91440" bIns="45720" rtlCol="0" anchor="b">
             <a:normAutofit/>
           </a:bodyPr>
           <a:lstStyle/>
@@ -2807,18 +3198,13 @@
               <a:rPr lang="en-US"/>
               <a:t>Click to edit Master title style</a:t>
             </a:r>
-          </a:p>
-        </p:txBody>
-      </p:sp>
-      <p:sp>
-        <p:nvSpPr>
-          <p:cNvPr id="3" name="Text Placeholder 2">
-            <a:extLst>
-              <a:ext uri="{FF2B5EF4-FFF2-40B4-BE49-F238E27FC236}">
-                <a16:creationId xmlns:a16="http://schemas.microsoft.com/office/drawing/2014/main" id="{19E436D0-F302-40A2-9A28-553099923368}"/>
-              </a:ext>
-            </a:extLst>
-          </p:cNvPr>
+            <a:endParaRPr lang="en-US" dirty="0"/>
+          </a:p>
+        </p:txBody>
+      </p:sp>
+      <p:sp>
+        <p:nvSpPr>
+          <p:cNvPr id="3" name="Text Placeholder 2"/>
           <p:cNvSpPr>
             <a:spLocks noGrp="1"/>
           </p:cNvSpPr>
@@ -2828,15 +3214,15 @@
         </p:nvSpPr>
         <p:spPr>
           <a:xfrm>
-            <a:off x="838200" y="1825625"/>
-            <a:ext cx="10515600" cy="4351338"/>
+            <a:off x="1097280" y="1845734"/>
+            <a:ext cx="10058400" cy="4023360"/>
           </a:xfrm>
           <a:prstGeom prst="rect">
             <a:avLst/>
           </a:prstGeom>
         </p:spPr>
         <p:txBody>
-          <a:bodyPr vert="horz" lIns="91440" tIns="45720" rIns="91440" bIns="45720" rtlCol="0">
+          <a:bodyPr vert="horz" lIns="0" tIns="45720" rIns="0" bIns="45720" rtlCol="0">
             <a:normAutofit/>
           </a:bodyPr>
           <a:lstStyle/>
@@ -2874,18 +3260,13 @@
               <a:rPr lang="en-US"/>
               <a:t>Fifth level</a:t>
             </a:r>
-          </a:p>
-        </p:txBody>
-      </p:sp>
-      <p:sp>
-        <p:nvSpPr>
-          <p:cNvPr id="4" name="Date Placeholder 3">
-            <a:extLst>
-              <a:ext uri="{FF2B5EF4-FFF2-40B4-BE49-F238E27FC236}">
-                <a16:creationId xmlns:a16="http://schemas.microsoft.com/office/drawing/2014/main" id="{C921AA19-D93B-4A9E-897B-7A3D84255BA1}"/>
-              </a:ext>
-            </a:extLst>
-          </p:cNvPr>
+            <a:endParaRPr lang="en-US" dirty="0"/>
+          </a:p>
+        </p:txBody>
+      </p:sp>
+      <p:sp>
+        <p:nvSpPr>
+          <p:cNvPr id="4" name="Date Placeholder 3"/>
           <p:cNvSpPr>
             <a:spLocks noGrp="1"/>
           </p:cNvSpPr>
@@ -2895,8 +3276,8 @@
         </p:nvSpPr>
         <p:spPr>
           <a:xfrm>
-            <a:off x="838200" y="6356350"/>
-            <a:ext cx="2743200" cy="365125"/>
+            <a:off x="1097280" y="6459785"/>
+            <a:ext cx="2472271" cy="365125"/>
           </a:xfrm>
           <a:prstGeom prst="rect">
             <a:avLst/>
@@ -2906,11 +3287,9 @@
           <a:bodyPr vert="horz" lIns="91440" tIns="45720" rIns="91440" bIns="45720" rtlCol="0" anchor="ctr"/>
           <a:lstStyle>
             <a:lvl1pPr algn="l">
-              <a:defRPr sz="1200">
+              <a:defRPr sz="900">
                 <a:solidFill>
-                  <a:schemeClr val="tx1">
-                    <a:tint val="75000"/>
-                  </a:schemeClr>
+                  <a:srgbClr val="FFFFFF"/>
                 </a:solidFill>
               </a:defRPr>
             </a:lvl1pPr>
@@ -2918,7 +3297,7 @@
           <a:p>
             <a:fld id="{1C3CDFC3-04F2-4476-8235-34C856F3323E}" type="datetimeFigureOut">
               <a:rPr lang="en-US" smtClean="0"/>
-              <a:t>9/17/2025</a:t>
+              <a:t>9/23/2025</a:t>
             </a:fld>
             <a:endParaRPr lang="en-US"/>
           </a:p>
@@ -2926,13 +3305,7 @@
       </p:sp>
       <p:sp>
         <p:nvSpPr>
-          <p:cNvPr id="5" name="Footer Placeholder 4">
-            <a:extLst>
-              <a:ext uri="{FF2B5EF4-FFF2-40B4-BE49-F238E27FC236}">
-                <a16:creationId xmlns:a16="http://schemas.microsoft.com/office/drawing/2014/main" id="{4A39D993-F6C8-4154-98AD-4DE93FA49FE6}"/>
-              </a:ext>
-            </a:extLst>
-          </p:cNvPr>
+          <p:cNvPr id="5" name="Footer Placeholder 4"/>
           <p:cNvSpPr>
             <a:spLocks noGrp="1"/>
           </p:cNvSpPr>
@@ -2942,8 +3315,8 @@
         </p:nvSpPr>
         <p:spPr>
           <a:xfrm>
-            <a:off x="4038600" y="6356350"/>
-            <a:ext cx="4114800" cy="365125"/>
+            <a:off x="3686185" y="6459785"/>
+            <a:ext cx="4822804" cy="365125"/>
           </a:xfrm>
           <a:prstGeom prst="rect">
             <a:avLst/>
@@ -2953,11 +3326,9 @@
           <a:bodyPr vert="horz" lIns="91440" tIns="45720" rIns="91440" bIns="45720" rtlCol="0" anchor="ctr"/>
           <a:lstStyle>
             <a:lvl1pPr algn="ctr">
-              <a:defRPr sz="1200">
+              <a:defRPr sz="900" cap="all" baseline="0">
                 <a:solidFill>
-                  <a:schemeClr val="tx1">
-                    <a:tint val="75000"/>
-                  </a:schemeClr>
+                  <a:srgbClr val="FFFFFF"/>
                 </a:solidFill>
               </a:defRPr>
             </a:lvl1pPr>
@@ -2969,13 +3340,7 @@
       </p:sp>
       <p:sp>
         <p:nvSpPr>
-          <p:cNvPr id="6" name="Slide Number Placeholder 5">
-            <a:extLst>
-              <a:ext uri="{FF2B5EF4-FFF2-40B4-BE49-F238E27FC236}">
-                <a16:creationId xmlns:a16="http://schemas.microsoft.com/office/drawing/2014/main" id="{30D3C679-4589-40BF-98A1-79FFDEA6FE98}"/>
-              </a:ext>
-            </a:extLst>
-          </p:cNvPr>
+          <p:cNvPr id="6" name="Slide Number Placeholder 5"/>
           <p:cNvSpPr>
             <a:spLocks noGrp="1"/>
           </p:cNvSpPr>
@@ -2985,8 +3350,8 @@
         </p:nvSpPr>
         <p:spPr>
           <a:xfrm>
-            <a:off x="8610600" y="6356350"/>
-            <a:ext cx="2743200" cy="365125"/>
+            <a:off x="9900458" y="6459785"/>
+            <a:ext cx="1312025" cy="365125"/>
           </a:xfrm>
           <a:prstGeom prst="rect">
             <a:avLst/>
@@ -2996,11 +3361,9 @@
           <a:bodyPr vert="horz" lIns="91440" tIns="45720" rIns="91440" bIns="45720" rtlCol="0" anchor="ctr"/>
           <a:lstStyle>
             <a:lvl1pPr algn="r">
-              <a:defRPr sz="1200">
+              <a:defRPr sz="1050">
                 <a:solidFill>
-                  <a:schemeClr val="tx1">
-                    <a:tint val="75000"/>
-                  </a:schemeClr>
+                  <a:srgbClr val="FFFFFF"/>
                 </a:solidFill>
               </a:defRPr>
             </a:lvl1pPr>
@@ -3014,40 +3377,81 @@
           </a:p>
         </p:txBody>
       </p:sp>
+      <p:cxnSp>
+        <p:nvCxnSpPr>
+          <p:cNvPr id="10" name="Straight Connector 9"/>
+          <p:cNvCxnSpPr/>
+          <p:nvPr/>
+        </p:nvCxnSpPr>
+        <p:spPr>
+          <a:xfrm>
+            <a:off x="1193532" y="1737845"/>
+            <a:ext cx="9966960" cy="0"/>
+          </a:xfrm>
+          <a:prstGeom prst="line">
+            <a:avLst/>
+          </a:prstGeom>
+          <a:ln w="6350">
+            <a:solidFill>
+              <a:schemeClr val="tx1">
+                <a:lumMod val="50000"/>
+                <a:lumOff val="50000"/>
+              </a:schemeClr>
+            </a:solidFill>
+          </a:ln>
+        </p:spPr>
+        <p:style>
+          <a:lnRef idx="1">
+            <a:schemeClr val="accent1"/>
+          </a:lnRef>
+          <a:fillRef idx="0">
+            <a:schemeClr val="accent1"/>
+          </a:fillRef>
+          <a:effectRef idx="0">
+            <a:schemeClr val="accent1"/>
+          </a:effectRef>
+          <a:fontRef idx="minor">
+            <a:schemeClr val="tx1"/>
+          </a:fontRef>
+        </p:style>
+      </p:cxnSp>
     </p:spTree>
     <p:extLst>
       <p:ext uri="{BB962C8B-B14F-4D97-AF65-F5344CB8AC3E}">
-        <p14:creationId xmlns:p14="http://schemas.microsoft.com/office/powerpoint/2010/main" val="620715163"/>
+        <p14:creationId xmlns:p14="http://schemas.microsoft.com/office/powerpoint/2010/main" val="1124651353"/>
       </p:ext>
     </p:extLst>
   </p:cSld>
   <p:clrMap bg1="lt1" tx1="dk1" bg2="lt2" tx2="dk2" accent1="accent1" accent2="accent2" accent3="accent3" accent4="accent4" accent5="accent5" accent6="accent6" hlink="hlink" folHlink="folHlink"/>
   <p:sldLayoutIdLst>
-    <p:sldLayoutId id="2147483649" r:id="rId1"/>
-    <p:sldLayoutId id="2147483650" r:id="rId2"/>
-    <p:sldLayoutId id="2147483651" r:id="rId3"/>
-    <p:sldLayoutId id="2147483652" r:id="rId4"/>
-    <p:sldLayoutId id="2147483653" r:id="rId5"/>
-    <p:sldLayoutId id="2147483654" r:id="rId6"/>
-    <p:sldLayoutId id="2147483655" r:id="rId7"/>
-    <p:sldLayoutId id="2147483656" r:id="rId8"/>
-    <p:sldLayoutId id="2147483657" r:id="rId9"/>
-    <p:sldLayoutId id="2147483658" r:id="rId10"/>
-    <p:sldLayoutId id="2147483659" r:id="rId11"/>
+    <p:sldLayoutId id="2147483661" r:id="rId1"/>
+    <p:sldLayoutId id="2147483662" r:id="rId2"/>
+    <p:sldLayoutId id="2147483663" r:id="rId3"/>
+    <p:sldLayoutId id="2147483664" r:id="rId4"/>
+    <p:sldLayoutId id="2147483665" r:id="rId5"/>
+    <p:sldLayoutId id="2147483666" r:id="rId6"/>
+    <p:sldLayoutId id="2147483667" r:id="rId7"/>
+    <p:sldLayoutId id="2147483668" r:id="rId8"/>
+    <p:sldLayoutId id="2147483669" r:id="rId9"/>
+    <p:sldLayoutId id="2147483670" r:id="rId10"/>
+    <p:sldLayoutId id="2147483671" r:id="rId11"/>
   </p:sldLayoutIdLst>
   <p:txStyles>
     <p:titleStyle>
       <a:lvl1pPr algn="l" defTabSz="914400" rtl="0" eaLnBrk="1" latinLnBrk="0" hangingPunct="1">
         <a:lnSpc>
-          <a:spcPct val="90000"/>
+          <a:spcPct val="85000"/>
         </a:lnSpc>
         <a:spcBef>
           <a:spcPct val="0"/>
         </a:spcBef>
         <a:buNone/>
-        <a:defRPr sz="4400" kern="1200">
+        <a:defRPr sz="4800" kern="1200" spc="-50" baseline="0">
           <a:solidFill>
-            <a:schemeClr val="tx1"/>
+            <a:schemeClr val="tx1">
+              <a:lumMod val="75000"/>
+              <a:lumOff val="25000"/>
+            </a:schemeClr>
           </a:solidFill>
           <a:latin typeface="+mj-lt"/>
           <a:ea typeface="+mj-ea"/>
@@ -3056,162 +3460,244 @@
       </a:lvl1pPr>
     </p:titleStyle>
     <p:bodyStyle>
-      <a:lvl1pPr marL="228600" indent="-228600" algn="l" defTabSz="914400" rtl="0" eaLnBrk="1" latinLnBrk="0" hangingPunct="1">
+      <a:lvl1pPr marL="91440" indent="-91440" algn="l" defTabSz="914400" rtl="0" eaLnBrk="1" latinLnBrk="0" hangingPunct="1">
         <a:lnSpc>
           <a:spcPct val="90000"/>
         </a:lnSpc>
         <a:spcBef>
-          <a:spcPts val="1000"/>
+          <a:spcPts val="1200"/>
         </a:spcBef>
-        <a:buFont typeface="Arial" panose="020B0604020202020204" pitchFamily="34" charset="0"/>
-        <a:buChar char="•"/>
-        <a:defRPr sz="2800" kern="1200">
+        <a:spcAft>
+          <a:spcPts val="200"/>
+        </a:spcAft>
+        <a:buClr>
+          <a:schemeClr val="accent1"/>
+        </a:buClr>
+        <a:buSzPct val="100000"/>
+        <a:buFont typeface="Calibri" panose="020F0502020204030204" pitchFamily="34" charset="0"/>
+        <a:buChar char=" "/>
+        <a:defRPr sz="2000" kern="1200">
           <a:solidFill>
-            <a:schemeClr val="tx1"/>
+            <a:schemeClr val="tx1">
+              <a:lumMod val="75000"/>
+              <a:lumOff val="25000"/>
+            </a:schemeClr>
           </a:solidFill>
           <a:latin typeface="+mn-lt"/>
           <a:ea typeface="+mn-ea"/>
           <a:cs typeface="+mn-cs"/>
         </a:defRPr>
       </a:lvl1pPr>
-      <a:lvl2pPr marL="685800" indent="-228600" algn="l" defTabSz="914400" rtl="0" eaLnBrk="1" latinLnBrk="0" hangingPunct="1">
+      <a:lvl2pPr marL="384048" indent="-182880" algn="l" defTabSz="914400" rtl="0" eaLnBrk="1" latinLnBrk="0" hangingPunct="1">
         <a:lnSpc>
           <a:spcPct val="90000"/>
         </a:lnSpc>
         <a:spcBef>
-          <a:spcPts val="500"/>
+          <a:spcPts val="200"/>
         </a:spcBef>
-        <a:buFont typeface="Arial" panose="020B0604020202020204" pitchFamily="34" charset="0"/>
-        <a:buChar char="•"/>
-        <a:defRPr sz="2400" kern="1200">
+        <a:spcAft>
+          <a:spcPts val="400"/>
+        </a:spcAft>
+        <a:buClr>
+          <a:schemeClr val="accent1"/>
+        </a:buClr>
+        <a:buFont typeface="Calibri" pitchFamily="34" charset="0"/>
+        <a:buChar char="◦"/>
+        <a:defRPr sz="1800" kern="1200">
           <a:solidFill>
-            <a:schemeClr val="tx1"/>
+            <a:schemeClr val="tx1">
+              <a:lumMod val="75000"/>
+              <a:lumOff val="25000"/>
+            </a:schemeClr>
           </a:solidFill>
           <a:latin typeface="+mn-lt"/>
           <a:ea typeface="+mn-ea"/>
           <a:cs typeface="+mn-cs"/>
         </a:defRPr>
       </a:lvl2pPr>
-      <a:lvl3pPr marL="1143000" indent="-228600" algn="l" defTabSz="914400" rtl="0" eaLnBrk="1" latinLnBrk="0" hangingPunct="1">
+      <a:lvl3pPr marL="566928" indent="-182880" algn="l" defTabSz="914400" rtl="0" eaLnBrk="1" latinLnBrk="0" hangingPunct="1">
         <a:lnSpc>
           <a:spcPct val="90000"/>
         </a:lnSpc>
         <a:spcBef>
-          <a:spcPts val="500"/>
+          <a:spcPts val="200"/>
         </a:spcBef>
-        <a:buFont typeface="Arial" panose="020B0604020202020204" pitchFamily="34" charset="0"/>
-        <a:buChar char="•"/>
-        <a:defRPr sz="2000" kern="1200">
+        <a:spcAft>
+          <a:spcPts val="400"/>
+        </a:spcAft>
+        <a:buClr>
+          <a:schemeClr val="accent1"/>
+        </a:buClr>
+        <a:buFont typeface="Calibri" pitchFamily="34" charset="0"/>
+        <a:buChar char="◦"/>
+        <a:defRPr sz="1400" kern="1200">
           <a:solidFill>
-            <a:schemeClr val="tx1"/>
+            <a:schemeClr val="tx1">
+              <a:lumMod val="75000"/>
+              <a:lumOff val="25000"/>
+            </a:schemeClr>
           </a:solidFill>
           <a:latin typeface="+mn-lt"/>
           <a:ea typeface="+mn-ea"/>
           <a:cs typeface="+mn-cs"/>
         </a:defRPr>
       </a:lvl3pPr>
-      <a:lvl4pPr marL="1600200" indent="-228600" algn="l" defTabSz="914400" rtl="0" eaLnBrk="1" latinLnBrk="0" hangingPunct="1">
+      <a:lvl4pPr marL="749808" indent="-182880" algn="l" defTabSz="914400" rtl="0" eaLnBrk="1" latinLnBrk="0" hangingPunct="1">
         <a:lnSpc>
           <a:spcPct val="90000"/>
         </a:lnSpc>
         <a:spcBef>
-          <a:spcPts val="500"/>
+          <a:spcPts val="200"/>
         </a:spcBef>
-        <a:buFont typeface="Arial" panose="020B0604020202020204" pitchFamily="34" charset="0"/>
-        <a:buChar char="•"/>
-        <a:defRPr sz="1800" kern="1200">
+        <a:spcAft>
+          <a:spcPts val="400"/>
+        </a:spcAft>
+        <a:buClr>
+          <a:schemeClr val="accent1"/>
+        </a:buClr>
+        <a:buFont typeface="Calibri" pitchFamily="34" charset="0"/>
+        <a:buChar char="◦"/>
+        <a:defRPr sz="1400" kern="1200">
           <a:solidFill>
-            <a:schemeClr val="tx1"/>
+            <a:schemeClr val="tx1">
+              <a:lumMod val="75000"/>
+              <a:lumOff val="25000"/>
+            </a:schemeClr>
           </a:solidFill>
           <a:latin typeface="+mn-lt"/>
           <a:ea typeface="+mn-ea"/>
           <a:cs typeface="+mn-cs"/>
         </a:defRPr>
       </a:lvl4pPr>
-      <a:lvl5pPr marL="2057400" indent="-228600" algn="l" defTabSz="914400" rtl="0" eaLnBrk="1" latinLnBrk="0" hangingPunct="1">
+      <a:lvl5pPr marL="932688" indent="-182880" algn="l" defTabSz="914400" rtl="0" eaLnBrk="1" latinLnBrk="0" hangingPunct="1">
         <a:lnSpc>
           <a:spcPct val="90000"/>
         </a:lnSpc>
         <a:spcBef>
-          <a:spcPts val="500"/>
+          <a:spcPts val="200"/>
         </a:spcBef>
-        <a:buFont typeface="Arial" panose="020B0604020202020204" pitchFamily="34" charset="0"/>
-        <a:buChar char="•"/>
-        <a:defRPr sz="1800" kern="1200">
+        <a:spcAft>
+          <a:spcPts val="400"/>
+        </a:spcAft>
+        <a:buClr>
+          <a:schemeClr val="accent1"/>
+        </a:buClr>
+        <a:buFont typeface="Calibri" pitchFamily="34" charset="0"/>
+        <a:buChar char="◦"/>
+        <a:defRPr sz="1400" kern="1200">
           <a:solidFill>
-            <a:schemeClr val="tx1"/>
+            <a:schemeClr val="tx1">
+              <a:lumMod val="75000"/>
+              <a:lumOff val="25000"/>
+            </a:schemeClr>
           </a:solidFill>
           <a:latin typeface="+mn-lt"/>
           <a:ea typeface="+mn-ea"/>
           <a:cs typeface="+mn-cs"/>
         </a:defRPr>
       </a:lvl5pPr>
-      <a:lvl6pPr marL="2514600" indent="-228600" algn="l" defTabSz="914400" rtl="0" eaLnBrk="1" latinLnBrk="0" hangingPunct="1">
+      <a:lvl6pPr marL="1100000" indent="-228600" algn="l" defTabSz="914400" rtl="0" eaLnBrk="1" latinLnBrk="0" hangingPunct="1">
         <a:lnSpc>
           <a:spcPct val="90000"/>
         </a:lnSpc>
         <a:spcBef>
-          <a:spcPts val="500"/>
+          <a:spcPts val="200"/>
         </a:spcBef>
-        <a:buFont typeface="Arial" panose="020B0604020202020204" pitchFamily="34" charset="0"/>
-        <a:buChar char="•"/>
-        <a:defRPr sz="1800" kern="1200">
+        <a:spcAft>
+          <a:spcPts val="400"/>
+        </a:spcAft>
+        <a:buClr>
+          <a:schemeClr val="accent1"/>
+        </a:buClr>
+        <a:buFont typeface="Calibri" pitchFamily="34" charset="0"/>
+        <a:buChar char="◦"/>
+        <a:defRPr sz="1400" kern="1200">
           <a:solidFill>
-            <a:schemeClr val="tx1"/>
+            <a:schemeClr val="tx1">
+              <a:lumMod val="75000"/>
+              <a:lumOff val="25000"/>
+            </a:schemeClr>
           </a:solidFill>
           <a:latin typeface="+mn-lt"/>
           <a:ea typeface="+mn-ea"/>
           <a:cs typeface="+mn-cs"/>
         </a:defRPr>
       </a:lvl6pPr>
-      <a:lvl7pPr marL="2971800" indent="-228600" algn="l" defTabSz="914400" rtl="0" eaLnBrk="1" latinLnBrk="0" hangingPunct="1">
+      <a:lvl7pPr marL="1300000" indent="-228600" algn="l" defTabSz="914400" rtl="0" eaLnBrk="1" latinLnBrk="0" hangingPunct="1">
         <a:lnSpc>
           <a:spcPct val="90000"/>
         </a:lnSpc>
         <a:spcBef>
-          <a:spcPts val="500"/>
+          <a:spcPts val="200"/>
         </a:spcBef>
-        <a:buFont typeface="Arial" panose="020B0604020202020204" pitchFamily="34" charset="0"/>
-        <a:buChar char="•"/>
-        <a:defRPr sz="1800" kern="1200">
+        <a:spcAft>
+          <a:spcPts val="400"/>
+        </a:spcAft>
+        <a:buClr>
+          <a:schemeClr val="accent1"/>
+        </a:buClr>
+        <a:buFont typeface="Calibri" pitchFamily="34" charset="0"/>
+        <a:buChar char="◦"/>
+        <a:defRPr sz="1400" kern="1200">
           <a:solidFill>
-            <a:schemeClr val="tx1"/>
+            <a:schemeClr val="tx1">
+              <a:lumMod val="75000"/>
+              <a:lumOff val="25000"/>
+            </a:schemeClr>
           </a:solidFill>
           <a:latin typeface="+mn-lt"/>
           <a:ea typeface="+mn-ea"/>
           <a:cs typeface="+mn-cs"/>
         </a:defRPr>
       </a:lvl7pPr>
-      <a:lvl8pPr marL="3429000" indent="-228600" algn="l" defTabSz="914400" rtl="0" eaLnBrk="1" latinLnBrk="0" hangingPunct="1">
+      <a:lvl8pPr marL="1500000" indent="-228600" algn="l" defTabSz="914400" rtl="0" eaLnBrk="1" latinLnBrk="0" hangingPunct="1">
         <a:lnSpc>
           <a:spcPct val="90000"/>
         </a:lnSpc>
         <a:spcBef>
-          <a:spcPts val="500"/>
+          <a:spcPts val="200"/>
         </a:spcBef>
-        <a:buFont typeface="Arial" panose="020B0604020202020204" pitchFamily="34" charset="0"/>
-        <a:buChar char="•"/>
-        <a:defRPr sz="1800" kern="1200">
+        <a:spcAft>
+          <a:spcPts val="400"/>
+        </a:spcAft>
+        <a:buClr>
+          <a:schemeClr val="accent1"/>
+        </a:buClr>
+        <a:buFont typeface="Calibri" pitchFamily="34" charset="0"/>
+        <a:buChar char="◦"/>
+        <a:defRPr sz="1400" kern="1200">
           <a:solidFill>
-            <a:schemeClr val="tx1"/>
+            <a:schemeClr val="tx1">
+              <a:lumMod val="75000"/>
+              <a:lumOff val="25000"/>
+            </a:schemeClr>
           </a:solidFill>
           <a:latin typeface="+mn-lt"/>
           <a:ea typeface="+mn-ea"/>
           <a:cs typeface="+mn-cs"/>
         </a:defRPr>
       </a:lvl8pPr>
-      <a:lvl9pPr marL="3886200" indent="-228600" algn="l" defTabSz="914400" rtl="0" eaLnBrk="1" latinLnBrk="0" hangingPunct="1">
+      <a:lvl9pPr marL="1700000" indent="-228600" algn="l" defTabSz="914400" rtl="0" eaLnBrk="1" latinLnBrk="0" hangingPunct="1">
         <a:lnSpc>
           <a:spcPct val="90000"/>
         </a:lnSpc>
         <a:spcBef>
-          <a:spcPts val="500"/>
+          <a:spcPts val="200"/>
         </a:spcBef>
-        <a:buFont typeface="Arial" panose="020B0604020202020204" pitchFamily="34" charset="0"/>
-        <a:buChar char="•"/>
-        <a:defRPr sz="1800" kern="1200">
+        <a:spcAft>
+          <a:spcPts val="400"/>
+        </a:spcAft>
+        <a:buClr>
+          <a:schemeClr val="accent1"/>
+        </a:buClr>
+        <a:buFont typeface="Calibri" pitchFamily="34" charset="0"/>
+        <a:buChar char="◦"/>
+        <a:defRPr sz="1400" kern="1200">
           <a:solidFill>
-            <a:schemeClr val="tx1"/>
+            <a:schemeClr val="tx1">
+              <a:lumMod val="75000"/>
+              <a:lumOff val="25000"/>
+            </a:schemeClr>
           </a:solidFill>
           <a:latin typeface="+mn-lt"/>
           <a:ea typeface="+mn-ea"/>
@@ -3354,13 +3840,13 @@
         <p:spPr/>
         <p:txBody>
           <a:bodyPr>
-            <a:normAutofit fontScale="90000"/>
+            <a:normAutofit/>
           </a:bodyPr>
           <a:lstStyle/>
           <a:p>
             <a:r>
               <a:rPr lang="en-US" dirty="0"/>
-              <a:t>Fine-Tuning Machine Learning Model</a:t>
+              <a:t>Model Fine-Tuning and Hyperparameter Tuning</a:t>
             </a:r>
             <a:br>
               <a:rPr lang="en-US" dirty="0"/>
@@ -3404,7 +3890,7 @@
           <p:cNvPr id="2" name="Title 1">
             <a:extLst>
               <a:ext uri="{FF2B5EF4-FFF2-40B4-BE49-F238E27FC236}">
-                <a16:creationId xmlns:a16="http://schemas.microsoft.com/office/drawing/2014/main" id="{E80C3668-8A98-4342-AA6E-96D5508E3E77}"/>
+                <a16:creationId xmlns:a16="http://schemas.microsoft.com/office/drawing/2014/main" id="{C49AF3FE-F41F-4826-B544-6C8231139F3A}"/>
               </a:ext>
             </a:extLst>
           </p:cNvPr>
@@ -3422,7 +3908,7 @@
           <a:p>
             <a:r>
               <a:rPr lang="en-US" dirty="0"/>
-              <a:t>Conclusion</a:t>
+              <a:t>Fine-Tuning a Model</a:t>
             </a:r>
           </a:p>
         </p:txBody>
@@ -3432,7 +3918,7 @@
           <p:cNvPr id="3" name="Content Placeholder 2">
             <a:extLst>
               <a:ext uri="{FF2B5EF4-FFF2-40B4-BE49-F238E27FC236}">
-                <a16:creationId xmlns:a16="http://schemas.microsoft.com/office/drawing/2014/main" id="{2B6C4577-430B-476F-B7BF-7D9A2ACFB7B5}"/>
+                <a16:creationId xmlns:a16="http://schemas.microsoft.com/office/drawing/2014/main" id="{FCDF0112-9516-49DE-A95F-3DBD690D2664}"/>
               </a:ext>
             </a:extLst>
           </p:cNvPr>
@@ -3448,33 +3934,21 @@
           <a:bodyPr/>
           <a:lstStyle/>
           <a:p>
-            <a:r>
-              <a:rPr lang="en-US" dirty="0"/>
-              <a:t>Fine-tuning = crucial step after model training </a:t>
-            </a:r>
-          </a:p>
-          <a:p>
-            <a:r>
-              <a:rPr lang="en-US" dirty="0"/>
-              <a:t>Hyperparameter optimization -&gt; better performance</a:t>
-            </a:r>
-          </a:p>
-          <a:p>
-            <a:r>
-              <a:rPr lang="en-US" dirty="0" err="1"/>
-              <a:t>GridSearchCV</a:t>
-            </a:r>
-            <a:r>
-              <a:rPr lang="en-US" dirty="0"/>
-              <a:t> = exhaustive, </a:t>
-            </a:r>
-            <a:r>
-              <a:rPr lang="en-US" dirty="0" err="1"/>
-              <a:t>RandomSearchCv</a:t>
-            </a:r>
-            <a:r>
-              <a:rPr lang="en-US" dirty="0"/>
-              <a:t> = efficient</a:t>
+            <a:pPr>
+              <a:buFont typeface="Arial" panose="020B0604020202020204" pitchFamily="34" charset="0"/>
+              <a:buChar char="•"/>
+            </a:pPr>
+            <a:r>
+              <a:rPr lang="en-US" dirty="0"/>
+              <a:t>It is a </a:t>
+            </a:r>
+            <a:r>
+              <a:rPr lang="en-US" b="1" dirty="0"/>
+              <a:t>transfer learning </a:t>
+            </a:r>
+            <a:r>
+              <a:rPr lang="en-US" dirty="0"/>
+              <a:t>technique where a pre-trained model is adapted to a new, specific task  or dataset.</a:t>
             </a:r>
           </a:p>
           <a:p>
@@ -3482,13 +3956,490 @@
               <a:buNone/>
             </a:pPr>
             <a:endParaRPr lang="en-US" dirty="0"/>
+          </a:p>
+          <a:p>
+            <a:pPr marL="0" indent="0">
+              <a:buNone/>
+            </a:pPr>
+            <a:r>
+              <a:rPr lang="en-US" dirty="0"/>
+              <a:t>Transfer learning??</a:t>
+            </a:r>
           </a:p>
         </p:txBody>
       </p:sp>
     </p:spTree>
     <p:extLst>
       <p:ext uri="{BB962C8B-B14F-4D97-AF65-F5344CB8AC3E}">
-        <p14:creationId xmlns:p14="http://schemas.microsoft.com/office/powerpoint/2010/main" val="718564350"/>
+        <p14:creationId xmlns:p14="http://schemas.microsoft.com/office/powerpoint/2010/main" val="777822223"/>
+      </p:ext>
+    </p:extLst>
+  </p:cSld>
+  <p:clrMapOvr>
+    <a:masterClrMapping/>
+  </p:clrMapOvr>
+</p:sld>
+</file>
+
+<file path=ppt/slides/slide11.xml><?xml version="1.0" encoding="utf-8"?>
+<p:sld xmlns:a="http://schemas.openxmlformats.org/drawingml/2006/main" xmlns:r="http://schemas.openxmlformats.org/officeDocument/2006/relationships" xmlns:p="http://schemas.openxmlformats.org/presentationml/2006/main">
+  <p:cSld>
+    <p:spTree>
+      <p:nvGrpSpPr>
+        <p:cNvPr id="1" name=""/>
+        <p:cNvGrpSpPr/>
+        <p:nvPr/>
+      </p:nvGrpSpPr>
+      <p:grpSpPr>
+        <a:xfrm>
+          <a:off x="0" y="0"/>
+          <a:ext cx="0" cy="0"/>
+          <a:chOff x="0" y="0"/>
+          <a:chExt cx="0" cy="0"/>
+        </a:xfrm>
+      </p:grpSpPr>
+      <p:sp>
+        <p:nvSpPr>
+          <p:cNvPr id="2" name="Title 1">
+            <a:extLst>
+              <a:ext uri="{FF2B5EF4-FFF2-40B4-BE49-F238E27FC236}">
+                <a16:creationId xmlns:a16="http://schemas.microsoft.com/office/drawing/2014/main" id="{D1167946-A367-418D-AE53-F53F5A06B6F9}"/>
+              </a:ext>
+            </a:extLst>
+          </p:cNvPr>
+          <p:cNvSpPr>
+            <a:spLocks noGrp="1"/>
+          </p:cNvSpPr>
+          <p:nvPr>
+            <p:ph type="title"/>
+          </p:nvPr>
+        </p:nvSpPr>
+        <p:spPr/>
+        <p:txBody>
+          <a:bodyPr/>
+          <a:lstStyle/>
+          <a:p>
+            <a:r>
+              <a:rPr lang="en-US" dirty="0"/>
+              <a:t>Why fine-tune?</a:t>
+            </a:r>
+          </a:p>
+        </p:txBody>
+      </p:sp>
+      <p:sp>
+        <p:nvSpPr>
+          <p:cNvPr id="3" name="Content Placeholder 2">
+            <a:extLst>
+              <a:ext uri="{FF2B5EF4-FFF2-40B4-BE49-F238E27FC236}">
+                <a16:creationId xmlns:a16="http://schemas.microsoft.com/office/drawing/2014/main" id="{A66B50E6-2199-4ECF-8B91-277B6ECB5804}"/>
+              </a:ext>
+            </a:extLst>
+          </p:cNvPr>
+          <p:cNvSpPr>
+            <a:spLocks noGrp="1"/>
+          </p:cNvSpPr>
+          <p:nvPr>
+            <p:ph idx="1"/>
+          </p:nvPr>
+        </p:nvSpPr>
+        <p:spPr/>
+        <p:txBody>
+          <a:bodyPr/>
+          <a:lstStyle/>
+          <a:p>
+            <a:pPr>
+              <a:buFont typeface="Arial" panose="020B0604020202020204" pitchFamily="34" charset="0"/>
+              <a:buChar char="•"/>
+            </a:pPr>
+            <a:r>
+              <a:rPr lang="en-US" dirty="0"/>
+              <a:t>Saves  time and computational cost</a:t>
+            </a:r>
+          </a:p>
+          <a:p>
+            <a:pPr>
+              <a:buFont typeface="Arial" panose="020B0604020202020204" pitchFamily="34" charset="0"/>
+              <a:buChar char="•"/>
+            </a:pPr>
+            <a:r>
+              <a:rPr lang="en-US" dirty="0"/>
+              <a:t>Works well when data is limited</a:t>
+            </a:r>
+          </a:p>
+          <a:p>
+            <a:pPr>
+              <a:buFont typeface="Arial" panose="020B0604020202020204" pitchFamily="34" charset="0"/>
+              <a:buChar char="•"/>
+            </a:pPr>
+            <a:r>
+              <a:rPr lang="en-US" dirty="0"/>
+              <a:t>Provides state-of-the-art performance on domain-specific tasks, </a:t>
+            </a:r>
+            <a:r>
+              <a:rPr lang="en-US" dirty="0" err="1"/>
+              <a:t>etc</a:t>
+            </a:r>
+            <a:r>
+              <a:rPr lang="en-US" dirty="0"/>
+              <a:t>…</a:t>
+            </a:r>
+          </a:p>
+        </p:txBody>
+      </p:sp>
+    </p:spTree>
+    <p:extLst>
+      <p:ext uri="{BB962C8B-B14F-4D97-AF65-F5344CB8AC3E}">
+        <p14:creationId xmlns:p14="http://schemas.microsoft.com/office/powerpoint/2010/main" val="1294932329"/>
+      </p:ext>
+    </p:extLst>
+  </p:cSld>
+  <p:clrMapOvr>
+    <a:masterClrMapping/>
+  </p:clrMapOvr>
+</p:sld>
+</file>
+
+<file path=ppt/slides/slide12.xml><?xml version="1.0" encoding="utf-8"?>
+<p:sld xmlns:a="http://schemas.openxmlformats.org/drawingml/2006/main" xmlns:r="http://schemas.openxmlformats.org/officeDocument/2006/relationships" xmlns:p="http://schemas.openxmlformats.org/presentationml/2006/main">
+  <p:cSld>
+    <p:spTree>
+      <p:nvGrpSpPr>
+        <p:cNvPr id="1" name=""/>
+        <p:cNvGrpSpPr/>
+        <p:nvPr/>
+      </p:nvGrpSpPr>
+      <p:grpSpPr>
+        <a:xfrm>
+          <a:off x="0" y="0"/>
+          <a:ext cx="0" cy="0"/>
+          <a:chOff x="0" y="0"/>
+          <a:chExt cx="0" cy="0"/>
+        </a:xfrm>
+      </p:grpSpPr>
+      <p:sp>
+        <p:nvSpPr>
+          <p:cNvPr id="2" name="Title 1">
+            <a:extLst>
+              <a:ext uri="{FF2B5EF4-FFF2-40B4-BE49-F238E27FC236}">
+                <a16:creationId xmlns:a16="http://schemas.microsoft.com/office/drawing/2014/main" id="{CA8A21FA-5230-4CC5-82EC-2968794AB605}"/>
+              </a:ext>
+            </a:extLst>
+          </p:cNvPr>
+          <p:cNvSpPr>
+            <a:spLocks noGrp="1"/>
+          </p:cNvSpPr>
+          <p:nvPr>
+            <p:ph type="title"/>
+          </p:nvPr>
+        </p:nvSpPr>
+        <p:spPr/>
+        <p:txBody>
+          <a:bodyPr/>
+          <a:lstStyle/>
+          <a:p>
+            <a:r>
+              <a:rPr lang="en-US" dirty="0"/>
+              <a:t>Fine-tuning in Computer Vision</a:t>
+            </a:r>
+          </a:p>
+        </p:txBody>
+      </p:sp>
+      <p:sp>
+        <p:nvSpPr>
+          <p:cNvPr id="3" name="Content Placeholder 2">
+            <a:extLst>
+              <a:ext uri="{FF2B5EF4-FFF2-40B4-BE49-F238E27FC236}">
+                <a16:creationId xmlns:a16="http://schemas.microsoft.com/office/drawing/2014/main" id="{54D43642-01DB-413A-B1CC-7DC33F31CE8F}"/>
+              </a:ext>
+            </a:extLst>
+          </p:cNvPr>
+          <p:cNvSpPr>
+            <a:spLocks noGrp="1"/>
+          </p:cNvSpPr>
+          <p:nvPr>
+            <p:ph idx="1"/>
+          </p:nvPr>
+        </p:nvSpPr>
+        <p:spPr>
+          <a:xfrm>
+            <a:off x="1097280" y="1845734"/>
+            <a:ext cx="10058400" cy="4023360"/>
+          </a:xfrm>
+        </p:spPr>
+        <p:txBody>
+          <a:bodyPr/>
+          <a:lstStyle/>
+          <a:p>
+            <a:pPr>
+              <a:buFont typeface="Arial" panose="020B0604020202020204" pitchFamily="34" charset="0"/>
+              <a:buChar char="•"/>
+            </a:pPr>
+            <a:r>
+              <a:rPr lang="en-US" dirty="0"/>
+              <a:t>Example: ResNet-50 Fine tuning</a:t>
+            </a:r>
+          </a:p>
+          <a:p>
+            <a:pPr lvl="1">
+              <a:buFont typeface="Arial" panose="020B0604020202020204" pitchFamily="34" charset="0"/>
+              <a:buChar char="•"/>
+            </a:pPr>
+            <a:r>
+              <a:rPr lang="en-US" dirty="0"/>
+              <a:t>Pre-trained on ImageNet (1.2M images, 1000 classes)</a:t>
+            </a:r>
+          </a:p>
+          <a:p>
+            <a:pPr marL="201168" lvl="1" indent="0">
+              <a:buNone/>
+            </a:pPr>
+            <a:endParaRPr lang="en-US" dirty="0"/>
+          </a:p>
+        </p:txBody>
+      </p:sp>
+      <p:pic>
+        <p:nvPicPr>
+          <p:cNvPr id="3076" name="Picture 4" descr="https://www.researchgate.net/profile/Ronan-Fablet/publication/333475917/figure/fig1/AS:766539389218817@1559768640694/A-schematic-view-of-ResNet-architecture-15-decomposed-into-three-blocks-embedding.ppm">
+            <a:extLst>
+              <a:ext uri="{FF2B5EF4-FFF2-40B4-BE49-F238E27FC236}">
+                <a16:creationId xmlns:a16="http://schemas.microsoft.com/office/drawing/2014/main" id="{9E719B57-E101-4016-83AC-E7263026807F}"/>
+              </a:ext>
+            </a:extLst>
+          </p:cNvPr>
+          <p:cNvPicPr>
+            <a:picLocks noChangeAspect="1" noChangeArrowheads="1"/>
+          </p:cNvPicPr>
+          <p:nvPr/>
+        </p:nvPicPr>
+        <p:blipFill>
+          <a:blip r:embed="rId2">
+            <a:extLst>
+              <a:ext uri="{28A0092B-C50C-407E-A947-70E740481C1C}">
+                <a14:useLocalDpi xmlns:a14="http://schemas.microsoft.com/office/drawing/2010/main" val="0"/>
+              </a:ext>
+            </a:extLst>
+          </a:blip>
+          <a:srcRect/>
+          <a:stretch>
+            <a:fillRect/>
+          </a:stretch>
+        </p:blipFill>
+        <p:spPr bwMode="auto">
+          <a:xfrm>
+            <a:off x="1097280" y="2654106"/>
+            <a:ext cx="7718611" cy="3080785"/>
+          </a:xfrm>
+          <a:prstGeom prst="rect">
+            <a:avLst/>
+          </a:prstGeom>
+          <a:noFill/>
+          <a:extLst>
+            <a:ext uri="{909E8E84-426E-40DD-AFC4-6F175D3DCCD1}">
+              <a14:hiddenFill xmlns:a14="http://schemas.microsoft.com/office/drawing/2010/main">
+                <a:solidFill>
+                  <a:srgbClr val="FFFFFF"/>
+                </a:solidFill>
+              </a14:hiddenFill>
+            </a:ext>
+          </a:extLst>
+        </p:spPr>
+      </p:pic>
+    </p:spTree>
+    <p:extLst>
+      <p:ext uri="{BB962C8B-B14F-4D97-AF65-F5344CB8AC3E}">
+        <p14:creationId xmlns:p14="http://schemas.microsoft.com/office/powerpoint/2010/main" val="2616957694"/>
+      </p:ext>
+    </p:extLst>
+  </p:cSld>
+  <p:clrMapOvr>
+    <a:masterClrMapping/>
+  </p:clrMapOvr>
+</p:sld>
+</file>
+
+<file path=ppt/slides/slide13.xml><?xml version="1.0" encoding="utf-8"?>
+<p:sld xmlns:a="http://schemas.openxmlformats.org/drawingml/2006/main" xmlns:r="http://schemas.openxmlformats.org/officeDocument/2006/relationships" xmlns:p="http://schemas.openxmlformats.org/presentationml/2006/main">
+  <p:cSld>
+    <p:spTree>
+      <p:nvGrpSpPr>
+        <p:cNvPr id="1" name=""/>
+        <p:cNvGrpSpPr/>
+        <p:nvPr/>
+      </p:nvGrpSpPr>
+      <p:grpSpPr>
+        <a:xfrm>
+          <a:off x="0" y="0"/>
+          <a:ext cx="0" cy="0"/>
+          <a:chOff x="0" y="0"/>
+          <a:chExt cx="0" cy="0"/>
+        </a:xfrm>
+      </p:grpSpPr>
+      <p:sp>
+        <p:nvSpPr>
+          <p:cNvPr id="2" name="Title 1">
+            <a:extLst>
+              <a:ext uri="{FF2B5EF4-FFF2-40B4-BE49-F238E27FC236}">
+                <a16:creationId xmlns:a16="http://schemas.microsoft.com/office/drawing/2014/main" id="{E9382FBA-5482-48B5-AE49-6E4BC694BAAD}"/>
+              </a:ext>
+            </a:extLst>
+          </p:cNvPr>
+          <p:cNvSpPr>
+            <a:spLocks noGrp="1"/>
+          </p:cNvSpPr>
+          <p:nvPr>
+            <p:ph type="title"/>
+          </p:nvPr>
+        </p:nvSpPr>
+        <p:spPr/>
+        <p:txBody>
+          <a:bodyPr/>
+          <a:lstStyle/>
+          <a:p>
+            <a:r>
+              <a:rPr lang="en-US" dirty="0"/>
+              <a:t>Fine-Tuning in NLP/LLM</a:t>
+            </a:r>
+          </a:p>
+        </p:txBody>
+      </p:sp>
+      <p:sp>
+        <p:nvSpPr>
+          <p:cNvPr id="3" name="Content Placeholder 2">
+            <a:extLst>
+              <a:ext uri="{FF2B5EF4-FFF2-40B4-BE49-F238E27FC236}">
+                <a16:creationId xmlns:a16="http://schemas.microsoft.com/office/drawing/2014/main" id="{288FEFD9-53CF-4EA1-88FB-91557367C1CF}"/>
+              </a:ext>
+            </a:extLst>
+          </p:cNvPr>
+          <p:cNvSpPr>
+            <a:spLocks noGrp="1"/>
+          </p:cNvSpPr>
+          <p:nvPr>
+            <p:ph idx="1"/>
+          </p:nvPr>
+        </p:nvSpPr>
+        <p:spPr/>
+        <p:txBody>
+          <a:bodyPr/>
+          <a:lstStyle/>
+          <a:p>
+            <a:pPr>
+              <a:buFont typeface="Arial" panose="020B0604020202020204" pitchFamily="34" charset="0"/>
+              <a:buChar char="•"/>
+            </a:pPr>
+            <a:r>
+              <a:rPr lang="en-US" dirty="0"/>
+              <a:t>Example: Mistral-7B</a:t>
+            </a:r>
+          </a:p>
+          <a:p>
+            <a:pPr lvl="1">
+              <a:buFont typeface="Arial" panose="020B0604020202020204" pitchFamily="34" charset="0"/>
+              <a:buChar char="•"/>
+            </a:pPr>
+            <a:r>
+              <a:rPr lang="en-US" dirty="0"/>
+              <a:t>Pre-trained on general text.</a:t>
+            </a:r>
+          </a:p>
+          <a:p>
+            <a:pPr lvl="1">
+              <a:buFont typeface="Arial" panose="020B0604020202020204" pitchFamily="34" charset="0"/>
+              <a:buChar char="•"/>
+            </a:pPr>
+            <a:r>
+              <a:rPr lang="en-US" dirty="0"/>
+              <a:t>Fine-tuned for domain-specific tasks:</a:t>
+            </a:r>
+          </a:p>
+          <a:p>
+            <a:pPr lvl="2">
+              <a:buFont typeface="Arial" panose="020B0604020202020204" pitchFamily="34" charset="0"/>
+              <a:buChar char="•"/>
+            </a:pPr>
+            <a:r>
+              <a:rPr lang="en-US" dirty="0"/>
+              <a:t>Sentiment Analysis</a:t>
+            </a:r>
+          </a:p>
+          <a:p>
+            <a:pPr lvl="2">
+              <a:buFont typeface="Arial" panose="020B0604020202020204" pitchFamily="34" charset="0"/>
+              <a:buChar char="•"/>
+            </a:pPr>
+            <a:r>
+              <a:rPr lang="en-US" dirty="0"/>
+              <a:t>Customer Support Chatbot</a:t>
+            </a:r>
+          </a:p>
+          <a:p>
+            <a:pPr lvl="2">
+              <a:buFont typeface="Arial" panose="020B0604020202020204" pitchFamily="34" charset="0"/>
+              <a:buChar char="•"/>
+            </a:pPr>
+            <a:r>
+              <a:rPr lang="en-US" dirty="0"/>
+              <a:t>Domain Q&amp;A (medical, legal, finance)</a:t>
+            </a:r>
+          </a:p>
+          <a:p>
+            <a:pPr marL="384048" lvl="2" indent="0">
+              <a:buNone/>
+            </a:pPr>
+            <a:endParaRPr lang="en-US" dirty="0"/>
+          </a:p>
+          <a:p>
+            <a:pPr>
+              <a:buFont typeface="Arial" panose="020B0604020202020204" pitchFamily="34" charset="0"/>
+              <a:buChar char="•"/>
+            </a:pPr>
+            <a:r>
+              <a:rPr lang="en-US" dirty="0"/>
+              <a:t>Techniques:</a:t>
+            </a:r>
+          </a:p>
+          <a:p>
+            <a:pPr lvl="1">
+              <a:buFont typeface="Arial" panose="020B0604020202020204" pitchFamily="34" charset="0"/>
+              <a:buChar char="•"/>
+            </a:pPr>
+            <a:r>
+              <a:rPr lang="en-US" dirty="0"/>
+              <a:t>Full fine-tuning (all parameters)</a:t>
+            </a:r>
+          </a:p>
+          <a:p>
+            <a:pPr lvl="1">
+              <a:buFont typeface="Arial" panose="020B0604020202020204" pitchFamily="34" charset="0"/>
+              <a:buChar char="•"/>
+            </a:pPr>
+            <a:r>
+              <a:rPr lang="en-US" dirty="0"/>
+              <a:t>PEFT (</a:t>
+            </a:r>
+            <a:r>
+              <a:rPr lang="en-US" dirty="0" err="1"/>
+              <a:t>LoRA</a:t>
+            </a:r>
+            <a:r>
+              <a:rPr lang="en-US" dirty="0"/>
+              <a:t> /</a:t>
+            </a:r>
+            <a:r>
+              <a:rPr lang="en-US" dirty="0" err="1"/>
+              <a:t>QLoRA</a:t>
+            </a:r>
+            <a:r>
+              <a:rPr lang="en-US" dirty="0"/>
+              <a:t>)</a:t>
+            </a:r>
+          </a:p>
+        </p:txBody>
+      </p:sp>
+    </p:spTree>
+    <p:extLst>
+      <p:ext uri="{BB962C8B-B14F-4D97-AF65-F5344CB8AC3E}">
+        <p14:creationId xmlns:p14="http://schemas.microsoft.com/office/powerpoint/2010/main" val="2892545439"/>
       </p:ext>
     </p:extLst>
   </p:cSld>
@@ -3538,7 +4489,7 @@
           <a:p>
             <a:r>
               <a:rPr lang="en-US" dirty="0"/>
-              <a:t>Why Fine-Tune?</a:t>
+              <a:t>Why Hyperparameter Tuning?</a:t>
             </a:r>
           </a:p>
         </p:txBody>
@@ -3578,14 +4529,14 @@
           <a:p>
             <a:r>
               <a:rPr lang="en-US" dirty="0"/>
-              <a:t>Fine-tuning helps:</a:t>
+              <a:t>Hyperparameter-tuning helps:</a:t>
             </a:r>
           </a:p>
           <a:p>
             <a:pPr lvl="1"/>
             <a:r>
               <a:rPr lang="en-US" dirty="0"/>
-              <a:t>	Improve accuracy</a:t>
+              <a:t>Improve accuracy</a:t>
             </a:r>
           </a:p>
           <a:p>
@@ -3678,7 +4629,12 @@
             <p:ph idx="1"/>
           </p:nvPr>
         </p:nvSpPr>
-        <p:spPr/>
+        <p:spPr>
+          <a:xfrm>
+            <a:off x="1097280" y="1845734"/>
+            <a:ext cx="10058400" cy="4023360"/>
+          </a:xfrm>
+        </p:spPr>
         <p:txBody>
           <a:bodyPr/>
           <a:lstStyle/>
@@ -3700,26 +4656,94 @@
               <a:rPr lang="en-US" dirty="0">
                 <a:sym typeface="Wingdings" panose="05000000000000000000" pitchFamily="2" charset="2"/>
               </a:rPr>
-              <a:t>E.g. : weights in linear regression</a:t>
-            </a:r>
-          </a:p>
-          <a:p>
-            <a:r>
-              <a:rPr lang="en-US" dirty="0">
-                <a:sym typeface="Wingdings" panose="05000000000000000000" pitchFamily="2" charset="2"/>
-              </a:rPr>
-              <a:t>Hyperparameters: Set before training, not learned</a:t>
-            </a:r>
-          </a:p>
-          <a:p>
-            <a:pPr lvl="1"/>
-            <a:r>
-              <a:rPr lang="en-US" dirty="0"/>
-              <a:t>E.g. : learning rate, number of trees, max depth (in case of Random Forest), etc.</a:t>
-            </a:r>
-          </a:p>
-        </p:txBody>
-      </p:sp>
+              <a:t>E.g. : weights in linear regression or NN</a:t>
+            </a:r>
+          </a:p>
+          <a:p>
+            <a:pPr marL="201168" lvl="1" indent="0">
+              <a:buNone/>
+            </a:pPr>
+            <a:endParaRPr lang="en-US" dirty="0">
+              <a:sym typeface="Wingdings" panose="05000000000000000000" pitchFamily="2" charset="2"/>
+            </a:endParaRPr>
+          </a:p>
+        </p:txBody>
+      </p:sp>
+      <p:sp>
+        <p:nvSpPr>
+          <p:cNvPr id="4" name="AutoShape 2" descr="https://victorzhou.com/27cf280166d7159c0465a58c68f99b39/network3.svg">
+            <a:extLst>
+              <a:ext uri="{FF2B5EF4-FFF2-40B4-BE49-F238E27FC236}">
+                <a16:creationId xmlns:a16="http://schemas.microsoft.com/office/drawing/2014/main" id="{2D9471CB-9EE9-48D2-9105-9B0F5B7B3DD0}"/>
+              </a:ext>
+            </a:extLst>
+          </p:cNvPr>
+          <p:cNvSpPr>
+            <a:spLocks noChangeAspect="1" noChangeArrowheads="1"/>
+          </p:cNvSpPr>
+          <p:nvPr/>
+        </p:nvSpPr>
+        <p:spPr bwMode="auto">
+          <a:xfrm>
+            <a:off x="5943600" y="3276600"/>
+            <a:ext cx="304800" cy="304800"/>
+          </a:xfrm>
+          <a:prstGeom prst="rect">
+            <a:avLst/>
+          </a:prstGeom>
+          <a:noFill/>
+          <a:extLst>
+            <a:ext uri="{909E8E84-426E-40DD-AFC4-6F175D3DCCD1}">
+              <a14:hiddenFill xmlns:a14="http://schemas.microsoft.com/office/drawing/2010/main">
+                <a:solidFill>
+                  <a:srgbClr val="FFFFFF"/>
+                </a:solidFill>
+              </a14:hiddenFill>
+            </a:ext>
+          </a:extLst>
+        </p:spPr>
+        <p:txBody>
+          <a:bodyPr vert="horz" wrap="square" lIns="91440" tIns="45720" rIns="91440" bIns="45720" numCol="1" anchor="t" anchorCtr="0" compatLnSpc="1">
+            <a:prstTxWarp prst="textNoShape">
+              <a:avLst/>
+            </a:prstTxWarp>
+          </a:bodyPr>
+          <a:lstStyle/>
+          <a:p>
+            <a:endParaRPr lang="en-US"/>
+          </a:p>
+        </p:txBody>
+      </p:sp>
+      <p:pic>
+        <p:nvPicPr>
+          <p:cNvPr id="6" name="Picture 5">
+            <a:extLst>
+              <a:ext uri="{FF2B5EF4-FFF2-40B4-BE49-F238E27FC236}">
+                <a16:creationId xmlns:a16="http://schemas.microsoft.com/office/drawing/2014/main" id="{E6A0A68A-7496-49E3-BEFE-8EAFA72C8350}"/>
+              </a:ext>
+            </a:extLst>
+          </p:cNvPr>
+          <p:cNvPicPr>
+            <a:picLocks noChangeAspect="1"/>
+          </p:cNvPicPr>
+          <p:nvPr/>
+        </p:nvPicPr>
+        <p:blipFill>
+          <a:blip r:embed="rId2"/>
+          <a:stretch>
+            <a:fillRect/>
+          </a:stretch>
+        </p:blipFill>
+        <p:spPr>
+          <a:xfrm>
+            <a:off x="1097279" y="2699497"/>
+            <a:ext cx="7266791" cy="3086100"/>
+          </a:xfrm>
+          <a:prstGeom prst="rect">
+            <a:avLst/>
+          </a:prstGeom>
+        </p:spPr>
+      </p:pic>
     </p:spTree>
     <p:extLst>
       <p:ext uri="{BB962C8B-B14F-4D97-AF65-F5344CB8AC3E}">
@@ -3752,10 +4776,10 @@
       </p:grpSpPr>
       <p:sp>
         <p:nvSpPr>
-          <p:cNvPr id="2" name="Title 1">
+          <p:cNvPr id="3" name="Content Placeholder 2">
             <a:extLst>
               <a:ext uri="{FF2B5EF4-FFF2-40B4-BE49-F238E27FC236}">
-                <a16:creationId xmlns:a16="http://schemas.microsoft.com/office/drawing/2014/main" id="{66DADF15-BE5F-49D1-A127-C22118FEC95F}"/>
+                <a16:creationId xmlns:a16="http://schemas.microsoft.com/office/drawing/2014/main" id="{1622D5C4-B2AC-4CB2-8DAE-67B75D190FC6}"/>
               </a:ext>
             </a:extLst>
           </p:cNvPr>
@@ -3763,7 +4787,7 @@
             <a:spLocks noGrp="1"/>
           </p:cNvSpPr>
           <p:nvPr>
-            <p:ph type="title"/>
+            <p:ph idx="1"/>
           </p:nvPr>
         </p:nvSpPr>
         <p:spPr/>
@@ -3772,56 +4796,29 @@
           <a:lstStyle/>
           <a:p>
             <a:r>
-              <a:rPr lang="en-US" dirty="0"/>
-              <a:t>Methods of Fine-Tuning</a:t>
-            </a:r>
-          </a:p>
-        </p:txBody>
-      </p:sp>
-      <p:sp>
-        <p:nvSpPr>
-          <p:cNvPr id="3" name="Content Placeholder 2">
-            <a:extLst>
-              <a:ext uri="{FF2B5EF4-FFF2-40B4-BE49-F238E27FC236}">
-                <a16:creationId xmlns:a16="http://schemas.microsoft.com/office/drawing/2014/main" id="{3D28AAE6-6E94-49C3-8064-86C4A75DB9D4}"/>
-              </a:ext>
-            </a:extLst>
-          </p:cNvPr>
-          <p:cNvSpPr>
-            <a:spLocks noGrp="1"/>
-          </p:cNvSpPr>
-          <p:nvPr>
-            <p:ph idx="1"/>
-          </p:nvPr>
-        </p:nvSpPr>
-        <p:spPr/>
-        <p:txBody>
-          <a:bodyPr/>
-          <a:lstStyle/>
-          <a:p>
-            <a:r>
-              <a:rPr lang="en-US" dirty="0"/>
-              <a:t>Manual Search – trial and error</a:t>
-            </a:r>
-          </a:p>
-          <a:p>
-            <a:r>
-              <a:rPr lang="en-US" dirty="0"/>
-              <a:t>Grid Search CV – test al combinations</a:t>
-            </a:r>
-          </a:p>
-          <a:p>
-            <a:r>
-              <a:rPr lang="en-US" dirty="0"/>
-              <a:t>Random Search CV – random subset of combinations</a:t>
-            </a:r>
+              <a:rPr lang="en-US" dirty="0">
+                <a:sym typeface="Wingdings" panose="05000000000000000000" pitchFamily="2" charset="2"/>
+              </a:rPr>
+              <a:t>Hyperparameters: Set before training, not learned</a:t>
+            </a:r>
+          </a:p>
+          <a:p>
+            <a:pPr lvl="1"/>
+            <a:r>
+              <a:rPr lang="en-US" dirty="0"/>
+              <a:t>E.g. : learning rate, number of trees, max depth (in case of Random Forest), etc.</a:t>
+            </a:r>
+          </a:p>
+          <a:p>
+            <a:pPr lvl="1"/>
+            <a:endParaRPr lang="en-US" dirty="0"/>
           </a:p>
         </p:txBody>
       </p:sp>
     </p:spTree>
     <p:extLst>
       <p:ext uri="{BB962C8B-B14F-4D97-AF65-F5344CB8AC3E}">
-        <p14:creationId xmlns:p14="http://schemas.microsoft.com/office/powerpoint/2010/main" val="484538824"/>
+        <p14:creationId xmlns:p14="http://schemas.microsoft.com/office/powerpoint/2010/main" val="3851132508"/>
       </p:ext>
     </p:extLst>
   </p:cSld>
@@ -3853,7 +4850,7 @@
           <p:cNvPr id="2" name="Title 1">
             <a:extLst>
               <a:ext uri="{FF2B5EF4-FFF2-40B4-BE49-F238E27FC236}">
-                <a16:creationId xmlns:a16="http://schemas.microsoft.com/office/drawing/2014/main" id="{8CBEB5C2-2DFC-4D93-851F-DC13CE71B801}"/>
+                <a16:creationId xmlns:a16="http://schemas.microsoft.com/office/drawing/2014/main" id="{66DADF15-BE5F-49D1-A127-C22118FEC95F}"/>
               </a:ext>
             </a:extLst>
           </p:cNvPr>
@@ -3871,7 +4868,7 @@
           <a:p>
             <a:r>
               <a:rPr lang="en-US" dirty="0"/>
-              <a:t>Grid Search CV</a:t>
+              <a:t>Methods of Hyperparameter Tuning</a:t>
             </a:r>
           </a:p>
         </p:txBody>
@@ -3881,7 +4878,7 @@
           <p:cNvPr id="3" name="Content Placeholder 2">
             <a:extLst>
               <a:ext uri="{FF2B5EF4-FFF2-40B4-BE49-F238E27FC236}">
-                <a16:creationId xmlns:a16="http://schemas.microsoft.com/office/drawing/2014/main" id="{00ED8A33-56CB-468C-8C4A-D32C8AC887F4}"/>
+                <a16:creationId xmlns:a16="http://schemas.microsoft.com/office/drawing/2014/main" id="{3D28AAE6-6E94-49C3-8064-86C4A75DB9D4}"/>
               </a:ext>
             </a:extLst>
           </p:cNvPr>
@@ -3899,25 +4896,19 @@
           <a:p>
             <a:r>
               <a:rPr lang="en-US" dirty="0"/>
-              <a:t>Exhaustive search over parameter grid</a:t>
-            </a:r>
-          </a:p>
-          <a:p>
-            <a:r>
-              <a:rPr lang="en-US" dirty="0"/>
-              <a:t>Uses cross validation to evaluate performance</a:t>
-            </a:r>
-          </a:p>
-          <a:p>
-            <a:r>
-              <a:rPr lang="en-US" dirty="0"/>
-              <a:t>Pros – Finds the best combo</a:t>
-            </a:r>
-          </a:p>
-          <a:p>
-            <a:r>
-              <a:rPr lang="en-US" dirty="0"/>
-              <a:t>Cons – Computationally expensive</a:t>
+              <a:t>Manual Search – trial and error</a:t>
+            </a:r>
+          </a:p>
+          <a:p>
+            <a:r>
+              <a:rPr lang="en-US" dirty="0"/>
+              <a:t>Grid Search CV – test al combinations</a:t>
+            </a:r>
+          </a:p>
+          <a:p>
+            <a:r>
+              <a:rPr lang="en-US" dirty="0"/>
+              <a:t>Random Search CV – random subset of combinations</a:t>
             </a:r>
           </a:p>
         </p:txBody>
@@ -3925,7 +4916,7 @@
     </p:spTree>
     <p:extLst>
       <p:ext uri="{BB962C8B-B14F-4D97-AF65-F5344CB8AC3E}">
-        <p14:creationId xmlns:p14="http://schemas.microsoft.com/office/powerpoint/2010/main" val="353609476"/>
+        <p14:creationId xmlns:p14="http://schemas.microsoft.com/office/powerpoint/2010/main" val="484538824"/>
       </p:ext>
     </p:extLst>
   </p:cSld>
@@ -3957,7 +4948,7 @@
           <p:cNvPr id="2" name="Title 1">
             <a:extLst>
               <a:ext uri="{FF2B5EF4-FFF2-40B4-BE49-F238E27FC236}">
-                <a16:creationId xmlns:a16="http://schemas.microsoft.com/office/drawing/2014/main" id="{21754A8E-A788-4F51-B96C-E841AAC818DE}"/>
+                <a16:creationId xmlns:a16="http://schemas.microsoft.com/office/drawing/2014/main" id="{8CBEB5C2-2DFC-4D93-851F-DC13CE71B801}"/>
               </a:ext>
             </a:extLst>
           </p:cNvPr>
@@ -3975,7 +4966,7 @@
           <a:p>
             <a:r>
               <a:rPr lang="en-US" dirty="0"/>
-              <a:t>Random Search CV</a:t>
+              <a:t>Grid Search CV</a:t>
             </a:r>
           </a:p>
         </p:txBody>
@@ -3985,7 +4976,7 @@
           <p:cNvPr id="3" name="Content Placeholder 2">
             <a:extLst>
               <a:ext uri="{FF2B5EF4-FFF2-40B4-BE49-F238E27FC236}">
-                <a16:creationId xmlns:a16="http://schemas.microsoft.com/office/drawing/2014/main" id="{D2E95D36-614D-4CF6-AF1D-5259B6D2CAE8}"/>
+                <a16:creationId xmlns:a16="http://schemas.microsoft.com/office/drawing/2014/main" id="{00ED8A33-56CB-468C-8C4A-D32C8AC887F4}"/>
               </a:ext>
             </a:extLst>
           </p:cNvPr>
@@ -4003,25 +4994,25 @@
           <a:p>
             <a:r>
               <a:rPr lang="en-US" dirty="0"/>
-              <a:t>Samples random combinations from hyperparameter space</a:t>
-            </a:r>
-          </a:p>
-          <a:p>
-            <a:r>
-              <a:rPr lang="en-US" dirty="0"/>
-              <a:t>More efficient than grid search</a:t>
-            </a:r>
-          </a:p>
-          <a:p>
-            <a:r>
-              <a:rPr lang="en-US" dirty="0"/>
-              <a:t>Pros – Faster, handles large search spaces</a:t>
-            </a:r>
-          </a:p>
-          <a:p>
-            <a:r>
-              <a:rPr lang="en-US" dirty="0"/>
-              <a:t>Cons – Might miss the exact best set</a:t>
+              <a:t>Exhaustive search over parameter grid</a:t>
+            </a:r>
+          </a:p>
+          <a:p>
+            <a:r>
+              <a:rPr lang="en-US" dirty="0"/>
+              <a:t>Uses cross validation to evaluate performance</a:t>
+            </a:r>
+          </a:p>
+          <a:p>
+            <a:r>
+              <a:rPr lang="en-US" dirty="0"/>
+              <a:t>Pros – Finds the best combo</a:t>
+            </a:r>
+          </a:p>
+          <a:p>
+            <a:r>
+              <a:rPr lang="en-US" dirty="0"/>
+              <a:t>Cons – Computationally expensive</a:t>
             </a:r>
           </a:p>
         </p:txBody>
@@ -4029,7 +5020,7 @@
     </p:spTree>
     <p:extLst>
       <p:ext uri="{BB962C8B-B14F-4D97-AF65-F5344CB8AC3E}">
-        <p14:creationId xmlns:p14="http://schemas.microsoft.com/office/powerpoint/2010/main" val="839549252"/>
+        <p14:creationId xmlns:p14="http://schemas.microsoft.com/office/powerpoint/2010/main" val="353609476"/>
       </p:ext>
     </p:extLst>
   </p:cSld>
@@ -4061,7 +5052,7 @@
           <p:cNvPr id="2" name="Title 1">
             <a:extLst>
               <a:ext uri="{FF2B5EF4-FFF2-40B4-BE49-F238E27FC236}">
-                <a16:creationId xmlns:a16="http://schemas.microsoft.com/office/drawing/2014/main" id="{A20684F9-E76D-4244-BBB9-B6E571E50AF3}"/>
+                <a16:creationId xmlns:a16="http://schemas.microsoft.com/office/drawing/2014/main" id="{21754A8E-A788-4F51-B96C-E841AAC818DE}"/>
               </a:ext>
             </a:extLst>
           </p:cNvPr>
@@ -4079,7 +5070,7 @@
           <a:p>
             <a:r>
               <a:rPr lang="en-US" dirty="0"/>
-              <a:t>Example (Random Forest)</a:t>
+              <a:t>Random Search CV</a:t>
             </a:r>
           </a:p>
         </p:txBody>
@@ -4089,7 +5080,7 @@
           <p:cNvPr id="3" name="Content Placeholder 2">
             <a:extLst>
               <a:ext uri="{FF2B5EF4-FFF2-40B4-BE49-F238E27FC236}">
-                <a16:creationId xmlns:a16="http://schemas.microsoft.com/office/drawing/2014/main" id="{61786690-24D2-41F3-B885-3820ACC1D1CB}"/>
+                <a16:creationId xmlns:a16="http://schemas.microsoft.com/office/drawing/2014/main" id="{D2E95D36-614D-4CF6-AF1D-5259B6D2CAE8}"/>
               </a:ext>
             </a:extLst>
           </p:cNvPr>
@@ -4105,48 +5096,27 @@
           <a:bodyPr/>
           <a:lstStyle/>
           <a:p>
-            <a:pPr marL="0" indent="0">
-              <a:buNone/>
-            </a:pPr>
-            <a:r>
-              <a:rPr lang="en-US" dirty="0"/>
-              <a:t>Hyperparameters to tune:</a:t>
-            </a:r>
-          </a:p>
-          <a:p>
-            <a:r>
-              <a:rPr lang="en-US" dirty="0" err="1"/>
-              <a:t>n_estimators</a:t>
-            </a:r>
-            <a:r>
-              <a:rPr lang="en-US" dirty="0"/>
-              <a:t> : number of trees in random forest</a:t>
-            </a:r>
-          </a:p>
-          <a:p>
-            <a:r>
-              <a:rPr lang="en-US" dirty="0"/>
-              <a:t>max-_features : number of features to consider at every split</a:t>
-            </a:r>
-          </a:p>
-          <a:p>
-            <a:r>
-              <a:rPr lang="en-US" dirty="0" err="1"/>
-              <a:t>max_depth</a:t>
-            </a:r>
-            <a:r>
-              <a:rPr lang="en-US" dirty="0"/>
-              <a:t> : maximum number of depth of each tree</a:t>
-            </a:r>
-          </a:p>
-          <a:p>
-            <a:r>
-              <a:rPr lang="en-US" dirty="0" err="1"/>
-              <a:t>max_samples</a:t>
-            </a:r>
-            <a:r>
-              <a:rPr lang="en-US" dirty="0"/>
-              <a:t> : maximum number of samples each tree gets</a:t>
+            <a:r>
+              <a:rPr lang="en-US" dirty="0"/>
+              <a:t>Samples random combinations from hyperparameter space</a:t>
+            </a:r>
+          </a:p>
+          <a:p>
+            <a:r>
+              <a:rPr lang="en-US" dirty="0"/>
+              <a:t>More efficient than grid search</a:t>
+            </a:r>
+          </a:p>
+          <a:p>
+            <a:r>
+              <a:rPr lang="en-US" dirty="0"/>
+              <a:t>Pros – Faster, handles large search spaces</a:t>
+            </a:r>
+          </a:p>
+          <a:p>
+            <a:r>
+              <a:rPr lang="en-US" dirty="0"/>
+              <a:t>Cons – Might miss the exact best set</a:t>
             </a:r>
           </a:p>
         </p:txBody>
@@ -4154,7 +5124,7 @@
     </p:spTree>
     <p:extLst>
       <p:ext uri="{BB962C8B-B14F-4D97-AF65-F5344CB8AC3E}">
-        <p14:creationId xmlns:p14="http://schemas.microsoft.com/office/powerpoint/2010/main" val="3445939176"/>
+        <p14:creationId xmlns:p14="http://schemas.microsoft.com/office/powerpoint/2010/main" val="839549252"/>
       </p:ext>
     </p:extLst>
   </p:cSld>
@@ -4183,10 +5153,38 @@
       </p:grpSpPr>
       <p:sp>
         <p:nvSpPr>
+          <p:cNvPr id="2" name="Title 1">
+            <a:extLst>
+              <a:ext uri="{FF2B5EF4-FFF2-40B4-BE49-F238E27FC236}">
+                <a16:creationId xmlns:a16="http://schemas.microsoft.com/office/drawing/2014/main" id="{A20684F9-E76D-4244-BBB9-B6E571E50AF3}"/>
+              </a:ext>
+            </a:extLst>
+          </p:cNvPr>
+          <p:cNvSpPr>
+            <a:spLocks noGrp="1"/>
+          </p:cNvSpPr>
+          <p:nvPr>
+            <p:ph type="title"/>
+          </p:nvPr>
+        </p:nvSpPr>
+        <p:spPr/>
+        <p:txBody>
+          <a:bodyPr/>
+          <a:lstStyle/>
+          <a:p>
+            <a:r>
+              <a:rPr lang="en-US" dirty="0"/>
+              <a:t>Example (Random Forest)</a:t>
+            </a:r>
+          </a:p>
+        </p:txBody>
+      </p:sp>
+      <p:sp>
+        <p:nvSpPr>
           <p:cNvPr id="3" name="Content Placeholder 2">
             <a:extLst>
               <a:ext uri="{FF2B5EF4-FFF2-40B4-BE49-F238E27FC236}">
-                <a16:creationId xmlns:a16="http://schemas.microsoft.com/office/drawing/2014/main" id="{F9968F16-7642-4965-910C-FF3613FC25C4}"/>
+                <a16:creationId xmlns:a16="http://schemas.microsoft.com/office/drawing/2014/main" id="{61786690-24D2-41F3-B885-3820ACC1D1CB}"/>
               </a:ext>
             </a:extLst>
           </p:cNvPr>
@@ -4202,13 +5200,22 @@
           <a:bodyPr/>
           <a:lstStyle/>
           <a:p>
+            <a:pPr marL="0" indent="0">
+              <a:buNone/>
+            </a:pPr>
+            <a:r>
+              <a:rPr lang="en-US" dirty="0"/>
+              <a:t>Hyperparameters to tune:</a:t>
+            </a:r>
+          </a:p>
+          <a:p>
             <a:r>
               <a:rPr lang="en-US" dirty="0" err="1"/>
               <a:t>n_estimators</a:t>
             </a:r>
             <a:r>
               <a:rPr lang="en-US" dirty="0"/>
-              <a:t> = [20, 60, 100, 120]</a:t>
+              <a:t> : number of trees in random forest</a:t>
             </a:r>
           </a:p>
           <a:p>
@@ -4218,41 +5225,35 @@
             </a:r>
             <a:r>
               <a:rPr lang="en-US" dirty="0"/>
-              <a:t> = [0.2, 0.6, 1.0]</a:t>
+              <a:t> : number of features to consider at every split</a:t>
             </a:r>
           </a:p>
           <a:p>
             <a:r>
               <a:rPr lang="en-US" dirty="0" err="1"/>
-              <a:t>Max_depth</a:t>
-            </a:r>
-            <a:r>
-              <a:rPr lang="en-US" dirty="0"/>
-              <a:t> = [2,8,None]</a:t>
+              <a:t>max_depth</a:t>
+            </a:r>
+            <a:r>
+              <a:rPr lang="en-US" dirty="0"/>
+              <a:t> : maximum number of depth of each tree</a:t>
             </a:r>
           </a:p>
           <a:p>
             <a:r>
               <a:rPr lang="en-US" dirty="0" err="1"/>
-              <a:t>Max_samples</a:t>
-            </a:r>
-            <a:r>
-              <a:rPr lang="en-US" dirty="0"/>
-              <a:t> = [0.5, 0.75, 1.0]</a:t>
-            </a:r>
-          </a:p>
-          <a:p>
-            <a:pPr marL="0" indent="0">
-              <a:buNone/>
-            </a:pPr>
-            <a:endParaRPr lang="en-US" dirty="0"/>
+              <a:t>max_samples</a:t>
+            </a:r>
+            <a:r>
+              <a:rPr lang="en-US" dirty="0"/>
+              <a:t> : maximum number of samples each tree gets</a:t>
+            </a:r>
           </a:p>
         </p:txBody>
       </p:sp>
     </p:spTree>
     <p:extLst>
       <p:ext uri="{BB962C8B-B14F-4D97-AF65-F5344CB8AC3E}">
-        <p14:creationId xmlns:p14="http://schemas.microsoft.com/office/powerpoint/2010/main" val="1053112760"/>
+        <p14:creationId xmlns:p14="http://schemas.microsoft.com/office/powerpoint/2010/main" val="3445939176"/>
       </p:ext>
     </p:extLst>
   </p:cSld>
@@ -4281,10 +5282,10 @@
       </p:grpSpPr>
       <p:sp>
         <p:nvSpPr>
-          <p:cNvPr id="2" name="Title 1">
+          <p:cNvPr id="3" name="Content Placeholder 2">
             <a:extLst>
               <a:ext uri="{FF2B5EF4-FFF2-40B4-BE49-F238E27FC236}">
-                <a16:creationId xmlns:a16="http://schemas.microsoft.com/office/drawing/2014/main" id="{4C0D7554-A555-4575-A35F-F5FBA2CFB169}"/>
+                <a16:creationId xmlns:a16="http://schemas.microsoft.com/office/drawing/2014/main" id="{F9968F16-7642-4965-910C-FF3613FC25C4}"/>
               </a:ext>
             </a:extLst>
           </p:cNvPr>
@@ -4292,7 +5293,7 @@
             <a:spLocks noGrp="1"/>
           </p:cNvSpPr>
           <p:nvPr>
-            <p:ph type="title"/>
+            <p:ph idx="1"/>
           </p:nvPr>
         </p:nvSpPr>
         <p:spPr/>
@@ -4301,56 +5302,56 @@
           <a:lstStyle/>
           <a:p>
             <a:r>
-              <a:rPr lang="en-US" dirty="0"/>
-              <a:t>Results and Monitoring</a:t>
-            </a:r>
-          </a:p>
-        </p:txBody>
-      </p:sp>
-      <p:sp>
-        <p:nvSpPr>
-          <p:cNvPr id="3" name="Content Placeholder 2">
-            <a:extLst>
-              <a:ext uri="{FF2B5EF4-FFF2-40B4-BE49-F238E27FC236}">
-                <a16:creationId xmlns:a16="http://schemas.microsoft.com/office/drawing/2014/main" id="{37520C57-5B78-49B9-B446-159AC6616AC2}"/>
-              </a:ext>
-            </a:extLst>
-          </p:cNvPr>
-          <p:cNvSpPr>
-            <a:spLocks noGrp="1"/>
-          </p:cNvSpPr>
-          <p:nvPr>
-            <p:ph idx="1"/>
-          </p:nvPr>
-        </p:nvSpPr>
-        <p:spPr/>
-        <p:txBody>
-          <a:bodyPr/>
-          <a:lstStyle/>
-          <a:p>
-            <a:r>
-              <a:rPr lang="en-US" dirty="0"/>
-              <a:t>Compare best-tuned model vs baseline</a:t>
-            </a:r>
-          </a:p>
-          <a:p>
-            <a:r>
-              <a:rPr lang="en-US" dirty="0"/>
-              <a:t>Check improvements in accuracy, precision, recall, F1</a:t>
-            </a:r>
-          </a:p>
-          <a:p>
-            <a:r>
-              <a:rPr lang="en-US" dirty="0"/>
-              <a:t>Monitor for overfitting</a:t>
-            </a:r>
+              <a:rPr lang="en-US" dirty="0" err="1"/>
+              <a:t>n_estimators</a:t>
+            </a:r>
+            <a:r>
+              <a:rPr lang="en-US" dirty="0"/>
+              <a:t> = [20, 60, 100, 120]</a:t>
+            </a:r>
+          </a:p>
+          <a:p>
+            <a:r>
+              <a:rPr lang="en-US" dirty="0" err="1"/>
+              <a:t>max_features</a:t>
+            </a:r>
+            <a:r>
+              <a:rPr lang="en-US" dirty="0"/>
+              <a:t> = [0.2, 0.6, 1.0]</a:t>
+            </a:r>
+          </a:p>
+          <a:p>
+            <a:r>
+              <a:rPr lang="en-US" dirty="0" err="1"/>
+              <a:t>Max_depth</a:t>
+            </a:r>
+            <a:r>
+              <a:rPr lang="en-US" dirty="0"/>
+              <a:t> = [2,8,None]</a:t>
+            </a:r>
+          </a:p>
+          <a:p>
+            <a:r>
+              <a:rPr lang="en-US" dirty="0" err="1"/>
+              <a:t>Max_samples</a:t>
+            </a:r>
+            <a:r>
+              <a:rPr lang="en-US" dirty="0"/>
+              <a:t> = [0.5, 0.75, 1.0]</a:t>
+            </a:r>
+          </a:p>
+          <a:p>
+            <a:pPr marL="0" indent="0">
+              <a:buNone/>
+            </a:pPr>
+            <a:endParaRPr lang="en-US" dirty="0"/>
           </a:p>
         </p:txBody>
       </p:sp>
     </p:spTree>
     <p:extLst>
       <p:ext uri="{BB962C8B-B14F-4D97-AF65-F5344CB8AC3E}">
-        <p14:creationId xmlns:p14="http://schemas.microsoft.com/office/powerpoint/2010/main" val="2281900657"/>
+        <p14:creationId xmlns:p14="http://schemas.microsoft.com/office/powerpoint/2010/main" val="1053112760"/>
       </p:ext>
     </p:extLst>
   </p:cSld>
@@ -4361,54 +5362,54 @@
 </file>
 
 <file path=ppt/theme/theme1.xml><?xml version="1.0" encoding="utf-8"?>
-<a:theme xmlns:a="http://schemas.openxmlformats.org/drawingml/2006/main" name="Office Theme">
+<a:theme xmlns:a="http://schemas.openxmlformats.org/drawingml/2006/main" name="Retrospect">
   <a:themeElements>
-    <a:clrScheme name="Office">
+    <a:clrScheme name="Retrospect">
       <a:dk1>
-        <a:sysClr val="windowText" lastClr="000000"/>
+        <a:srgbClr val="000000"/>
       </a:dk1>
       <a:lt1>
         <a:sysClr val="window" lastClr="FFFFFF"/>
       </a:lt1>
       <a:dk2>
-        <a:srgbClr val="44546A"/>
+        <a:srgbClr val="637052"/>
       </a:dk2>
       <a:lt2>
-        <a:srgbClr val="E7E6E6"/>
+        <a:srgbClr val="CCDDEA"/>
       </a:lt2>
       <a:accent1>
-        <a:srgbClr val="4472C4"/>
+        <a:srgbClr val="E48312"/>
       </a:accent1>
       <a:accent2>
-        <a:srgbClr val="ED7D31"/>
+        <a:srgbClr val="BD582C"/>
       </a:accent2>
       <a:accent3>
-        <a:srgbClr val="A5A5A5"/>
+        <a:srgbClr val="865640"/>
       </a:accent3>
       <a:accent4>
-        <a:srgbClr val="FFC000"/>
+        <a:srgbClr val="9B8357"/>
       </a:accent4>
       <a:accent5>
-        <a:srgbClr val="5B9BD5"/>
+        <a:srgbClr val="C2BC80"/>
       </a:accent5>
       <a:accent6>
-        <a:srgbClr val="70AD47"/>
+        <a:srgbClr val="94A088"/>
       </a:accent6>
       <a:hlink>
-        <a:srgbClr val="0563C1"/>
+        <a:srgbClr val="2998E3"/>
       </a:hlink>
       <a:folHlink>
-        <a:srgbClr val="954F72"/>
+        <a:srgbClr val="8C8C8C"/>
       </a:folHlink>
     </a:clrScheme>
-    <a:fontScheme name="Office">
+    <a:fontScheme name="Retrospect">
       <a:majorFont>
         <a:latin typeface="Calibri Light" panose="020F0302020204030204"/>
         <a:ea typeface=""/>
         <a:cs typeface=""/>
-        <a:font script="Jpan" typeface="游ゴシック Light"/>
+        <a:font script="Jpan" typeface="ＭＳ Ｐゴシック"/>
         <a:font script="Hang" typeface="맑은 고딕"/>
-        <a:font script="Hans" typeface="等线 Light"/>
+        <a:font script="Hans" typeface="宋体"/>
         <a:font script="Hant" typeface="新細明體"/>
         <a:font script="Arab" typeface="Times New Roman"/>
         <a:font script="Hebr" typeface="Times New Roman"/>
@@ -4436,31 +5437,14 @@
         <a:font script="Viet" typeface="Times New Roman"/>
         <a:font script="Uigh" typeface="Microsoft Uighur"/>
         <a:font script="Geor" typeface="Sylfaen"/>
-        <a:font script="Armn" typeface="Arial"/>
-        <a:font script="Bugi" typeface="Leelawadee UI"/>
-        <a:font script="Bopo" typeface="Microsoft JhengHei"/>
-        <a:font script="Java" typeface="Javanese Text"/>
-        <a:font script="Lisu" typeface="Segoe UI"/>
-        <a:font script="Mymr" typeface="Myanmar Text"/>
-        <a:font script="Nkoo" typeface="Ebrima"/>
-        <a:font script="Olck" typeface="Nirmala UI"/>
-        <a:font script="Osma" typeface="Ebrima"/>
-        <a:font script="Phag" typeface="Phagspa"/>
-        <a:font script="Syrn" typeface="Estrangelo Edessa"/>
-        <a:font script="Syrj" typeface="Estrangelo Edessa"/>
-        <a:font script="Syre" typeface="Estrangelo Edessa"/>
-        <a:font script="Sora" typeface="Nirmala UI"/>
-        <a:font script="Tale" typeface="Microsoft Tai Le"/>
-        <a:font script="Talu" typeface="Microsoft New Tai Lue"/>
-        <a:font script="Tfng" typeface="Ebrima"/>
       </a:majorFont>
       <a:minorFont>
         <a:latin typeface="Calibri" panose="020F0502020204030204"/>
         <a:ea typeface=""/>
         <a:cs typeface=""/>
-        <a:font script="Jpan" typeface="游ゴシック"/>
+        <a:font script="Jpan" typeface="ＭＳ Ｐゴシック"/>
         <a:font script="Hang" typeface="맑은 고딕"/>
-        <a:font script="Hans" typeface="等线"/>
+        <a:font script="Hans" typeface="宋体"/>
         <a:font script="Hant" typeface="新細明體"/>
         <a:font script="Arab" typeface="Arial"/>
         <a:font script="Hebr" typeface="Arial"/>
@@ -4488,26 +5472,9 @@
         <a:font script="Viet" typeface="Arial"/>
         <a:font script="Uigh" typeface="Microsoft Uighur"/>
         <a:font script="Geor" typeface="Sylfaen"/>
-        <a:font script="Armn" typeface="Arial"/>
-        <a:font script="Bugi" typeface="Leelawadee UI"/>
-        <a:font script="Bopo" typeface="Microsoft JhengHei"/>
-        <a:font script="Java" typeface="Javanese Text"/>
-        <a:font script="Lisu" typeface="Segoe UI"/>
-        <a:font script="Mymr" typeface="Myanmar Text"/>
-        <a:font script="Nkoo" typeface="Ebrima"/>
-        <a:font script="Olck" typeface="Nirmala UI"/>
-        <a:font script="Osma" typeface="Ebrima"/>
-        <a:font script="Phag" typeface="Phagspa"/>
-        <a:font script="Syrn" typeface="Estrangelo Edessa"/>
-        <a:font script="Syrj" typeface="Estrangelo Edessa"/>
-        <a:font script="Syre" typeface="Estrangelo Edessa"/>
-        <a:font script="Sora" typeface="Nirmala UI"/>
-        <a:font script="Tale" typeface="Microsoft Tai Le"/>
-        <a:font script="Talu" typeface="Microsoft New Tai Lue"/>
-        <a:font script="Tfng" typeface="Ebrima"/>
       </a:minorFont>
     </a:fontScheme>
-    <a:fmtScheme name="Office">
+    <a:fmtScheme name="Retrospect">
       <a:fillStyleLst>
         <a:solidFill>
           <a:schemeClr val="phClr"/>
@@ -4516,76 +5483,81 @@
           <a:gsLst>
             <a:gs pos="0">
               <a:schemeClr val="phClr">
-                <a:lumMod val="110000"/>
-                <a:satMod val="105000"/>
-                <a:tint val="67000"/>
+                <a:tint val="65000"/>
+                <a:shade val="92000"/>
+                <a:satMod val="130000"/>
               </a:schemeClr>
             </a:gs>
-            <a:gs pos="50000">
+            <a:gs pos="45000">
               <a:schemeClr val="phClr">
-                <a:lumMod val="105000"/>
-                <a:satMod val="103000"/>
-                <a:tint val="73000"/>
+                <a:tint val="60000"/>
+                <a:shade val="99000"/>
+                <a:satMod val="120000"/>
               </a:schemeClr>
             </a:gs>
             <a:gs pos="100000">
               <a:schemeClr val="phClr">
-                <a:lumMod val="105000"/>
-                <a:satMod val="109000"/>
-                <a:tint val="81000"/>
+                <a:tint val="55000"/>
+                <a:satMod val="140000"/>
               </a:schemeClr>
             </a:gs>
           </a:gsLst>
-          <a:lin ang="5400000" scaled="0"/>
+          <a:path path="circle">
+            <a:fillToRect l="100000" t="100000" r="100000" b="100000"/>
+          </a:path>
         </a:gradFill>
         <a:gradFill rotWithShape="1">
           <a:gsLst>
             <a:gs pos="0">
               <a:schemeClr val="phClr">
-                <a:satMod val="103000"/>
-                <a:lumMod val="102000"/>
-                <a:tint val="94000"/>
+                <a:shade val="85000"/>
+                <a:satMod val="130000"/>
               </a:schemeClr>
             </a:gs>
-            <a:gs pos="50000">
+            <a:gs pos="34000">
               <a:schemeClr val="phClr">
-                <a:satMod val="110000"/>
-                <a:lumMod val="100000"/>
-                <a:shade val="100000"/>
+                <a:shade val="87000"/>
+                <a:satMod val="125000"/>
+              </a:schemeClr>
+            </a:gs>
+            <a:gs pos="70000">
+              <a:schemeClr val="phClr">
+                <a:tint val="100000"/>
+                <a:shade val="90000"/>
+                <a:satMod val="130000"/>
               </a:schemeClr>
             </a:gs>
             <a:gs pos="100000">
               <a:schemeClr val="phClr">
-                <a:lumMod val="99000"/>
-                <a:satMod val="120000"/>
-                <a:shade val="78000"/>
+                <a:tint val="100000"/>
+                <a:shade val="100000"/>
+                <a:satMod val="110000"/>
               </a:schemeClr>
             </a:gs>
           </a:gsLst>
-          <a:lin ang="5400000" scaled="0"/>
+          <a:path path="circle">
+            <a:fillToRect l="100000" t="100000" r="100000" b="100000"/>
+          </a:path>
         </a:gradFill>
       </a:fillStyleLst>
       <a:lnStyleLst>
-        <a:ln w="6350" cap="flat" cmpd="sng" algn="ctr">
-          <a:solidFill>
-            <a:schemeClr val="phClr"/>
-          </a:solidFill>
-          <a:prstDash val="solid"/>
-          <a:miter lim="800000"/>
-        </a:ln>
         <a:ln w="12700" cap="flat" cmpd="sng" algn="ctr">
           <a:solidFill>
             <a:schemeClr val="phClr"/>
           </a:solidFill>
           <a:prstDash val="solid"/>
-          <a:miter lim="800000"/>
         </a:ln>
-        <a:ln w="19050" cap="flat" cmpd="sng" algn="ctr">
+        <a:ln w="15875" cap="flat" cmpd="sng" algn="ctr">
           <a:solidFill>
             <a:schemeClr val="phClr"/>
           </a:solidFill>
           <a:prstDash val="solid"/>
-          <a:miter lim="800000"/>
+        </a:ln>
+        <a:ln w="25400" cap="flat" cmpd="sng" algn="ctr">
+          <a:solidFill>
+            <a:schemeClr val="phClr"/>
+          </a:solidFill>
+          <a:prstDash val="solid"/>
         </a:ln>
       </a:lnStyleLst>
       <a:effectStyleLst>
@@ -4593,16 +5565,33 @@
           <a:effectLst/>
         </a:effectStyle>
         <a:effectStyle>
-          <a:effectLst/>
+          <a:effectLst>
+            <a:outerShdw blurRad="38100" dist="25400" dir="2700000" algn="br" rotWithShape="0">
+              <a:srgbClr val="000000">
+                <a:alpha val="60000"/>
+              </a:srgbClr>
+            </a:outerShdw>
+          </a:effectLst>
         </a:effectStyle>
         <a:effectStyle>
           <a:effectLst>
-            <a:outerShdw blurRad="57150" dist="19050" dir="5400000" algn="ctr" rotWithShape="0">
+            <a:outerShdw blurRad="44450" dist="25400" dir="2700000" algn="br" rotWithShape="0">
               <a:srgbClr val="000000">
-                <a:alpha val="63000"/>
+                <a:alpha val="60000"/>
               </a:srgbClr>
             </a:outerShdw>
           </a:effectLst>
+          <a:scene3d>
+            <a:camera prst="orthographicFront">
+              <a:rot lat="0" lon="0" rev="0"/>
+            </a:camera>
+            <a:lightRig rig="threePt" dir="t">
+              <a:rot lat="0" lon="0" rev="19800000"/>
+            </a:lightRig>
+          </a:scene3d>
+          <a:sp3d prstMaterial="flat">
+            <a:bevelT w="25400" h="31750"/>
+          </a:sp3d>
         </a:effectStyle>
       </a:effectStyleLst>
       <a:bgFillStyleLst>
@@ -4611,36 +5600,36 @@
         </a:solidFill>
         <a:solidFill>
           <a:schemeClr val="phClr">
-            <a:tint val="95000"/>
-            <a:satMod val="170000"/>
+            <a:tint val="90000"/>
+            <a:shade val="97000"/>
+            <a:satMod val="130000"/>
           </a:schemeClr>
         </a:solidFill>
         <a:gradFill rotWithShape="1">
           <a:gsLst>
             <a:gs pos="0">
               <a:schemeClr val="phClr">
-                <a:tint val="93000"/>
-                <a:satMod val="150000"/>
-                <a:shade val="98000"/>
-                <a:lumMod val="102000"/>
+                <a:tint val="96000"/>
+                <a:shade val="99000"/>
+                <a:satMod val="140000"/>
               </a:schemeClr>
             </a:gs>
-            <a:gs pos="50000">
+            <a:gs pos="65000">
               <a:schemeClr val="phClr">
-                <a:tint val="98000"/>
+                <a:tint val="100000"/>
+                <a:shade val="80000"/>
                 <a:satMod val="130000"/>
-                <a:shade val="90000"/>
-                <a:lumMod val="103000"/>
               </a:schemeClr>
             </a:gs>
             <a:gs pos="100000">
               <a:schemeClr val="phClr">
-                <a:shade val="63000"/>
+                <a:tint val="100000"/>
+                <a:shade val="48000"/>
                 <a:satMod val="120000"/>
               </a:schemeClr>
             </a:gs>
           </a:gsLst>
-          <a:lin ang="5400000" scaled="0"/>
+          <a:lin ang="16200000" scaled="0"/>
         </a:gradFill>
       </a:bgFillStyleLst>
     </a:fmtScheme>
@@ -4649,7 +5638,7 @@
   <a:extraClrSchemeLst/>
   <a:extLst>
     <a:ext uri="{05A4C25C-085E-4340-85A3-A5531E510DB2}">
-      <thm15:themeFamily xmlns:thm15="http://schemas.microsoft.com/office/thememl/2012/main" name="Office Theme" id="{62F939B6-93AF-4DB8-9C6B-D6C7DFDC589F}" vid="{4A3C46E8-61CC-4603-A589-7422A47A8E4A}"/>
+      <thm15:themeFamily xmlns:thm15="http://schemas.microsoft.com/office/thememl/2012/main" name="Retrospect" id="{5F128B03-DCCA-4EEB-AB3B-CF2899314A46}" vid="{3F1AAB62-24C6-49D2-8E01-B56FAC9A3DCD}"/>
     </a:ext>
   </a:extLst>
 </a:theme>
